--- a/packages/others/元框架介绍与规划.pptx
+++ b/packages/others/元框架介绍与规划.pptx
@@ -9,10 +9,10 @@
     <p:sldMasterId id="2147483952" r:id="rId5"/>
   </p:sldMasterIdLst>
   <p:notesMasterIdLst>
-    <p:notesMasterId r:id="rId22"/>
+    <p:notesMasterId r:id="rId23"/>
   </p:notesMasterIdLst>
   <p:handoutMasterIdLst>
-    <p:handoutMasterId r:id="rId23"/>
+    <p:handoutMasterId r:id="rId24"/>
   </p:handoutMasterIdLst>
   <p:sldIdLst>
     <p:sldId id="1061" r:id="rId6"/>
@@ -31,11 +31,12 @@
     <p:sldId id="1074" r:id="rId19"/>
     <p:sldId id="1075" r:id="rId20"/>
     <p:sldId id="1076" r:id="rId21"/>
+    <p:sldId id="1077" r:id="rId22"/>
   </p:sldIdLst>
   <p:sldSz cx="13995400" cy="8047038"/>
   <p:notesSz cx="7010400" cy="9296400"/>
   <p:custDataLst>
-    <p:tags r:id="rId24"/>
+    <p:tags r:id="rId25"/>
   </p:custDataLst>
   <p:defaultTextStyle>
     <a:defPPr>
@@ -1668,6 +1669,105 @@
 </p:notes>
 </file>
 
+<file path=ppt/notesSlides/notesSlide17.xml><?xml version="1.0" encoding="utf-8"?>
+<p:notes xmlns:a="http://schemas.openxmlformats.org/drawingml/2006/main" xmlns:r="http://schemas.openxmlformats.org/officeDocument/2006/relationships" xmlns:p="http://schemas.openxmlformats.org/presentationml/2006/main">
+  <p:cSld>
+    <p:spTree>
+      <p:nvGrpSpPr>
+        <p:cNvPr id="1" name=""/>
+        <p:cNvGrpSpPr/>
+        <p:nvPr/>
+      </p:nvGrpSpPr>
+      <p:grpSpPr>
+        <a:xfrm>
+          <a:off x="0" y="0"/>
+          <a:ext cx="0" cy="0"/>
+          <a:chOff x="0" y="0"/>
+          <a:chExt cx="0" cy="0"/>
+        </a:xfrm>
+      </p:grpSpPr>
+      <p:sp>
+        <p:nvSpPr>
+          <p:cNvPr id="2" name="幻灯片图像占位符 1"/>
+          <p:cNvSpPr>
+            <a:spLocks noGrp="1" noRot="1" noChangeAspect="1"/>
+          </p:cNvSpPr>
+          <p:nvPr>
+            <p:ph type="sldImg"/>
+          </p:nvPr>
+        </p:nvSpPr>
+        <p:spPr/>
+      </p:sp>
+      <p:sp>
+        <p:nvSpPr>
+          <p:cNvPr id="3" name="备注占位符 2"/>
+          <p:cNvSpPr>
+            <a:spLocks noGrp="1"/>
+          </p:cNvSpPr>
+          <p:nvPr>
+            <p:ph type="body" idx="1"/>
+          </p:nvPr>
+        </p:nvSpPr>
+        <p:spPr/>
+        <p:txBody>
+          <a:bodyPr/>
+          <a:lstStyle/>
+          <a:p>
+            <a:r>
+              <a:rPr lang="zh-CN" altLang="en-US" smtClean="0"/>
+              <a:t>第一页太简单， 两个模板通过视频介绍，第五页视频可以不需要</a:t>
+            </a:r>
+            <a:endParaRPr lang="zh-CN" altLang="en-US"/>
+          </a:p>
+        </p:txBody>
+      </p:sp>
+      <p:sp>
+        <p:nvSpPr>
+          <p:cNvPr id="4" name="灯片编号占位符 3"/>
+          <p:cNvSpPr>
+            <a:spLocks noGrp="1"/>
+          </p:cNvSpPr>
+          <p:nvPr>
+            <p:ph type="sldNum" sz="quarter" idx="10"/>
+          </p:nvPr>
+        </p:nvSpPr>
+        <p:spPr/>
+        <p:txBody>
+          <a:bodyPr/>
+          <a:lstStyle/>
+          <a:p>
+            <a:fld id="{69A04F47-F59C-44CB-9D1E-0DF3C837D7A9}" type="slidenum">
+              <a:rPr lang="zh-CN" altLang="en-US" smtClean="0">
+                <a:solidFill>
+                  <a:prstClr val="black"/>
+                </a:solidFill>
+                <a:ea typeface="等线" panose="02010600030101010101" pitchFamily="2" charset="-122"/>
+              </a:rPr>
+              <a:pPr/>
+              <a:t>17</a:t>
+            </a:fld>
+            <a:endParaRPr lang="zh-CN" altLang="en-US">
+              <a:solidFill>
+                <a:prstClr val="black"/>
+              </a:solidFill>
+              <a:ea typeface="等线" panose="02010600030101010101" pitchFamily="2" charset="-122"/>
+            </a:endParaRPr>
+          </a:p>
+        </p:txBody>
+      </p:sp>
+    </p:spTree>
+    <p:extLst>
+      <p:ext uri="{BB962C8B-B14F-4D97-AF65-F5344CB8AC3E}">
+        <p14:creationId xmlns:p14="http://schemas.microsoft.com/office/powerpoint/2010/main" val="1270937120"/>
+      </p:ext>
+    </p:extLst>
+  </p:cSld>
+  <p:clrMapOvr>
+    <a:masterClrMapping/>
+  </p:clrMapOvr>
+</p:notes>
+</file>
+
 <file path=ppt/notesSlides/notesSlide2.xml><?xml version="1.0" encoding="utf-8"?>
 <p:notes xmlns:a="http://schemas.openxmlformats.org/drawingml/2006/main" xmlns:r="http://schemas.openxmlformats.org/officeDocument/2006/relationships" xmlns:p="http://schemas.openxmlformats.org/presentationml/2006/main">
   <p:cSld>
@@ -2682,7 +2782,7 @@
           <p:cNvPr id="7" name="Content Placeholder 2">
             <a:extLst>
               <a:ext uri="{FF2B5EF4-FFF2-40B4-BE49-F238E27FC236}">
-                <a16:creationId xmlns="" xmlns:a16="http://schemas.microsoft.com/office/drawing/2014/main" id="{CA8B3F0C-616F-224A-B32F-9F9BF5EEE1BC}"/>
+                <a16:creationId xmlns:a16="http://schemas.microsoft.com/office/drawing/2014/main" xmlns="" id="{CA8B3F0C-616F-224A-B32F-9F9BF5EEE1BC}"/>
               </a:ext>
             </a:extLst>
           </p:cNvPr>
@@ -3031,7 +3131,7 @@
           <p:cNvPr id="3" name="Subtitle 2">
             <a:extLst>
               <a:ext uri="{FF2B5EF4-FFF2-40B4-BE49-F238E27FC236}">
-                <a16:creationId xmlns:a16="http://schemas.microsoft.com/office/drawing/2014/main" xmlns="" id="{D2A38214-5857-FC4E-B923-056100E16BCA}"/>
+                <a16:creationId xmlns="" xmlns:a16="http://schemas.microsoft.com/office/drawing/2014/main" id="{D2A38214-5857-FC4E-B923-056100E16BCA}"/>
               </a:ext>
             </a:extLst>
           </p:cNvPr>
@@ -3119,7 +3219,7 @@
           <p:cNvPr id="5" name="Content Placeholder 2">
             <a:extLst>
               <a:ext uri="{FF2B5EF4-FFF2-40B4-BE49-F238E27FC236}">
-                <a16:creationId xmlns:a16="http://schemas.microsoft.com/office/drawing/2014/main" xmlns="" id="{CA8B3F0C-616F-224A-B32F-9F9BF5EEE1BC}"/>
+                <a16:creationId xmlns="" xmlns:a16="http://schemas.microsoft.com/office/drawing/2014/main" id="{CA8B3F0C-616F-224A-B32F-9F9BF5EEE1BC}"/>
               </a:ext>
             </a:extLst>
           </p:cNvPr>
@@ -12348,7 +12448,7 @@
           <p:cNvPr id="3" name="TextBox 2">
             <a:extLst>
               <a:ext uri="{FF2B5EF4-FFF2-40B4-BE49-F238E27FC236}">
-                <a16:creationId xmlns="" xmlns:a16="http://schemas.microsoft.com/office/drawing/2014/main" id="{6785A3D6-1271-D247-9E96-1B376F4BE7BE}"/>
+                <a16:creationId xmlns:a16="http://schemas.microsoft.com/office/drawing/2014/main" xmlns="" id="{6785A3D6-1271-D247-9E96-1B376F4BE7BE}"/>
               </a:ext>
             </a:extLst>
           </p:cNvPr>
@@ -12397,7 +12497,7 @@
           <p:cNvPr id="4" name="TextBox 3">
             <a:extLst>
               <a:ext uri="{FF2B5EF4-FFF2-40B4-BE49-F238E27FC236}">
-                <a16:creationId xmlns="" xmlns:a16="http://schemas.microsoft.com/office/drawing/2014/main" id="{EABEE2EE-BF4D-7A4A-B3C6-9E47668CCD98}"/>
+                <a16:creationId xmlns:a16="http://schemas.microsoft.com/office/drawing/2014/main" xmlns="" id="{EABEE2EE-BF4D-7A4A-B3C6-9E47668CCD98}"/>
               </a:ext>
             </a:extLst>
           </p:cNvPr>
@@ -12491,7 +12591,7 @@
               <p:cNvPr id="44" name="矩形 5">
                 <a:extLst>
                   <a:ext uri="{FF2B5EF4-FFF2-40B4-BE49-F238E27FC236}">
-                    <a16:creationId xmlns="" xmlns:a16="http://schemas.microsoft.com/office/drawing/2014/main" id="{3B0B5EC2-EA55-CC45-A9D0-D5EA5D768C99}"/>
+                    <a16:creationId xmlns:a16="http://schemas.microsoft.com/office/drawing/2014/main" xmlns="" id="{3B0B5EC2-EA55-CC45-A9D0-D5EA5D768C99}"/>
                   </a:ext>
                 </a:extLst>
               </p:cNvPr>
@@ -12614,7 +12714,7 @@
               <p:cNvPr id="45" name="矩形 9">
                 <a:extLst>
                   <a:ext uri="{FF2B5EF4-FFF2-40B4-BE49-F238E27FC236}">
-                    <a16:creationId xmlns="" xmlns:a16="http://schemas.microsoft.com/office/drawing/2014/main" id="{992224C5-04A6-C041-B257-13137945DBB8}"/>
+                    <a16:creationId xmlns:a16="http://schemas.microsoft.com/office/drawing/2014/main" xmlns="" id="{992224C5-04A6-C041-B257-13137945DBB8}"/>
                   </a:ext>
                 </a:extLst>
               </p:cNvPr>
@@ -12737,7 +12837,7 @@
               <p:cNvPr id="46" name="文本框 31">
                 <a:extLst>
                   <a:ext uri="{FF2B5EF4-FFF2-40B4-BE49-F238E27FC236}">
-                    <a16:creationId xmlns="" xmlns:a16="http://schemas.microsoft.com/office/drawing/2014/main" id="{58918196-0639-EE4B-AFC2-315BE04587B9}"/>
+                    <a16:creationId xmlns:a16="http://schemas.microsoft.com/office/drawing/2014/main" xmlns="" id="{58918196-0639-EE4B-AFC2-315BE04587B9}"/>
                   </a:ext>
                 </a:extLst>
               </p:cNvPr>
@@ -12808,7 +12908,7 @@
               <p:cNvPr id="28" name="矩形 12">
                 <a:extLst>
                   <a:ext uri="{FF2B5EF4-FFF2-40B4-BE49-F238E27FC236}">
-                    <a16:creationId xmlns="" xmlns:a16="http://schemas.microsoft.com/office/drawing/2014/main" id="{DCA8B73C-0B87-284F-805F-752EBF20B768}"/>
+                    <a16:creationId xmlns:a16="http://schemas.microsoft.com/office/drawing/2014/main" xmlns="" id="{DCA8B73C-0B87-284F-805F-752EBF20B768}"/>
                   </a:ext>
                 </a:extLst>
               </p:cNvPr>
@@ -12931,7 +13031,7 @@
               <p:cNvPr id="29" name="矩形 13">
                 <a:extLst>
                   <a:ext uri="{FF2B5EF4-FFF2-40B4-BE49-F238E27FC236}">
-                    <a16:creationId xmlns="" xmlns:a16="http://schemas.microsoft.com/office/drawing/2014/main" id="{138A39A8-BB4E-CD4E-9201-F1785C874F92}"/>
+                    <a16:creationId xmlns:a16="http://schemas.microsoft.com/office/drawing/2014/main" xmlns="" id="{138A39A8-BB4E-CD4E-9201-F1785C874F92}"/>
                   </a:ext>
                 </a:extLst>
               </p:cNvPr>
@@ -13052,7 +13152,7 @@
               <p:cNvPr id="30" name="文本框 15">
                 <a:extLst>
                   <a:ext uri="{FF2B5EF4-FFF2-40B4-BE49-F238E27FC236}">
-                    <a16:creationId xmlns="" xmlns:a16="http://schemas.microsoft.com/office/drawing/2014/main" id="{8F53C07A-1022-C740-8F8D-97538E174D38}"/>
+                    <a16:creationId xmlns:a16="http://schemas.microsoft.com/office/drawing/2014/main" xmlns="" id="{8F53C07A-1022-C740-8F8D-97538E174D38}"/>
                   </a:ext>
                 </a:extLst>
               </p:cNvPr>
@@ -13101,7 +13201,7 @@
               <p:cNvPr id="31" name="矩形 16">
                 <a:extLst>
                   <a:ext uri="{FF2B5EF4-FFF2-40B4-BE49-F238E27FC236}">
-                    <a16:creationId xmlns="" xmlns:a16="http://schemas.microsoft.com/office/drawing/2014/main" id="{306A7598-C00D-994F-82DA-B39F3C2E0AAD}"/>
+                    <a16:creationId xmlns:a16="http://schemas.microsoft.com/office/drawing/2014/main" xmlns="" id="{306A7598-C00D-994F-82DA-B39F3C2E0AAD}"/>
                   </a:ext>
                 </a:extLst>
               </p:cNvPr>
@@ -13222,7 +13322,7 @@
               <p:cNvPr id="32" name="矩形 17">
                 <a:extLst>
                   <a:ext uri="{FF2B5EF4-FFF2-40B4-BE49-F238E27FC236}">
-                    <a16:creationId xmlns="" xmlns:a16="http://schemas.microsoft.com/office/drawing/2014/main" id="{C1423292-FF2F-A74C-943E-1C3C47534098}"/>
+                    <a16:creationId xmlns:a16="http://schemas.microsoft.com/office/drawing/2014/main" xmlns="" id="{C1423292-FF2F-A74C-943E-1C3C47534098}"/>
                   </a:ext>
                 </a:extLst>
               </p:cNvPr>
@@ -13343,7 +13443,7 @@
               <p:cNvPr id="33" name="矩形 18">
                 <a:extLst>
                   <a:ext uri="{FF2B5EF4-FFF2-40B4-BE49-F238E27FC236}">
-                    <a16:creationId xmlns="" xmlns:a16="http://schemas.microsoft.com/office/drawing/2014/main" id="{2A29AF15-F5C4-A842-A63B-5DBA549CB92F}"/>
+                    <a16:creationId xmlns:a16="http://schemas.microsoft.com/office/drawing/2014/main" xmlns="" id="{2A29AF15-F5C4-A842-A63B-5DBA549CB92F}"/>
                   </a:ext>
                 </a:extLst>
               </p:cNvPr>
@@ -13442,7 +13542,7 @@
               <p:cNvPr id="34" name="矩形 19">
                 <a:extLst>
                   <a:ext uri="{FF2B5EF4-FFF2-40B4-BE49-F238E27FC236}">
-                    <a16:creationId xmlns="" xmlns:a16="http://schemas.microsoft.com/office/drawing/2014/main" id="{E9EA970A-4D36-BC41-B8BE-40DF553320E7}"/>
+                    <a16:creationId xmlns:a16="http://schemas.microsoft.com/office/drawing/2014/main" xmlns="" id="{E9EA970A-4D36-BC41-B8BE-40DF553320E7}"/>
                   </a:ext>
                 </a:extLst>
               </p:cNvPr>
@@ -13541,7 +13641,7 @@
               <p:cNvPr id="35" name="矩形 22">
                 <a:extLst>
                   <a:ext uri="{FF2B5EF4-FFF2-40B4-BE49-F238E27FC236}">
-                    <a16:creationId xmlns="" xmlns:a16="http://schemas.microsoft.com/office/drawing/2014/main" id="{14EE21FB-1D92-0241-ABA5-5E9A6AEE0DC8}"/>
+                    <a16:creationId xmlns:a16="http://schemas.microsoft.com/office/drawing/2014/main" xmlns="" id="{14EE21FB-1D92-0241-ABA5-5E9A6AEE0DC8}"/>
                   </a:ext>
                 </a:extLst>
               </p:cNvPr>
@@ -13662,7 +13762,7 @@
               <p:cNvPr id="36" name="矩形 12">
                 <a:extLst>
                   <a:ext uri="{FF2B5EF4-FFF2-40B4-BE49-F238E27FC236}">
-                    <a16:creationId xmlns="" xmlns:a16="http://schemas.microsoft.com/office/drawing/2014/main" id="{883734A3-2645-434A-9DCC-1416B6C687CC}"/>
+                    <a16:creationId xmlns:a16="http://schemas.microsoft.com/office/drawing/2014/main" xmlns="" id="{883734A3-2645-434A-9DCC-1416B6C687CC}"/>
                   </a:ext>
                 </a:extLst>
               </p:cNvPr>
@@ -13783,7 +13883,7 @@
               <p:cNvPr id="37" name="矩形 13">
                 <a:extLst>
                   <a:ext uri="{FF2B5EF4-FFF2-40B4-BE49-F238E27FC236}">
-                    <a16:creationId xmlns="" xmlns:a16="http://schemas.microsoft.com/office/drawing/2014/main" id="{1FF13552-FB3D-134A-A80A-6CFB35DFE1A1}"/>
+                    <a16:creationId xmlns:a16="http://schemas.microsoft.com/office/drawing/2014/main" xmlns="" id="{1FF13552-FB3D-134A-A80A-6CFB35DFE1A1}"/>
                   </a:ext>
                 </a:extLst>
               </p:cNvPr>
@@ -13906,7 +14006,7 @@
               <p:cNvPr id="38" name="矩形 16">
                 <a:extLst>
                   <a:ext uri="{FF2B5EF4-FFF2-40B4-BE49-F238E27FC236}">
-                    <a16:creationId xmlns="" xmlns:a16="http://schemas.microsoft.com/office/drawing/2014/main" id="{0A96471B-CB12-1443-B01F-C14C9112C149}"/>
+                    <a16:creationId xmlns:a16="http://schemas.microsoft.com/office/drawing/2014/main" xmlns="" id="{0A96471B-CB12-1443-B01F-C14C9112C149}"/>
                   </a:ext>
                 </a:extLst>
               </p:cNvPr>
@@ -14027,7 +14127,7 @@
               <p:cNvPr id="39" name="矩形 17">
                 <a:extLst>
                   <a:ext uri="{FF2B5EF4-FFF2-40B4-BE49-F238E27FC236}">
-                    <a16:creationId xmlns="" xmlns:a16="http://schemas.microsoft.com/office/drawing/2014/main" id="{61890D59-CF8B-1449-A836-3A304EC9A907}"/>
+                    <a16:creationId xmlns:a16="http://schemas.microsoft.com/office/drawing/2014/main" xmlns="" id="{61890D59-CF8B-1449-A836-3A304EC9A907}"/>
                   </a:ext>
                 </a:extLst>
               </p:cNvPr>
@@ -14148,7 +14248,7 @@
               <p:cNvPr id="40" name="矩形 18">
                 <a:extLst>
                   <a:ext uri="{FF2B5EF4-FFF2-40B4-BE49-F238E27FC236}">
-                    <a16:creationId xmlns="" xmlns:a16="http://schemas.microsoft.com/office/drawing/2014/main" id="{0466A1E1-E7C7-FD49-9880-9E44BED19FF5}"/>
+                    <a16:creationId xmlns:a16="http://schemas.microsoft.com/office/drawing/2014/main" xmlns="" id="{0466A1E1-E7C7-FD49-9880-9E44BED19FF5}"/>
                   </a:ext>
                 </a:extLst>
               </p:cNvPr>
@@ -14269,7 +14369,7 @@
               <p:cNvPr id="42" name="矩形 19">
                 <a:extLst>
                   <a:ext uri="{FF2B5EF4-FFF2-40B4-BE49-F238E27FC236}">
-                    <a16:creationId xmlns="" xmlns:a16="http://schemas.microsoft.com/office/drawing/2014/main" id="{B21AD6AC-1275-0142-A9EA-D77B26CB40EF}"/>
+                    <a16:creationId xmlns:a16="http://schemas.microsoft.com/office/drawing/2014/main" xmlns="" id="{B21AD6AC-1275-0142-A9EA-D77B26CB40EF}"/>
                   </a:ext>
                 </a:extLst>
               </p:cNvPr>
@@ -14390,7 +14490,7 @@
               <p:cNvPr id="43" name="矩形 22">
                 <a:extLst>
                   <a:ext uri="{FF2B5EF4-FFF2-40B4-BE49-F238E27FC236}">
-                    <a16:creationId xmlns="" xmlns:a16="http://schemas.microsoft.com/office/drawing/2014/main" id="{238BAC2A-AE09-A84D-875D-8472236D6610}"/>
+                    <a16:creationId xmlns:a16="http://schemas.microsoft.com/office/drawing/2014/main" xmlns="" id="{238BAC2A-AE09-A84D-875D-8472236D6610}"/>
                   </a:ext>
                 </a:extLst>
               </p:cNvPr>
@@ -14899,7 +14999,7 @@
           <p:cNvPr id="3" name="TextBox 2">
             <a:extLst>
               <a:ext uri="{FF2B5EF4-FFF2-40B4-BE49-F238E27FC236}">
-                <a16:creationId xmlns:a16="http://schemas.microsoft.com/office/drawing/2014/main" xmlns="" id="{6785A3D6-1271-D247-9E96-1B376F4BE7BE}"/>
+                <a16:creationId xmlns="" xmlns:a16="http://schemas.microsoft.com/office/drawing/2014/main" id="{6785A3D6-1271-D247-9E96-1B376F4BE7BE}"/>
               </a:ext>
             </a:extLst>
           </p:cNvPr>
@@ -14949,7 +15049,7 @@
           <p:cNvPr id="4" name="TextBox 3">
             <a:extLst>
               <a:ext uri="{FF2B5EF4-FFF2-40B4-BE49-F238E27FC236}">
-                <a16:creationId xmlns:a16="http://schemas.microsoft.com/office/drawing/2014/main" xmlns="" id="{EABEE2EE-BF4D-7A4A-B3C6-9E47668CCD98}"/>
+                <a16:creationId xmlns="" xmlns:a16="http://schemas.microsoft.com/office/drawing/2014/main" id="{EABEE2EE-BF4D-7A4A-B3C6-9E47668CCD98}"/>
               </a:ext>
             </a:extLst>
           </p:cNvPr>
@@ -15045,7 +15145,7 @@
               <p:cNvPr id="44" name="矩形 5">
                 <a:extLst>
                   <a:ext uri="{FF2B5EF4-FFF2-40B4-BE49-F238E27FC236}">
-                    <a16:creationId xmlns:a16="http://schemas.microsoft.com/office/drawing/2014/main" xmlns="" id="{3B0B5EC2-EA55-CC45-A9D0-D5EA5D768C99}"/>
+                    <a16:creationId xmlns="" xmlns:a16="http://schemas.microsoft.com/office/drawing/2014/main" id="{3B0B5EC2-EA55-CC45-A9D0-D5EA5D768C99}"/>
                   </a:ext>
                 </a:extLst>
               </p:cNvPr>
@@ -15157,7 +15257,7 @@
               <p:cNvPr id="45" name="矩形 9">
                 <a:extLst>
                   <a:ext uri="{FF2B5EF4-FFF2-40B4-BE49-F238E27FC236}">
-                    <a16:creationId xmlns:a16="http://schemas.microsoft.com/office/drawing/2014/main" xmlns="" id="{992224C5-04A6-C041-B257-13137945DBB8}"/>
+                    <a16:creationId xmlns="" xmlns:a16="http://schemas.microsoft.com/office/drawing/2014/main" id="{992224C5-04A6-C041-B257-13137945DBB8}"/>
                   </a:ext>
                 </a:extLst>
               </p:cNvPr>
@@ -15269,7 +15369,7 @@
               <p:cNvPr id="46" name="文本框 31">
                 <a:extLst>
                   <a:ext uri="{FF2B5EF4-FFF2-40B4-BE49-F238E27FC236}">
-                    <a16:creationId xmlns:a16="http://schemas.microsoft.com/office/drawing/2014/main" xmlns="" id="{58918196-0639-EE4B-AFC2-315BE04587B9}"/>
+                    <a16:creationId xmlns="" xmlns:a16="http://schemas.microsoft.com/office/drawing/2014/main" id="{58918196-0639-EE4B-AFC2-315BE04587B9}"/>
                   </a:ext>
                 </a:extLst>
               </p:cNvPr>
@@ -15333,7 +15433,7 @@
               <p:cNvPr id="28" name="矩形 12">
                 <a:extLst>
                   <a:ext uri="{FF2B5EF4-FFF2-40B4-BE49-F238E27FC236}">
-                    <a16:creationId xmlns:a16="http://schemas.microsoft.com/office/drawing/2014/main" xmlns="" id="{DCA8B73C-0B87-284F-805F-752EBF20B768}"/>
+                    <a16:creationId xmlns="" xmlns:a16="http://schemas.microsoft.com/office/drawing/2014/main" id="{DCA8B73C-0B87-284F-805F-752EBF20B768}"/>
                   </a:ext>
                 </a:extLst>
               </p:cNvPr>
@@ -15445,7 +15545,7 @@
               <p:cNvPr id="29" name="矩形 13">
                 <a:extLst>
                   <a:ext uri="{FF2B5EF4-FFF2-40B4-BE49-F238E27FC236}">
-                    <a16:creationId xmlns:a16="http://schemas.microsoft.com/office/drawing/2014/main" xmlns="" id="{138A39A8-BB4E-CD4E-9201-F1785C874F92}"/>
+                    <a16:creationId xmlns="" xmlns:a16="http://schemas.microsoft.com/office/drawing/2014/main" id="{138A39A8-BB4E-CD4E-9201-F1785C874F92}"/>
                   </a:ext>
                 </a:extLst>
               </p:cNvPr>
@@ -15555,7 +15655,7 @@
               <p:cNvPr id="30" name="文本框 15">
                 <a:extLst>
                   <a:ext uri="{FF2B5EF4-FFF2-40B4-BE49-F238E27FC236}">
-                    <a16:creationId xmlns:a16="http://schemas.microsoft.com/office/drawing/2014/main" xmlns="" id="{8F53C07A-1022-C740-8F8D-97538E174D38}"/>
+                    <a16:creationId xmlns="" xmlns:a16="http://schemas.microsoft.com/office/drawing/2014/main" id="{8F53C07A-1022-C740-8F8D-97538E174D38}"/>
                   </a:ext>
                 </a:extLst>
               </p:cNvPr>
@@ -15604,7 +15704,7 @@
               <p:cNvPr id="31" name="矩形 16">
                 <a:extLst>
                   <a:ext uri="{FF2B5EF4-FFF2-40B4-BE49-F238E27FC236}">
-                    <a16:creationId xmlns:a16="http://schemas.microsoft.com/office/drawing/2014/main" xmlns="" id="{306A7598-C00D-994F-82DA-B39F3C2E0AAD}"/>
+                    <a16:creationId xmlns="" xmlns:a16="http://schemas.microsoft.com/office/drawing/2014/main" id="{306A7598-C00D-994F-82DA-B39F3C2E0AAD}"/>
                   </a:ext>
                 </a:extLst>
               </p:cNvPr>
@@ -15714,7 +15814,7 @@
               <p:cNvPr id="32" name="矩形 17">
                 <a:extLst>
                   <a:ext uri="{FF2B5EF4-FFF2-40B4-BE49-F238E27FC236}">
-                    <a16:creationId xmlns:a16="http://schemas.microsoft.com/office/drawing/2014/main" xmlns="" id="{C1423292-FF2F-A74C-943E-1C3C47534098}"/>
+                    <a16:creationId xmlns="" xmlns:a16="http://schemas.microsoft.com/office/drawing/2014/main" id="{C1423292-FF2F-A74C-943E-1C3C47534098}"/>
                   </a:ext>
                 </a:extLst>
               </p:cNvPr>
@@ -15824,7 +15924,7 @@
               <p:cNvPr id="33" name="矩形 18">
                 <a:extLst>
                   <a:ext uri="{FF2B5EF4-FFF2-40B4-BE49-F238E27FC236}">
-                    <a16:creationId xmlns:a16="http://schemas.microsoft.com/office/drawing/2014/main" xmlns="" id="{2A29AF15-F5C4-A842-A63B-5DBA549CB92F}"/>
+                    <a16:creationId xmlns="" xmlns:a16="http://schemas.microsoft.com/office/drawing/2014/main" id="{2A29AF15-F5C4-A842-A63B-5DBA549CB92F}"/>
                   </a:ext>
                 </a:extLst>
               </p:cNvPr>
@@ -15912,7 +16012,7 @@
               <p:cNvPr id="34" name="矩形 19">
                 <a:extLst>
                   <a:ext uri="{FF2B5EF4-FFF2-40B4-BE49-F238E27FC236}">
-                    <a16:creationId xmlns:a16="http://schemas.microsoft.com/office/drawing/2014/main" xmlns="" id="{E9EA970A-4D36-BC41-B8BE-40DF553320E7}"/>
+                    <a16:creationId xmlns="" xmlns:a16="http://schemas.microsoft.com/office/drawing/2014/main" id="{E9EA970A-4D36-BC41-B8BE-40DF553320E7}"/>
                   </a:ext>
                 </a:extLst>
               </p:cNvPr>
@@ -16000,7 +16100,7 @@
               <p:cNvPr id="35" name="矩形 22">
                 <a:extLst>
                   <a:ext uri="{FF2B5EF4-FFF2-40B4-BE49-F238E27FC236}">
-                    <a16:creationId xmlns:a16="http://schemas.microsoft.com/office/drawing/2014/main" xmlns="" id="{14EE21FB-1D92-0241-ABA5-5E9A6AEE0DC8}"/>
+                    <a16:creationId xmlns="" xmlns:a16="http://schemas.microsoft.com/office/drawing/2014/main" id="{14EE21FB-1D92-0241-ABA5-5E9A6AEE0DC8}"/>
                   </a:ext>
                 </a:extLst>
               </p:cNvPr>
@@ -16110,7 +16210,7 @@
               <p:cNvPr id="36" name="矩形 12">
                 <a:extLst>
                   <a:ext uri="{FF2B5EF4-FFF2-40B4-BE49-F238E27FC236}">
-                    <a16:creationId xmlns:a16="http://schemas.microsoft.com/office/drawing/2014/main" xmlns="" id="{883734A3-2645-434A-9DCC-1416B6C687CC}"/>
+                    <a16:creationId xmlns="" xmlns:a16="http://schemas.microsoft.com/office/drawing/2014/main" id="{883734A3-2645-434A-9DCC-1416B6C687CC}"/>
                   </a:ext>
                 </a:extLst>
               </p:cNvPr>
@@ -16220,7 +16320,7 @@
               <p:cNvPr id="37" name="矩形 13">
                 <a:extLst>
                   <a:ext uri="{FF2B5EF4-FFF2-40B4-BE49-F238E27FC236}">
-                    <a16:creationId xmlns:a16="http://schemas.microsoft.com/office/drawing/2014/main" xmlns="" id="{1FF13552-FB3D-134A-A80A-6CFB35DFE1A1}"/>
+                    <a16:creationId xmlns="" xmlns:a16="http://schemas.microsoft.com/office/drawing/2014/main" id="{1FF13552-FB3D-134A-A80A-6CFB35DFE1A1}"/>
                   </a:ext>
                 </a:extLst>
               </p:cNvPr>
@@ -16332,7 +16432,7 @@
               <p:cNvPr id="38" name="矩形 16">
                 <a:extLst>
                   <a:ext uri="{FF2B5EF4-FFF2-40B4-BE49-F238E27FC236}">
-                    <a16:creationId xmlns:a16="http://schemas.microsoft.com/office/drawing/2014/main" xmlns="" id="{0A96471B-CB12-1443-B01F-C14C9112C149}"/>
+                    <a16:creationId xmlns="" xmlns:a16="http://schemas.microsoft.com/office/drawing/2014/main" id="{0A96471B-CB12-1443-B01F-C14C9112C149}"/>
                   </a:ext>
                 </a:extLst>
               </p:cNvPr>
@@ -16442,7 +16542,7 @@
               <p:cNvPr id="39" name="矩形 17">
                 <a:extLst>
                   <a:ext uri="{FF2B5EF4-FFF2-40B4-BE49-F238E27FC236}">
-                    <a16:creationId xmlns:a16="http://schemas.microsoft.com/office/drawing/2014/main" xmlns="" id="{61890D59-CF8B-1449-A836-3A304EC9A907}"/>
+                    <a16:creationId xmlns="" xmlns:a16="http://schemas.microsoft.com/office/drawing/2014/main" id="{61890D59-CF8B-1449-A836-3A304EC9A907}"/>
                   </a:ext>
                 </a:extLst>
               </p:cNvPr>
@@ -16552,7 +16652,7 @@
               <p:cNvPr id="40" name="矩形 18">
                 <a:extLst>
                   <a:ext uri="{FF2B5EF4-FFF2-40B4-BE49-F238E27FC236}">
-                    <a16:creationId xmlns:a16="http://schemas.microsoft.com/office/drawing/2014/main" xmlns="" id="{0466A1E1-E7C7-FD49-9880-9E44BED19FF5}"/>
+                    <a16:creationId xmlns="" xmlns:a16="http://schemas.microsoft.com/office/drawing/2014/main" id="{0466A1E1-E7C7-FD49-9880-9E44BED19FF5}"/>
                   </a:ext>
                 </a:extLst>
               </p:cNvPr>
@@ -16662,7 +16762,7 @@
               <p:cNvPr id="42" name="矩形 19">
                 <a:extLst>
                   <a:ext uri="{FF2B5EF4-FFF2-40B4-BE49-F238E27FC236}">
-                    <a16:creationId xmlns:a16="http://schemas.microsoft.com/office/drawing/2014/main" xmlns="" id="{B21AD6AC-1275-0142-A9EA-D77B26CB40EF}"/>
+                    <a16:creationId xmlns="" xmlns:a16="http://schemas.microsoft.com/office/drawing/2014/main" id="{B21AD6AC-1275-0142-A9EA-D77B26CB40EF}"/>
                   </a:ext>
                 </a:extLst>
               </p:cNvPr>
@@ -16772,7 +16872,7 @@
               <p:cNvPr id="43" name="矩形 22">
                 <a:extLst>
                   <a:ext uri="{FF2B5EF4-FFF2-40B4-BE49-F238E27FC236}">
-                    <a16:creationId xmlns:a16="http://schemas.microsoft.com/office/drawing/2014/main" xmlns="" id="{238BAC2A-AE09-A84D-875D-8472236D6610}"/>
+                    <a16:creationId xmlns="" xmlns:a16="http://schemas.microsoft.com/office/drawing/2014/main" id="{238BAC2A-AE09-A84D-875D-8472236D6610}"/>
                   </a:ext>
                 </a:extLst>
               </p:cNvPr>
@@ -17452,7 +17552,7 @@
           <p:cNvPr id="8" name="标题 1">
             <a:extLst>
               <a:ext uri="{FF2B5EF4-FFF2-40B4-BE49-F238E27FC236}">
-                <a16:creationId xmlns:a16="http://schemas.microsoft.com/office/drawing/2014/main" xmlns="" id="{01036BA4-5F63-4DC5-8AFE-DE37F0EFF474}"/>
+                <a16:creationId xmlns="" xmlns:a16="http://schemas.microsoft.com/office/drawing/2014/main" id="{01036BA4-5F63-4DC5-8AFE-DE37F0EFF474}"/>
               </a:ext>
             </a:extLst>
           </p:cNvPr>
@@ -17589,7 +17689,7 @@
           <p:cNvPr id="9" name="文本框 8">
             <a:extLst>
               <a:ext uri="{FF2B5EF4-FFF2-40B4-BE49-F238E27FC236}">
-                <a16:creationId xmlns:a16="http://schemas.microsoft.com/office/drawing/2014/main" xmlns="" id="{7530A2D7-2288-4010-A2CB-3B24B1B00172}"/>
+                <a16:creationId xmlns="" xmlns:a16="http://schemas.microsoft.com/office/drawing/2014/main" id="{7530A2D7-2288-4010-A2CB-3B24B1B00172}"/>
               </a:ext>
             </a:extLst>
           </p:cNvPr>
@@ -17720,7 +17820,7 @@
           <p:cNvPr id="2" name="文本框 1">
             <a:extLst>
               <a:ext uri="{FF2B5EF4-FFF2-40B4-BE49-F238E27FC236}">
-                <a16:creationId xmlns:a16="http://schemas.microsoft.com/office/drawing/2014/main" xmlns="" id="{4B2AFA0B-7B46-4A02-871D-8C3F1345062A}"/>
+                <a16:creationId xmlns="" xmlns:a16="http://schemas.microsoft.com/office/drawing/2014/main" id="{4B2AFA0B-7B46-4A02-871D-8C3F1345062A}"/>
               </a:ext>
             </a:extLst>
           </p:cNvPr>
@@ -17886,7 +17986,7 @@
           <p:cNvPr id="4" name="object 7">
             <a:extLst>
               <a:ext uri="{FF2B5EF4-FFF2-40B4-BE49-F238E27FC236}">
-                <a16:creationId xmlns:a16="http://schemas.microsoft.com/office/drawing/2014/main" xmlns="" id="{F75A0198-C5F6-4E74-BE2D-D57F35533E3B}"/>
+                <a16:creationId xmlns="" xmlns:a16="http://schemas.microsoft.com/office/drawing/2014/main" id="{F75A0198-C5F6-4E74-BE2D-D57F35533E3B}"/>
               </a:ext>
             </a:extLst>
           </p:cNvPr>
@@ -17991,11 +18091,7 @@
             </a:r>
             <a:r>
               <a:rPr lang="zh-CN" altLang="en-US" sz="2296" b="0" dirty="0"/>
-              <a:t>命令触发</a:t>
-            </a:r>
-            <a:r>
-              <a:rPr lang="zh-CN" altLang="en-US" sz="2296" b="0" dirty="0"/>
-              <a:t>。</a:t>
+              <a:t>命令触发。</a:t>
             </a:r>
             <a:endParaRPr lang="en-US" altLang="zh-CN" sz="2296" b="0" dirty="0"/>
           </a:p>
@@ -18016,7 +18112,7 @@
           <p:cNvPr id="6" name="矩形 5">
             <a:extLst>
               <a:ext uri="{FF2B5EF4-FFF2-40B4-BE49-F238E27FC236}">
-                <a16:creationId xmlns:a16="http://schemas.microsoft.com/office/drawing/2014/main" xmlns="" id="{BC5C963D-BE80-464D-9850-368023303306}"/>
+                <a16:creationId xmlns="" xmlns:a16="http://schemas.microsoft.com/office/drawing/2014/main" id="{BC5C963D-BE80-464D-9850-368023303306}"/>
               </a:ext>
             </a:extLst>
           </p:cNvPr>
@@ -18286,7 +18382,7 @@
           <p:cNvPr id="4" name="object 7">
             <a:extLst>
               <a:ext uri="{FF2B5EF4-FFF2-40B4-BE49-F238E27FC236}">
-                <a16:creationId xmlns:a16="http://schemas.microsoft.com/office/drawing/2014/main" xmlns="" id="{F75A0198-C5F6-4E74-BE2D-D57F35533E3B}"/>
+                <a16:creationId xmlns="" xmlns:a16="http://schemas.microsoft.com/office/drawing/2014/main" id="{F75A0198-C5F6-4E74-BE2D-D57F35533E3B}"/>
               </a:ext>
             </a:extLst>
           </p:cNvPr>
@@ -18335,23 +18431,7 @@
                   <a:srgbClr val="0070C0"/>
                 </a:solidFill>
               </a:rPr>
-              <a:t>本地</a:t>
-            </a:r>
-            <a:r>
-              <a:rPr lang="zh-CN" altLang="en-US" sz="2296" b="0" dirty="0">
-                <a:solidFill>
-                  <a:srgbClr val="0070C0"/>
-                </a:solidFill>
-              </a:rPr>
-              <a:t>开发</a:t>
-            </a:r>
-            <a:r>
-              <a:rPr lang="zh-CN" altLang="en-US" sz="2296" b="0" dirty="0">
-                <a:solidFill>
-                  <a:srgbClr val="0070C0"/>
-                </a:solidFill>
-              </a:rPr>
-              <a:t>构建</a:t>
+              <a:t>本地开发构建</a:t>
             </a:r>
             <a:r>
               <a:rPr lang="zh-CN" altLang="en-US" sz="2296" b="0" dirty="0"/>
@@ -18380,7 +18460,7 @@
           <p:cNvPr id="6" name="矩形 5">
             <a:extLst>
               <a:ext uri="{FF2B5EF4-FFF2-40B4-BE49-F238E27FC236}">
-                <a16:creationId xmlns:a16="http://schemas.microsoft.com/office/drawing/2014/main" xmlns="" id="{BC5C963D-BE80-464D-9850-368023303306}"/>
+                <a16:creationId xmlns="" xmlns:a16="http://schemas.microsoft.com/office/drawing/2014/main" id="{BC5C963D-BE80-464D-9850-368023303306}"/>
               </a:ext>
             </a:extLst>
           </p:cNvPr>
@@ -18654,7 +18734,7 @@
           <p:cNvPr id="5" name="object 7">
             <a:extLst>
               <a:ext uri="{FF2B5EF4-FFF2-40B4-BE49-F238E27FC236}">
-                <a16:creationId xmlns:a16="http://schemas.microsoft.com/office/drawing/2014/main" xmlns="" id="{F75A0198-C5F6-4E74-BE2D-D57F35533E3B}"/>
+                <a16:creationId xmlns="" xmlns:a16="http://schemas.microsoft.com/office/drawing/2014/main" id="{F75A0198-C5F6-4E74-BE2D-D57F35533E3B}"/>
               </a:ext>
             </a:extLst>
           </p:cNvPr>
@@ -18707,15 +18787,7 @@
                   <a:srgbClr val="1F0909"/>
                 </a:solidFill>
               </a:rPr>
-              <a:t>广泛应用于前端开发中，Mock能力可以模拟出后端服务的各种响应情况，比如成功、失败、超时等情况，以及不同的数据返回，从而帮助我们更好地进行前端开发和测试</a:t>
-            </a:r>
-            <a:r>
-              <a:rPr lang="zh-CN" altLang="zh-CN" sz="2296" b="0" dirty="0">
-                <a:solidFill>
-                  <a:srgbClr val="1F0909"/>
-                </a:solidFill>
-              </a:rPr>
-              <a:t>。</a:t>
+              <a:t>广泛应用于前端开发中，Mock能力可以模拟出后端服务的各种响应情况，比如成功、失败、超时等情况，以及不同的数据返回，从而帮助我们更好地进行前端开发和测试。</a:t>
             </a:r>
             <a:endParaRPr lang="en-US" altLang="zh-CN" sz="2296" b="0" dirty="0">
               <a:solidFill>
@@ -18737,23 +18809,7 @@
                   <a:srgbClr val="1F0909"/>
                 </a:solidFill>
               </a:rPr>
-              <a:t>Mock</a:t>
-            </a:r>
-            <a:r>
-              <a:rPr lang="zh-CN" altLang="zh-CN" sz="2296" b="0" dirty="0">
-                <a:solidFill>
-                  <a:srgbClr val="1F0909"/>
-                </a:solidFill>
-              </a:rPr>
-              <a:t>功能可以使得前端开发人员可以独立进行开发和测试，不会受到后端开发的进度影响，从而提高开发效率</a:t>
-            </a:r>
-            <a:r>
-              <a:rPr lang="zh-CN" altLang="zh-CN" sz="2296" b="0" dirty="0">
-                <a:solidFill>
-                  <a:srgbClr val="1F0909"/>
-                </a:solidFill>
-              </a:rPr>
-              <a:t>。</a:t>
+              <a:t>Mock功能可以使得前端开发人员可以独立进行开发和测试，不会受到后端开发的进度影响，从而提高开发效率。</a:t>
             </a:r>
             <a:endParaRPr lang="en-US" altLang="zh-CN" sz="2296" b="0" dirty="0">
               <a:solidFill>
@@ -18851,7 +18907,7 @@
           <p:cNvPr id="23" name="矩形 22">
             <a:extLst>
               <a:ext uri="{FF2B5EF4-FFF2-40B4-BE49-F238E27FC236}">
-                <a16:creationId xmlns:a16="http://schemas.microsoft.com/office/drawing/2014/main" xmlns="" id="{BC5C963D-BE80-464D-9850-368023303306}"/>
+                <a16:creationId xmlns="" xmlns:a16="http://schemas.microsoft.com/office/drawing/2014/main" id="{BC5C963D-BE80-464D-9850-368023303306}"/>
               </a:ext>
             </a:extLst>
           </p:cNvPr>
@@ -19129,7 +19185,7 @@
           <p:cNvPr id="4" name="矩形 3">
             <a:extLst>
               <a:ext uri="{FF2B5EF4-FFF2-40B4-BE49-F238E27FC236}">
-                <a16:creationId xmlns:a16="http://schemas.microsoft.com/office/drawing/2014/main" xmlns="" id="{4BEADC53-2F74-4249-BC55-393BA42AD1E8}"/>
+                <a16:creationId xmlns="" xmlns:a16="http://schemas.microsoft.com/office/drawing/2014/main" id="{4BEADC53-2F74-4249-BC55-393BA42AD1E8}"/>
               </a:ext>
             </a:extLst>
           </p:cNvPr>
@@ -19184,7 +19240,7 @@
           <p:cNvPr id="5" name="矩形 4">
             <a:extLst>
               <a:ext uri="{FF2B5EF4-FFF2-40B4-BE49-F238E27FC236}">
-                <a16:creationId xmlns:a16="http://schemas.microsoft.com/office/drawing/2014/main" xmlns="" id="{4BEADC53-2F74-4249-BC55-393BA42AD1E8}"/>
+                <a16:creationId xmlns="" xmlns:a16="http://schemas.microsoft.com/office/drawing/2014/main" id="{4BEADC53-2F74-4249-BC55-393BA42AD1E8}"/>
               </a:ext>
             </a:extLst>
           </p:cNvPr>
@@ -19239,7 +19295,7 @@
           <p:cNvPr id="6" name="object 7">
             <a:extLst>
               <a:ext uri="{FF2B5EF4-FFF2-40B4-BE49-F238E27FC236}">
-                <a16:creationId xmlns:a16="http://schemas.microsoft.com/office/drawing/2014/main" xmlns="" id="{F75A0198-C5F6-4E74-BE2D-D57F35533E3B}"/>
+                <a16:creationId xmlns="" xmlns:a16="http://schemas.microsoft.com/office/drawing/2014/main" id="{F75A0198-C5F6-4E74-BE2D-D57F35533E3B}"/>
               </a:ext>
             </a:extLst>
           </p:cNvPr>
@@ -19472,7 +19528,7 @@
           <p:cNvPr id="7" name="文本框 6">
             <a:extLst>
               <a:ext uri="{FF2B5EF4-FFF2-40B4-BE49-F238E27FC236}">
-                <a16:creationId xmlns:a16="http://schemas.microsoft.com/office/drawing/2014/main" xmlns="" id="{0D1813F1-D735-4EAD-BFFE-36D3DEC0E74A}"/>
+                <a16:creationId xmlns="" xmlns:a16="http://schemas.microsoft.com/office/drawing/2014/main" id="{0D1813F1-D735-4EAD-BFFE-36D3DEC0E74A}"/>
               </a:ext>
             </a:extLst>
           </p:cNvPr>
@@ -19531,7 +19587,7 @@
           <p:cNvPr id="10" name="文本框 9">
             <a:extLst>
               <a:ext uri="{FF2B5EF4-FFF2-40B4-BE49-F238E27FC236}">
-                <a16:creationId xmlns:a16="http://schemas.microsoft.com/office/drawing/2014/main" xmlns="" id="{0D1813F1-D735-4EAD-BFFE-36D3DEC0E74A}"/>
+                <a16:creationId xmlns="" xmlns:a16="http://schemas.microsoft.com/office/drawing/2014/main" id="{0D1813F1-D735-4EAD-BFFE-36D3DEC0E74A}"/>
               </a:ext>
             </a:extLst>
           </p:cNvPr>
@@ -19590,7 +19646,7 @@
           <p:cNvPr id="12" name="矩形 11">
             <a:extLst>
               <a:ext uri="{FF2B5EF4-FFF2-40B4-BE49-F238E27FC236}">
-                <a16:creationId xmlns:a16="http://schemas.microsoft.com/office/drawing/2014/main" xmlns="" id="{BC5C963D-BE80-464D-9850-368023303306}"/>
+                <a16:creationId xmlns="" xmlns:a16="http://schemas.microsoft.com/office/drawing/2014/main" id="{BC5C963D-BE80-464D-9850-368023303306}"/>
               </a:ext>
             </a:extLst>
           </p:cNvPr>
@@ -19769,7 +19825,7 @@
           <p:cNvPr id="13" name="矩形 12">
             <a:extLst>
               <a:ext uri="{FF2B5EF4-FFF2-40B4-BE49-F238E27FC236}">
-                <a16:creationId xmlns:a16="http://schemas.microsoft.com/office/drawing/2014/main" xmlns="" id="{BC5C963D-BE80-464D-9850-368023303306}"/>
+                <a16:creationId xmlns="" xmlns:a16="http://schemas.microsoft.com/office/drawing/2014/main" id="{BC5C963D-BE80-464D-9850-368023303306}"/>
               </a:ext>
             </a:extLst>
           </p:cNvPr>
@@ -19948,7 +20004,7 @@
           <p:cNvPr id="15" name="矩形 14">
             <a:extLst>
               <a:ext uri="{FF2B5EF4-FFF2-40B4-BE49-F238E27FC236}">
-                <a16:creationId xmlns:a16="http://schemas.microsoft.com/office/drawing/2014/main" xmlns="" id="{BC5C963D-BE80-464D-9850-368023303306}"/>
+                <a16:creationId xmlns="" xmlns:a16="http://schemas.microsoft.com/office/drawing/2014/main" id="{BC5C963D-BE80-464D-9850-368023303306}"/>
               </a:ext>
             </a:extLst>
           </p:cNvPr>
@@ -20407,7 +20463,7 @@
           <p:cNvPr id="4" name="object 7">
             <a:extLst>
               <a:ext uri="{FF2B5EF4-FFF2-40B4-BE49-F238E27FC236}">
-                <a16:creationId xmlns:a16="http://schemas.microsoft.com/office/drawing/2014/main" xmlns="" id="{6A93BC8C-1926-43DD-947D-6AFD9B0904AB}"/>
+                <a16:creationId xmlns="" xmlns:a16="http://schemas.microsoft.com/office/drawing/2014/main" id="{6A93BC8C-1926-43DD-947D-6AFD9B0904AB}"/>
               </a:ext>
             </a:extLst>
           </p:cNvPr>
@@ -20448,31 +20504,7 @@
           <a:p>
             <a:r>
               <a:rPr lang="zh-CN" altLang="en-US" sz="2296" b="0" dirty="0"/>
-              <a:t>远</a:t>
-            </a:r>
-            <a:r>
-              <a:rPr lang="zh-CN" altLang="en-US" sz="2296" b="0" dirty="0"/>
-              <a:t>端页面</a:t>
-            </a:r>
-            <a:r>
-              <a:rPr lang="zh-CN" altLang="en-US" sz="2296" b="0" dirty="0"/>
-              <a:t>热更新能力</a:t>
-            </a:r>
-            <a:r>
-              <a:rPr lang="zh-CN" altLang="en-US" sz="2296" b="0" dirty="0"/>
-              <a:t>是</a:t>
-            </a:r>
-            <a:r>
-              <a:rPr lang="zh-CN" altLang="en-US" sz="2296" b="0" dirty="0"/>
-              <a:t>指在不修改远端服务器文件的前提下，当开发者在本地调试、修改项目代码时，      可以实时在远端页面生效，并且能够与</a:t>
-            </a:r>
-            <a:r>
-              <a:rPr lang="zh-CN" altLang="en-US" sz="2296" b="0" dirty="0"/>
-              <a:t>远</a:t>
-            </a:r>
-            <a:r>
-              <a:rPr lang="zh-CN" altLang="en-US" sz="2296" b="0" dirty="0"/>
-              <a:t>端其他接口正常完成交互。</a:t>
+              <a:t>远端页面热更新能力是指在不修改远端服务器文件的前提下，当开发者在本地调试、修改项目代码时，      可以实时在远端页面生效，并且能够与远端其他接口正常完成交互。</a:t>
             </a:r>
             <a:endParaRPr lang="en-US" altLang="zh-CN" sz="2296" b="0" dirty="0"/>
           </a:p>
@@ -20522,7 +20554,7 @@
           <p:cNvPr id="7" name="矩形 6">
             <a:extLst>
               <a:ext uri="{FF2B5EF4-FFF2-40B4-BE49-F238E27FC236}">
-                <a16:creationId xmlns:a16="http://schemas.microsoft.com/office/drawing/2014/main" xmlns="" id="{BC5C963D-BE80-464D-9850-368023303306}"/>
+                <a16:creationId xmlns="" xmlns:a16="http://schemas.microsoft.com/office/drawing/2014/main" id="{BC5C963D-BE80-464D-9850-368023303306}"/>
               </a:ext>
             </a:extLst>
           </p:cNvPr>
@@ -20792,7 +20824,7 @@
           <p:cNvPr id="4" name="object 7">
             <a:extLst>
               <a:ext uri="{FF2B5EF4-FFF2-40B4-BE49-F238E27FC236}">
-                <a16:creationId xmlns:a16="http://schemas.microsoft.com/office/drawing/2014/main" xmlns="" id="{6A93BC8C-1926-43DD-947D-6AFD9B0904AB}"/>
+                <a16:creationId xmlns="" xmlns:a16="http://schemas.microsoft.com/office/drawing/2014/main" id="{6A93BC8C-1926-43DD-947D-6AFD9B0904AB}"/>
               </a:ext>
             </a:extLst>
           </p:cNvPr>
@@ -20838,34 +20870,7 @@
                 </a:solidFill>
                 <a:sym typeface="思源黑体 CN Normal" panose="020B0400000000000000" pitchFamily="34" charset="-122"/>
               </a:rPr>
-              <a:t>远端代理</a:t>
-            </a:r>
-            <a:r>
-              <a:rPr lang="zh-CN" altLang="en-US" sz="2296" b="0" dirty="0">
-                <a:solidFill>
-                  <a:schemeClr val="tx1"/>
-                </a:solidFill>
-                <a:sym typeface="思源黑体 CN Normal" panose="020B0400000000000000" pitchFamily="34" charset="-122"/>
-              </a:rPr>
-              <a:t>也是开发测试过程中常用能力之一，尤其是在开发大型项目时，需要修改其中的一个或多个接口时，可以使用</a:t>
-            </a:r>
-            <a:r>
-              <a:rPr lang="zh-CN" altLang="en-US" sz="2296" b="0" dirty="0">
-                <a:solidFill>
-                  <a:schemeClr val="tx1"/>
-                </a:solidFill>
-                <a:sym typeface="思源黑体 CN Normal" panose="020B0400000000000000" pitchFamily="34" charset="-122"/>
-              </a:rPr>
-              <a:t>远端代理</a:t>
-            </a:r>
-            <a:r>
-              <a:rPr lang="zh-CN" altLang="en-US" sz="2296" b="0" dirty="0">
-                <a:solidFill>
-                  <a:schemeClr val="tx1"/>
-                </a:solidFill>
-                <a:sym typeface="思源黑体 CN Normal" panose="020B0400000000000000" pitchFamily="34" charset="-122"/>
-              </a:rPr>
-              <a:t>将需要修改的客户端接口重定向到本地修改后的文件，快速进行问题分析和修改验证。   </a:t>
+              <a:t>远端代理也是开发测试过程中常用能力之一，尤其是在开发大型项目时，需要修改其中的一个或多个接口时，可以使用远端代理将需要修改的客户端接口重定向到本地修改后的文件，快速进行问题分析和修改验证。   </a:t>
             </a:r>
           </a:p>
         </p:txBody>
@@ -20905,7 +20910,7 @@
           <p:cNvPr id="7" name="矩形 6">
             <a:extLst>
               <a:ext uri="{FF2B5EF4-FFF2-40B4-BE49-F238E27FC236}">
-                <a16:creationId xmlns:a16="http://schemas.microsoft.com/office/drawing/2014/main" xmlns="" id="{BC5C963D-BE80-464D-9850-368023303306}"/>
+                <a16:creationId xmlns="" xmlns:a16="http://schemas.microsoft.com/office/drawing/2014/main" id="{BC5C963D-BE80-464D-9850-368023303306}"/>
               </a:ext>
             </a:extLst>
           </p:cNvPr>
@@ -21171,7 +21176,7 @@
           <p:cNvPr id="4" name="object 7">
             <a:extLst>
               <a:ext uri="{FF2B5EF4-FFF2-40B4-BE49-F238E27FC236}">
-                <a16:creationId xmlns:a16="http://schemas.microsoft.com/office/drawing/2014/main" xmlns="" id="{F75A0198-C5F6-4E74-BE2D-D57F35533E3B}"/>
+                <a16:creationId xmlns="" xmlns:a16="http://schemas.microsoft.com/office/drawing/2014/main" id="{F75A0198-C5F6-4E74-BE2D-D57F35533E3B}"/>
               </a:ext>
             </a:extLst>
           </p:cNvPr>
@@ -21301,7 +21306,7 @@
           <p:cNvPr id="5" name="object 7">
             <a:extLst>
               <a:ext uri="{FF2B5EF4-FFF2-40B4-BE49-F238E27FC236}">
-                <a16:creationId xmlns:a16="http://schemas.microsoft.com/office/drawing/2014/main" xmlns="" id="{F75A0198-C5F6-4E74-BE2D-D57F35533E3B}"/>
+                <a16:creationId xmlns="" xmlns:a16="http://schemas.microsoft.com/office/drawing/2014/main" id="{F75A0198-C5F6-4E74-BE2D-D57F35533E3B}"/>
               </a:ext>
             </a:extLst>
           </p:cNvPr>
@@ -21378,15 +21383,7 @@
                   <a:srgbClr val="1F0909"/>
                 </a:solidFill>
               </a:rPr>
-              <a:t>npm</a:t>
-            </a:r>
-            <a:r>
-              <a:rPr lang="en-US" altLang="zh-CN" sz="2066" b="0" dirty="0">
-                <a:solidFill>
-                  <a:srgbClr val="1F0909"/>
-                </a:solidFill>
-              </a:rPr>
-              <a:t> –save-</a:t>
+              <a:t>npm –save-</a:t>
             </a:r>
             <a:r>
               <a:rPr lang="en-US" altLang="zh-CN" sz="2066" b="0" dirty="0" err="1">
@@ -21518,7 +21515,7 @@
           <p:cNvPr id="7" name="矩形 6">
             <a:extLst>
               <a:ext uri="{FF2B5EF4-FFF2-40B4-BE49-F238E27FC236}">
-                <a16:creationId xmlns:a16="http://schemas.microsoft.com/office/drawing/2014/main" xmlns="" id="{BC5C963D-BE80-464D-9850-368023303306}"/>
+                <a16:creationId xmlns="" xmlns:a16="http://schemas.microsoft.com/office/drawing/2014/main" id="{BC5C963D-BE80-464D-9850-368023303306}"/>
               </a:ext>
             </a:extLst>
           </p:cNvPr>
@@ -21712,6 +21709,3481 @@
 </p:sld>
 </file>
 
+<file path=ppt/slides/slide17.xml><?xml version="1.0" encoding="utf-8"?>
+<p:sld xmlns:a="http://schemas.openxmlformats.org/drawingml/2006/main" xmlns:r="http://schemas.openxmlformats.org/officeDocument/2006/relationships" xmlns:p="http://schemas.openxmlformats.org/presentationml/2006/main">
+  <p:cSld>
+    <p:spTree>
+      <p:nvGrpSpPr>
+        <p:cNvPr id="1" name=""/>
+        <p:cNvGrpSpPr/>
+        <p:nvPr/>
+      </p:nvGrpSpPr>
+      <p:grpSpPr>
+        <a:xfrm>
+          <a:off x="0" y="0"/>
+          <a:ext cx="0" cy="0"/>
+          <a:chOff x="0" y="0"/>
+          <a:chExt cx="0" cy="0"/>
+        </a:xfrm>
+      </p:grpSpPr>
+      <p:sp>
+        <p:nvSpPr>
+          <p:cNvPr id="8" name="文本占位符 7"/>
+          <p:cNvSpPr>
+            <a:spLocks noGrp="1"/>
+          </p:cNvSpPr>
+          <p:nvPr>
+            <p:ph type="body" sz="quarter" idx="10"/>
+          </p:nvPr>
+        </p:nvSpPr>
+        <p:spPr>
+          <a:xfrm>
+            <a:off x="874712" y="87313"/>
+            <a:ext cx="11163548" cy="630206"/>
+          </a:xfrm>
+        </p:spPr>
+        <p:txBody>
+          <a:bodyPr/>
+          <a:lstStyle/>
+          <a:p>
+            <a:pPr>
+              <a:lnSpc>
+                <a:spcPct val="130000"/>
+              </a:lnSpc>
+              <a:spcBef>
+                <a:spcPct val="0"/>
+              </a:spcBef>
+            </a:pPr>
+            <a:r>
+              <a:rPr lang="zh-CN" altLang="en-US" dirty="0" smtClean="0"/>
+              <a:t>元</a:t>
+            </a:r>
+            <a:r>
+              <a:rPr lang="zh-CN" altLang="en-US" dirty="0"/>
+              <a:t>框架（快速</a:t>
+            </a:r>
+            <a:r>
+              <a:rPr lang="zh-CN" altLang="en-US" dirty="0" smtClean="0"/>
+              <a:t>搭建</a:t>
+            </a:r>
+            <a:r>
+              <a:rPr lang="en-US" altLang="zh-CN" dirty="0" err="1" smtClean="0"/>
+              <a:t>Inula</a:t>
+            </a:r>
+            <a:r>
+              <a:rPr lang="zh-CN" altLang="en-US" dirty="0" smtClean="0"/>
+              <a:t>应用</a:t>
+            </a:r>
+            <a:r>
+              <a:rPr lang="zh-CN" altLang="en-US" dirty="0"/>
+              <a:t>，提供最佳实践</a:t>
+            </a:r>
+            <a:r>
+              <a:rPr lang="zh-CN" altLang="en-US" dirty="0" smtClean="0"/>
+              <a:t>）</a:t>
+            </a:r>
+            <a:endParaRPr lang="zh-CN" altLang="en-US" dirty="0"/>
+          </a:p>
+        </p:txBody>
+      </p:sp>
+      <p:sp>
+        <p:nvSpPr>
+          <p:cNvPr id="9" name="矩形 8">
+            <a:extLst>
+              <a:ext uri="{FF2B5EF4-FFF2-40B4-BE49-F238E27FC236}">
+                <a16:creationId xmlns:a16="http://schemas.microsoft.com/office/drawing/2014/main" xmlns="" id="{160D193E-5217-4902-AAC1-936FA6C93FB0}"/>
+              </a:ext>
+            </a:extLst>
+          </p:cNvPr>
+          <p:cNvSpPr/>
+          <p:nvPr/>
+        </p:nvSpPr>
+        <p:spPr>
+          <a:xfrm>
+            <a:off x="874712" y="1143199"/>
+            <a:ext cx="7821985" cy="5632952"/>
+          </a:xfrm>
+          <a:prstGeom prst="rect">
+            <a:avLst/>
+          </a:prstGeom>
+          <a:noFill/>
+          <a:ln w="12700" cap="flat" cmpd="sng" algn="ctr">
+            <a:solidFill>
+              <a:srgbClr val="A7A7A7"/>
+            </a:solidFill>
+            <a:prstDash val="solid"/>
+            <a:miter lim="800000"/>
+          </a:ln>
+          <a:effectLst/>
+        </p:spPr>
+        <p:txBody>
+          <a:bodyPr rtlCol="0" anchor="ctr"/>
+          <a:lstStyle/>
+          <a:p>
+            <a:pPr algn="ctr" fontAlgn="auto">
+              <a:spcBef>
+                <a:spcPts val="0"/>
+              </a:spcBef>
+              <a:spcAft>
+                <a:spcPts val="0"/>
+              </a:spcAft>
+              <a:defRPr/>
+            </a:pPr>
+            <a:endParaRPr lang="zh-CN" altLang="en-US" sz="1200" kern="0">
+              <a:solidFill>
+                <a:srgbClr val="5B9BD5">
+                  <a:lumMod val="50000"/>
+                </a:srgbClr>
+              </a:solidFill>
+              <a:latin typeface="微软雅黑" panose="020B0503020204020204" pitchFamily="34" charset="-122"/>
+              <a:ea typeface="微软雅黑" panose="020B0503020204020204" pitchFamily="34" charset="-122"/>
+            </a:endParaRPr>
+          </a:p>
+        </p:txBody>
+      </p:sp>
+      <p:sp>
+        <p:nvSpPr>
+          <p:cNvPr id="10" name="矩形 9">
+            <a:extLst>
+              <a:ext uri="{FF2B5EF4-FFF2-40B4-BE49-F238E27FC236}">
+                <a16:creationId xmlns:a16="http://schemas.microsoft.com/office/drawing/2014/main" xmlns="" id="{F484A8FC-716D-44B7-A7F2-62AAA5D77BFC}"/>
+              </a:ext>
+            </a:extLst>
+          </p:cNvPr>
+          <p:cNvSpPr/>
+          <p:nvPr/>
+        </p:nvSpPr>
+        <p:spPr>
+          <a:xfrm>
+            <a:off x="1041496" y="6014634"/>
+            <a:ext cx="7526943" cy="664335"/>
+          </a:xfrm>
+          <a:prstGeom prst="rect">
+            <a:avLst/>
+          </a:prstGeom>
+          <a:noFill/>
+          <a:ln w="12700" cap="flat" cmpd="sng" algn="ctr">
+            <a:solidFill>
+              <a:srgbClr val="A7A7A7"/>
+            </a:solidFill>
+            <a:prstDash val="solid"/>
+            <a:miter lim="800000"/>
+          </a:ln>
+          <a:effectLst/>
+        </p:spPr>
+        <p:txBody>
+          <a:bodyPr rtlCol="0" anchor="ctr"/>
+          <a:lstStyle/>
+          <a:p>
+            <a:pPr algn="ctr" fontAlgn="auto">
+              <a:spcBef>
+                <a:spcPts val="0"/>
+              </a:spcBef>
+              <a:spcAft>
+                <a:spcPts val="0"/>
+              </a:spcAft>
+              <a:defRPr/>
+            </a:pPr>
+            <a:endParaRPr lang="zh-CN" altLang="en-US" sz="1200" kern="0">
+              <a:solidFill>
+                <a:srgbClr val="5B9BD5">
+                  <a:lumMod val="50000"/>
+                </a:srgbClr>
+              </a:solidFill>
+              <a:latin typeface="微软雅黑" panose="020B0503020204020204" pitchFamily="34" charset="-122"/>
+              <a:ea typeface="微软雅黑" panose="020B0503020204020204" pitchFamily="34" charset="-122"/>
+            </a:endParaRPr>
+          </a:p>
+        </p:txBody>
+      </p:sp>
+      <p:sp>
+        <p:nvSpPr>
+          <p:cNvPr id="11" name="矩形 10">
+            <a:extLst>
+              <a:ext uri="{FF2B5EF4-FFF2-40B4-BE49-F238E27FC236}">
+                <a16:creationId xmlns:a16="http://schemas.microsoft.com/office/drawing/2014/main" xmlns="" id="{C474FC6D-6230-4606-BA41-A40F318D69EE}"/>
+              </a:ext>
+            </a:extLst>
+          </p:cNvPr>
+          <p:cNvSpPr/>
+          <p:nvPr/>
+        </p:nvSpPr>
+        <p:spPr>
+          <a:xfrm>
+            <a:off x="3984813" y="1173031"/>
+            <a:ext cx="1329154" cy="253916"/>
+          </a:xfrm>
+          <a:prstGeom prst="rect">
+            <a:avLst/>
+          </a:prstGeom>
+        </p:spPr>
+        <p:txBody>
+          <a:bodyPr wrap="square">
+            <a:spAutoFit/>
+          </a:bodyPr>
+          <a:lstStyle/>
+          <a:p>
+            <a:pPr algn="ctr" defTabSz="914478" fontAlgn="auto">
+              <a:spcBef>
+                <a:spcPts val="0"/>
+              </a:spcBef>
+              <a:spcAft>
+                <a:spcPts val="0"/>
+              </a:spcAft>
+            </a:pPr>
+            <a:r>
+              <a:rPr lang="zh-CN" altLang="en-US" sz="1050" b="1" kern="0" dirty="0">
+                <a:solidFill>
+                  <a:prstClr val="black"/>
+                </a:solidFill>
+                <a:latin typeface="微软雅黑" panose="020B0503020204020204" pitchFamily="34" charset="-122"/>
+                <a:ea typeface="微软雅黑" panose="020B0503020204020204" pitchFamily="34" charset="-122"/>
+                <a:cs typeface="Arial"/>
+              </a:rPr>
+              <a:t>元框架</a:t>
+            </a:r>
+          </a:p>
+        </p:txBody>
+      </p:sp>
+      <p:sp>
+        <p:nvSpPr>
+          <p:cNvPr id="12" name="矩形 11">
+            <a:extLst>
+              <a:ext uri="{FF2B5EF4-FFF2-40B4-BE49-F238E27FC236}">
+                <a16:creationId xmlns:a16="http://schemas.microsoft.com/office/drawing/2014/main" xmlns="" id="{82E1A06C-45D5-42FB-B2FF-C96E21ABACB8}"/>
+              </a:ext>
+            </a:extLst>
+          </p:cNvPr>
+          <p:cNvSpPr/>
+          <p:nvPr/>
+        </p:nvSpPr>
+        <p:spPr>
+          <a:xfrm>
+            <a:off x="1041495" y="2468712"/>
+            <a:ext cx="7526942" cy="3362482"/>
+          </a:xfrm>
+          <a:prstGeom prst="rect">
+            <a:avLst/>
+          </a:prstGeom>
+          <a:noFill/>
+          <a:ln w="12700" cap="flat" cmpd="sng" algn="ctr">
+            <a:solidFill>
+              <a:srgbClr val="A7A7A7"/>
+            </a:solidFill>
+            <a:prstDash val="solid"/>
+            <a:miter lim="800000"/>
+          </a:ln>
+          <a:effectLst/>
+        </p:spPr>
+        <p:txBody>
+          <a:bodyPr rtlCol="0" anchor="ctr"/>
+          <a:lstStyle/>
+          <a:p>
+            <a:pPr algn="ctr" fontAlgn="auto">
+              <a:spcBef>
+                <a:spcPts val="0"/>
+              </a:spcBef>
+              <a:spcAft>
+                <a:spcPts val="0"/>
+              </a:spcAft>
+              <a:defRPr/>
+            </a:pPr>
+            <a:endParaRPr lang="zh-CN" altLang="en-US" sz="1200" kern="0">
+              <a:solidFill>
+                <a:srgbClr val="5B9BD5">
+                  <a:lumMod val="50000"/>
+                </a:srgbClr>
+              </a:solidFill>
+              <a:latin typeface="微软雅黑" panose="020B0503020204020204" pitchFamily="34" charset="-122"/>
+              <a:ea typeface="微软雅黑" panose="020B0503020204020204" pitchFamily="34" charset="-122"/>
+            </a:endParaRPr>
+          </a:p>
+        </p:txBody>
+      </p:sp>
+      <p:sp>
+        <p:nvSpPr>
+          <p:cNvPr id="13" name="矩形 12">
+            <a:extLst>
+              <a:ext uri="{FF2B5EF4-FFF2-40B4-BE49-F238E27FC236}">
+                <a16:creationId xmlns:a16="http://schemas.microsoft.com/office/drawing/2014/main" xmlns="" id="{6C6DE22A-733B-482D-A005-F7F8DFB56082}"/>
+              </a:ext>
+            </a:extLst>
+          </p:cNvPr>
+          <p:cNvSpPr/>
+          <p:nvPr/>
+        </p:nvSpPr>
+        <p:spPr>
+          <a:xfrm>
+            <a:off x="1185169" y="5308402"/>
+            <a:ext cx="7188175" cy="376065"/>
+          </a:xfrm>
+          <a:prstGeom prst="rect">
+            <a:avLst/>
+          </a:prstGeom>
+          <a:solidFill>
+            <a:srgbClr val="E2F0D9"/>
+          </a:solidFill>
+          <a:ln w="12700" cap="flat" cmpd="sng" algn="ctr">
+            <a:noFill/>
+            <a:prstDash val="solid"/>
+            <a:miter lim="800000"/>
+          </a:ln>
+          <a:effectLst>
+            <a:outerShdw blurRad="50800" dist="25400" dir="2700000" algn="tl" rotWithShape="0">
+              <a:prstClr val="black">
+                <a:alpha val="40000"/>
+              </a:prstClr>
+            </a:outerShdw>
+          </a:effectLst>
+        </p:spPr>
+        <p:txBody>
+          <a:bodyPr rtlCol="0" anchor="ctr"/>
+          <a:lstStyle/>
+          <a:p>
+            <a:pPr algn="ctr" fontAlgn="auto">
+              <a:spcBef>
+                <a:spcPts val="0"/>
+              </a:spcBef>
+              <a:spcAft>
+                <a:spcPts val="0"/>
+              </a:spcAft>
+            </a:pPr>
+            <a:endParaRPr lang="zh-CN" altLang="en-US" sz="1200" kern="0">
+              <a:solidFill>
+                <a:srgbClr val="000000">
+                  <a:lumMod val="85000"/>
+                  <a:lumOff val="15000"/>
+                </a:srgbClr>
+              </a:solidFill>
+              <a:latin typeface="微软雅黑" panose="020B0503020204020204" pitchFamily="34" charset="-122"/>
+              <a:ea typeface="微软雅黑" panose="020B0503020204020204" pitchFamily="34" charset="-122"/>
+            </a:endParaRPr>
+          </a:p>
+        </p:txBody>
+      </p:sp>
+      <p:sp>
+        <p:nvSpPr>
+          <p:cNvPr id="14" name="矩形 13">
+            <a:extLst>
+              <a:ext uri="{FF2B5EF4-FFF2-40B4-BE49-F238E27FC236}">
+                <a16:creationId xmlns:a16="http://schemas.microsoft.com/office/drawing/2014/main" xmlns="" id="{4DF17512-47F2-4B30-A394-4318220D1D47}"/>
+              </a:ext>
+            </a:extLst>
+          </p:cNvPr>
+          <p:cNvSpPr/>
+          <p:nvPr/>
+        </p:nvSpPr>
+        <p:spPr>
+          <a:xfrm>
+            <a:off x="3093542" y="5362829"/>
+            <a:ext cx="3668649" cy="253916"/>
+          </a:xfrm>
+          <a:prstGeom prst="rect">
+            <a:avLst/>
+          </a:prstGeom>
+          <a:noFill/>
+        </p:spPr>
+        <p:txBody>
+          <a:bodyPr wrap="square">
+            <a:spAutoFit/>
+          </a:bodyPr>
+          <a:lstStyle/>
+          <a:p>
+            <a:pPr defTabSz="1218540" fontAlgn="auto">
+              <a:spcBef>
+                <a:spcPts val="0"/>
+              </a:spcBef>
+              <a:spcAft>
+                <a:spcPts val="0"/>
+              </a:spcAft>
+            </a:pPr>
+            <a:r>
+              <a:rPr lang="zh-CN" altLang="en-US" sz="1050" b="1" kern="0" dirty="0">
+                <a:solidFill>
+                  <a:prstClr val="black"/>
+                </a:solidFill>
+                <a:latin typeface="微软雅黑" panose="020B0503020204020204" pitchFamily="34" charset="-122"/>
+                <a:ea typeface="微软雅黑" panose="020B0503020204020204" pitchFamily="34" charset="-122"/>
+                <a:cs typeface="Arial"/>
+              </a:rPr>
+              <a:t>插件机制</a:t>
+            </a:r>
+            <a:r>
+              <a:rPr lang="zh-CN" altLang="en-US" sz="1050" kern="0" dirty="0">
+                <a:solidFill>
+                  <a:prstClr val="black"/>
+                </a:solidFill>
+                <a:latin typeface="微软雅黑" panose="020B0503020204020204" pitchFamily="34" charset="-122"/>
+                <a:ea typeface="微软雅黑" panose="020B0503020204020204" pitchFamily="34" charset="-122"/>
+                <a:cs typeface="Arial"/>
+              </a:rPr>
+              <a:t>（上面所有能力基于插件、用户也可以扩展插件）</a:t>
+            </a:r>
+            <a:endParaRPr lang="en-US" altLang="zh-CN" sz="1050" kern="0" dirty="0">
+              <a:solidFill>
+                <a:prstClr val="black"/>
+              </a:solidFill>
+              <a:latin typeface="微软雅黑" panose="020B0503020204020204" pitchFamily="34" charset="-122"/>
+              <a:ea typeface="微软雅黑" panose="020B0503020204020204" pitchFamily="34" charset="-122"/>
+              <a:cs typeface="Arial"/>
+            </a:endParaRPr>
+          </a:p>
+        </p:txBody>
+      </p:sp>
+      <p:sp>
+        <p:nvSpPr>
+          <p:cNvPr id="15" name="Google Shape;183;g812efbfd32_0_0">
+            <a:extLst>
+              <a:ext uri="{FF2B5EF4-FFF2-40B4-BE49-F238E27FC236}">
+                <a16:creationId xmlns:a16="http://schemas.microsoft.com/office/drawing/2014/main" xmlns="" id="{414B5335-8EDA-4947-A29A-5595868FE694}"/>
+              </a:ext>
+            </a:extLst>
+          </p:cNvPr>
+          <p:cNvSpPr/>
+          <p:nvPr/>
+        </p:nvSpPr>
+        <p:spPr>
+          <a:xfrm>
+            <a:off x="1761542" y="6148044"/>
+            <a:ext cx="2664000" cy="432000"/>
+          </a:xfrm>
+          <a:prstGeom prst="roundRect">
+            <a:avLst>
+              <a:gd name="adj" fmla="val 16667"/>
+            </a:avLst>
+          </a:prstGeom>
+          <a:solidFill>
+            <a:srgbClr val="E2F0D9"/>
+          </a:solidFill>
+          <a:ln w="12700" cap="flat" cmpd="sng" algn="ctr">
+            <a:noFill/>
+            <a:prstDash val="solid"/>
+            <a:miter lim="800000"/>
+          </a:ln>
+          <a:effectLst>
+            <a:outerShdw blurRad="50800" dist="25400" dir="2700000" algn="tl" rotWithShape="0">
+              <a:prstClr val="black">
+                <a:alpha val="40000"/>
+              </a:prstClr>
+            </a:outerShdw>
+          </a:effectLst>
+        </p:spPr>
+        <p:txBody>
+          <a:bodyPr rtlCol="0" anchor="ctr"/>
+          <a:lstStyle/>
+          <a:p>
+            <a:pPr algn="ctr" fontAlgn="auto">
+              <a:spcBef>
+                <a:spcPts val="0"/>
+              </a:spcBef>
+              <a:spcAft>
+                <a:spcPts val="0"/>
+              </a:spcAft>
+            </a:pPr>
+            <a:r>
+              <a:rPr lang="zh-CN" altLang="en-US" sz="1200" kern="0">
+                <a:solidFill>
+                  <a:srgbClr val="000000">
+                    <a:lumMod val="85000"/>
+                    <a:lumOff val="15000"/>
+                  </a:srgbClr>
+                </a:solidFill>
+                <a:latin typeface="微软雅黑" panose="020B0503020204020204" pitchFamily="34" charset="-122"/>
+                <a:ea typeface="微软雅黑" panose="020B0503020204020204" pitchFamily="34" charset="-122"/>
+              </a:rPr>
+              <a:t>虚拟</a:t>
+            </a:r>
+            <a:r>
+              <a:rPr lang="en-US" altLang="zh-CN" sz="1200" kern="0" dirty="0">
+                <a:solidFill>
+                  <a:srgbClr val="000000">
+                    <a:lumMod val="85000"/>
+                    <a:lumOff val="15000"/>
+                  </a:srgbClr>
+                </a:solidFill>
+                <a:latin typeface="微软雅黑" panose="020B0503020204020204" pitchFamily="34" charset="-122"/>
+                <a:ea typeface="微软雅黑" panose="020B0503020204020204" pitchFamily="34" charset="-122"/>
+              </a:rPr>
+              <a:t>DOM</a:t>
+            </a:r>
+            <a:r>
+              <a:rPr lang="zh-CN" altLang="en-US" sz="1200" kern="0" dirty="0">
+                <a:solidFill>
+                  <a:srgbClr val="000000">
+                    <a:lumMod val="85000"/>
+                    <a:lumOff val="15000"/>
+                  </a:srgbClr>
+                </a:solidFill>
+                <a:latin typeface="微软雅黑" panose="020B0503020204020204" pitchFamily="34" charset="-122"/>
+                <a:ea typeface="微软雅黑" panose="020B0503020204020204" pitchFamily="34" charset="-122"/>
+              </a:rPr>
+              <a:t>渲染</a:t>
+            </a:r>
+          </a:p>
+        </p:txBody>
+      </p:sp>
+      <p:sp>
+        <p:nvSpPr>
+          <p:cNvPr id="16" name="Google Shape;183;g812efbfd32_0_0">
+            <a:extLst>
+              <a:ext uri="{FF2B5EF4-FFF2-40B4-BE49-F238E27FC236}">
+                <a16:creationId xmlns:a16="http://schemas.microsoft.com/office/drawing/2014/main" xmlns="" id="{EFD8EF71-9720-4AF0-A4CB-1CB3FD2D6FF2}"/>
+              </a:ext>
+            </a:extLst>
+          </p:cNvPr>
+          <p:cNvSpPr/>
+          <p:nvPr/>
+        </p:nvSpPr>
+        <p:spPr>
+          <a:xfrm>
+            <a:off x="5224218" y="6130801"/>
+            <a:ext cx="2664000" cy="432000"/>
+          </a:xfrm>
+          <a:prstGeom prst="roundRect">
+            <a:avLst>
+              <a:gd name="adj" fmla="val 16667"/>
+            </a:avLst>
+          </a:prstGeom>
+          <a:solidFill>
+            <a:srgbClr val="99CCFF"/>
+          </a:solidFill>
+          <a:ln w="12700" cap="flat" cmpd="sng" algn="ctr">
+            <a:noFill/>
+            <a:prstDash val="solid"/>
+            <a:miter lim="800000"/>
+          </a:ln>
+          <a:effectLst>
+            <a:outerShdw blurRad="50800" dist="25400" dir="2700000" algn="tl" rotWithShape="0">
+              <a:prstClr val="black">
+                <a:alpha val="40000"/>
+              </a:prstClr>
+            </a:outerShdw>
+          </a:effectLst>
+        </p:spPr>
+        <p:txBody>
+          <a:bodyPr rtlCol="0" anchor="ctr"/>
+          <a:lstStyle/>
+          <a:p>
+            <a:pPr algn="ctr" fontAlgn="auto">
+              <a:spcBef>
+                <a:spcPts val="0"/>
+              </a:spcBef>
+              <a:spcAft>
+                <a:spcPts val="0"/>
+              </a:spcAft>
+            </a:pPr>
+            <a:r>
+              <a:rPr lang="zh-CN" altLang="en-US" sz="1200" kern="0" dirty="0">
+                <a:solidFill>
+                  <a:srgbClr val="000000">
+                    <a:lumMod val="85000"/>
+                    <a:lumOff val="15000"/>
+                  </a:srgbClr>
+                </a:solidFill>
+                <a:latin typeface="微软雅黑" panose="020B0503020204020204" pitchFamily="34" charset="-122"/>
+                <a:ea typeface="微软雅黑" panose="020B0503020204020204" pitchFamily="34" charset="-122"/>
+              </a:rPr>
+              <a:t>响应式渲染</a:t>
+            </a:r>
+          </a:p>
+        </p:txBody>
+      </p:sp>
+      <p:sp>
+        <p:nvSpPr>
+          <p:cNvPr id="17" name="矩形 16">
+            <a:extLst>
+              <a:ext uri="{FF2B5EF4-FFF2-40B4-BE49-F238E27FC236}">
+                <a16:creationId xmlns:a16="http://schemas.microsoft.com/office/drawing/2014/main" xmlns="" id="{2CCDE7D0-A869-4766-AA58-4B29A6D7BAEB}"/>
+              </a:ext>
+            </a:extLst>
+          </p:cNvPr>
+          <p:cNvSpPr/>
+          <p:nvPr/>
+        </p:nvSpPr>
+        <p:spPr>
+          <a:xfrm>
+            <a:off x="8863480" y="1204312"/>
+            <a:ext cx="3700205" cy="1708160"/>
+          </a:xfrm>
+          <a:prstGeom prst="rect">
+            <a:avLst/>
+          </a:prstGeom>
+        </p:spPr>
+        <p:txBody>
+          <a:bodyPr wrap="square">
+            <a:spAutoFit/>
+          </a:bodyPr>
+          <a:lstStyle/>
+          <a:p>
+            <a:pPr defTabSz="914478" fontAlgn="auto">
+              <a:lnSpc>
+                <a:spcPct val="150000"/>
+              </a:lnSpc>
+              <a:spcBef>
+                <a:spcPts val="0"/>
+              </a:spcBef>
+              <a:spcAft>
+                <a:spcPts val="0"/>
+              </a:spcAft>
+            </a:pPr>
+            <a:r>
+              <a:rPr lang="en-US" altLang="zh-CN" sz="1400" b="1" dirty="0" err="1" smtClean="0">
+                <a:solidFill>
+                  <a:srgbClr val="282828"/>
+                </a:solidFill>
+                <a:latin typeface="微软雅黑" panose="020B0503020204020204" pitchFamily="34" charset="-122"/>
+                <a:ea typeface="微软雅黑" panose="020B0503020204020204" pitchFamily="34" charset="-122"/>
+                <a:cs typeface="宋体" panose="02010600030101010101" pitchFamily="2" charset="-122"/>
+              </a:rPr>
+              <a:t>Inula</a:t>
+            </a:r>
+            <a:r>
+              <a:rPr lang="zh-CN" altLang="en-US" sz="1400" b="1" dirty="0" smtClean="0">
+                <a:solidFill>
+                  <a:srgbClr val="282828"/>
+                </a:solidFill>
+                <a:latin typeface="微软雅黑" panose="020B0503020204020204" pitchFamily="34" charset="-122"/>
+                <a:ea typeface="微软雅黑" panose="020B0503020204020204" pitchFamily="34" charset="-122"/>
+                <a:cs typeface="宋体" panose="02010600030101010101" pitchFamily="2" charset="-122"/>
+              </a:rPr>
+              <a:t>元</a:t>
+            </a:r>
+            <a:r>
+              <a:rPr lang="zh-CN" altLang="en-US" sz="1400" b="1" dirty="0">
+                <a:solidFill>
+                  <a:srgbClr val="282828"/>
+                </a:solidFill>
+                <a:latin typeface="微软雅黑" panose="020B0503020204020204" pitchFamily="34" charset="-122"/>
+                <a:ea typeface="微软雅黑" panose="020B0503020204020204" pitchFamily="34" charset="-122"/>
+                <a:cs typeface="宋体" panose="02010600030101010101" pitchFamily="2" charset="-122"/>
+              </a:rPr>
+              <a:t>框架</a:t>
+            </a:r>
+            <a:r>
+              <a:rPr lang="en-US" altLang="zh-CN" sz="1400" b="1" dirty="0">
+                <a:solidFill>
+                  <a:srgbClr val="282828"/>
+                </a:solidFill>
+                <a:latin typeface="微软雅黑" panose="020B0503020204020204" pitchFamily="34" charset="-122"/>
+                <a:ea typeface="微软雅黑" panose="020B0503020204020204" pitchFamily="34" charset="-122"/>
+                <a:cs typeface="宋体" panose="02010600030101010101" pitchFamily="2" charset="-122"/>
+              </a:rPr>
+              <a:t>24</a:t>
+            </a:r>
+            <a:r>
+              <a:rPr lang="zh-CN" altLang="en-US" sz="1400" b="1" dirty="0">
+                <a:solidFill>
+                  <a:srgbClr val="282828"/>
+                </a:solidFill>
+                <a:latin typeface="微软雅黑" panose="020B0503020204020204" pitchFamily="34" charset="-122"/>
+                <a:ea typeface="微软雅黑" panose="020B0503020204020204" pitchFamily="34" charset="-122"/>
+                <a:cs typeface="宋体" panose="02010600030101010101" pitchFamily="2" charset="-122"/>
+              </a:rPr>
+              <a:t>年的重点：</a:t>
+            </a:r>
+            <a:endParaRPr lang="en-US" altLang="zh-CN" sz="1400" dirty="0">
+              <a:solidFill>
+                <a:srgbClr val="282828"/>
+              </a:solidFill>
+              <a:latin typeface="微软雅黑" panose="020B0503020204020204" pitchFamily="34" charset="-122"/>
+              <a:ea typeface="微软雅黑" panose="020B0503020204020204" pitchFamily="34" charset="-122"/>
+              <a:cs typeface="宋体" panose="02010600030101010101" pitchFamily="2" charset="-122"/>
+            </a:endParaRPr>
+          </a:p>
+          <a:p>
+            <a:pPr marL="285750" indent="-285750" defTabSz="914478" fontAlgn="auto">
+              <a:lnSpc>
+                <a:spcPct val="150000"/>
+              </a:lnSpc>
+              <a:spcBef>
+                <a:spcPts val="0"/>
+              </a:spcBef>
+              <a:spcAft>
+                <a:spcPts val="0"/>
+              </a:spcAft>
+              <a:buFont typeface="Arial" panose="020B0604020202020204" pitchFamily="34" charset="0"/>
+              <a:buChar char="•"/>
+            </a:pPr>
+            <a:r>
+              <a:rPr lang="zh-CN" altLang="en-US" sz="1400" dirty="0">
+                <a:solidFill>
+                  <a:srgbClr val="282828"/>
+                </a:solidFill>
+                <a:latin typeface="微软雅黑" panose="020B0503020204020204" pitchFamily="34" charset="-122"/>
+                <a:ea typeface="微软雅黑" panose="020B0503020204020204" pitchFamily="34" charset="-122"/>
+                <a:cs typeface="宋体" panose="02010600030101010101" pitchFamily="2" charset="-122"/>
+              </a:rPr>
+              <a:t>整合社区优秀生态，提供开发全流程最佳实践方案</a:t>
+            </a:r>
+            <a:endParaRPr lang="en-US" altLang="zh-CN" sz="1400" dirty="0">
+              <a:solidFill>
+                <a:srgbClr val="282828"/>
+              </a:solidFill>
+              <a:latin typeface="微软雅黑" panose="020B0503020204020204" pitchFamily="34" charset="-122"/>
+              <a:ea typeface="微软雅黑" panose="020B0503020204020204" pitchFamily="34" charset="-122"/>
+              <a:cs typeface="宋体" panose="02010600030101010101" pitchFamily="2" charset="-122"/>
+            </a:endParaRPr>
+          </a:p>
+          <a:p>
+            <a:pPr marL="285750" indent="-285750" defTabSz="914478" fontAlgn="auto">
+              <a:lnSpc>
+                <a:spcPct val="150000"/>
+              </a:lnSpc>
+              <a:spcBef>
+                <a:spcPts val="0"/>
+              </a:spcBef>
+              <a:spcAft>
+                <a:spcPts val="0"/>
+              </a:spcAft>
+              <a:buFont typeface="Arial" panose="020B0604020202020204" pitchFamily="34" charset="0"/>
+              <a:buChar char="•"/>
+            </a:pPr>
+            <a:r>
+              <a:rPr lang="en-US" altLang="zh-CN" sz="1400" dirty="0">
+                <a:solidFill>
+                  <a:srgbClr val="282828"/>
+                </a:solidFill>
+                <a:latin typeface="微软雅黑" panose="020B0503020204020204" pitchFamily="34" charset="-122"/>
+                <a:ea typeface="微软雅黑" panose="020B0503020204020204" pitchFamily="34" charset="-122"/>
+                <a:cs typeface="宋体" panose="02010600030101010101" pitchFamily="2" charset="-122"/>
+              </a:rPr>
+              <a:t>AI</a:t>
+            </a:r>
+            <a:r>
+              <a:rPr lang="zh-CN" altLang="en-US" sz="1400" dirty="0">
+                <a:solidFill>
+                  <a:srgbClr val="282828"/>
+                </a:solidFill>
+                <a:latin typeface="微软雅黑" panose="020B0503020204020204" pitchFamily="34" charset="-122"/>
+                <a:ea typeface="微软雅黑" panose="020B0503020204020204" pitchFamily="34" charset="-122"/>
+                <a:cs typeface="宋体" panose="02010600030101010101" pitchFamily="2" charset="-122"/>
+              </a:rPr>
+              <a:t>多模态生成应用</a:t>
+            </a:r>
+            <a:r>
+              <a:rPr lang="en-US" altLang="zh-CN" sz="1400" dirty="0">
+                <a:solidFill>
+                  <a:srgbClr val="282828"/>
+                </a:solidFill>
+                <a:latin typeface="微软雅黑" panose="020B0503020204020204" pitchFamily="34" charset="-122"/>
+                <a:ea typeface="微软雅黑" panose="020B0503020204020204" pitchFamily="34" charset="-122"/>
+                <a:cs typeface="宋体" panose="02010600030101010101" pitchFamily="2" charset="-122"/>
+              </a:rPr>
+              <a:t>Demo</a:t>
+            </a:r>
+          </a:p>
+          <a:p>
+            <a:pPr marL="285750" indent="-285750" defTabSz="914478" fontAlgn="auto">
+              <a:lnSpc>
+                <a:spcPct val="150000"/>
+              </a:lnSpc>
+              <a:spcBef>
+                <a:spcPts val="0"/>
+              </a:spcBef>
+              <a:spcAft>
+                <a:spcPts val="0"/>
+              </a:spcAft>
+              <a:buFont typeface="Arial" panose="020B0604020202020204" pitchFamily="34" charset="0"/>
+              <a:buChar char="•"/>
+            </a:pPr>
+            <a:r>
+              <a:rPr lang="zh-CN" altLang="en-US" sz="1400" dirty="0">
+                <a:solidFill>
+                  <a:srgbClr val="282828"/>
+                </a:solidFill>
+                <a:latin typeface="微软雅黑" panose="020B0503020204020204" pitchFamily="34" charset="-122"/>
+                <a:ea typeface="微软雅黑" panose="020B0503020204020204" pitchFamily="34" charset="-122"/>
+                <a:cs typeface="宋体" panose="02010600030101010101" pitchFamily="2" charset="-122"/>
+              </a:rPr>
+              <a:t>提供响应式的使用例子 </a:t>
+            </a:r>
+            <a:endParaRPr lang="en-US" altLang="zh-CN" sz="1400" dirty="0">
+              <a:solidFill>
+                <a:srgbClr val="282828"/>
+              </a:solidFill>
+              <a:latin typeface="微软雅黑" panose="020B0503020204020204" pitchFamily="34" charset="-122"/>
+              <a:ea typeface="微软雅黑" panose="020B0503020204020204" pitchFamily="34" charset="-122"/>
+              <a:cs typeface="宋体" panose="02010600030101010101" pitchFamily="2" charset="-122"/>
+            </a:endParaRPr>
+          </a:p>
+        </p:txBody>
+      </p:sp>
+      <p:sp>
+        <p:nvSpPr>
+          <p:cNvPr id="18" name="矩形 17">
+            <a:extLst>
+              <a:ext uri="{FF2B5EF4-FFF2-40B4-BE49-F238E27FC236}">
+                <a16:creationId xmlns:a16="http://schemas.microsoft.com/office/drawing/2014/main" xmlns="" id="{8DC692B4-FFBE-4B5D-A88C-E143FA5B01D6}"/>
+              </a:ext>
+            </a:extLst>
+          </p:cNvPr>
+          <p:cNvSpPr/>
+          <p:nvPr/>
+        </p:nvSpPr>
+        <p:spPr>
+          <a:xfrm>
+            <a:off x="2798167" y="3391967"/>
+            <a:ext cx="2574096" cy="1722813"/>
+          </a:xfrm>
+          <a:prstGeom prst="rect">
+            <a:avLst/>
+          </a:prstGeom>
+          <a:noFill/>
+          <a:ln w="12700" cap="flat" cmpd="sng" algn="ctr">
+            <a:solidFill>
+              <a:srgbClr val="A7A7A7"/>
+            </a:solidFill>
+            <a:prstDash val="solid"/>
+            <a:miter lim="800000"/>
+          </a:ln>
+          <a:effectLst/>
+        </p:spPr>
+        <p:txBody>
+          <a:bodyPr rtlCol="0" anchor="ctr"/>
+          <a:lstStyle/>
+          <a:p>
+            <a:pPr algn="ctr" fontAlgn="auto">
+              <a:spcBef>
+                <a:spcPts val="0"/>
+              </a:spcBef>
+              <a:spcAft>
+                <a:spcPts val="0"/>
+              </a:spcAft>
+              <a:defRPr/>
+            </a:pPr>
+            <a:endParaRPr lang="zh-CN" altLang="en-US" sz="1200" kern="0">
+              <a:solidFill>
+                <a:srgbClr val="5B9BD5">
+                  <a:lumMod val="50000"/>
+                </a:srgbClr>
+              </a:solidFill>
+              <a:latin typeface="微软雅黑" panose="020B0503020204020204" pitchFamily="34" charset="-122"/>
+              <a:ea typeface="微软雅黑" panose="020B0503020204020204" pitchFamily="34" charset="-122"/>
+            </a:endParaRPr>
+          </a:p>
+        </p:txBody>
+      </p:sp>
+      <p:sp>
+        <p:nvSpPr>
+          <p:cNvPr id="19" name="矩形 18">
+            <a:extLst>
+              <a:ext uri="{FF2B5EF4-FFF2-40B4-BE49-F238E27FC236}">
+                <a16:creationId xmlns:a16="http://schemas.microsoft.com/office/drawing/2014/main" xmlns="" id="{E16EA76A-4082-4C31-BF55-A809337C5DA4}"/>
+              </a:ext>
+            </a:extLst>
+          </p:cNvPr>
+          <p:cNvSpPr/>
+          <p:nvPr/>
+        </p:nvSpPr>
+        <p:spPr>
+          <a:xfrm>
+            <a:off x="2895831" y="3415425"/>
+            <a:ext cx="959119" cy="253916"/>
+          </a:xfrm>
+          <a:prstGeom prst="rect">
+            <a:avLst/>
+          </a:prstGeom>
+          <a:noFill/>
+        </p:spPr>
+        <p:txBody>
+          <a:bodyPr wrap="square">
+            <a:spAutoFit/>
+          </a:bodyPr>
+          <a:lstStyle/>
+          <a:p>
+            <a:pPr defTabSz="1218540" fontAlgn="auto">
+              <a:spcBef>
+                <a:spcPts val="0"/>
+              </a:spcBef>
+              <a:spcAft>
+                <a:spcPts val="0"/>
+              </a:spcAft>
+            </a:pPr>
+            <a:r>
+              <a:rPr lang="zh-CN" altLang="en-US" sz="1050" b="1" kern="0" dirty="0">
+                <a:solidFill>
+                  <a:prstClr val="black"/>
+                </a:solidFill>
+                <a:latin typeface="微软雅黑" panose="020B0503020204020204" pitchFamily="34" charset="-122"/>
+                <a:ea typeface="微软雅黑" panose="020B0503020204020204" pitchFamily="34" charset="-122"/>
+                <a:cs typeface="Arial"/>
+              </a:rPr>
+              <a:t>开发</a:t>
+            </a:r>
+            <a:endParaRPr lang="en-US" altLang="zh-CN" sz="1050" kern="0" dirty="0">
+              <a:solidFill>
+                <a:prstClr val="black"/>
+              </a:solidFill>
+              <a:latin typeface="微软雅黑" panose="020B0503020204020204" pitchFamily="34" charset="-122"/>
+              <a:ea typeface="微软雅黑" panose="020B0503020204020204" pitchFamily="34" charset="-122"/>
+              <a:cs typeface="Arial"/>
+            </a:endParaRPr>
+          </a:p>
+        </p:txBody>
+      </p:sp>
+      <p:sp>
+        <p:nvSpPr>
+          <p:cNvPr id="20" name="矩形 19">
+            <a:extLst>
+              <a:ext uri="{FF2B5EF4-FFF2-40B4-BE49-F238E27FC236}">
+                <a16:creationId xmlns:a16="http://schemas.microsoft.com/office/drawing/2014/main" xmlns="" id="{A5CAA195-1A64-4F06-9E1F-26AF041DF545}"/>
+              </a:ext>
+            </a:extLst>
+          </p:cNvPr>
+          <p:cNvSpPr/>
+          <p:nvPr/>
+        </p:nvSpPr>
+        <p:spPr>
+          <a:xfrm>
+            <a:off x="1185169" y="3392989"/>
+            <a:ext cx="1374570" cy="1722813"/>
+          </a:xfrm>
+          <a:prstGeom prst="rect">
+            <a:avLst/>
+          </a:prstGeom>
+          <a:noFill/>
+          <a:ln w="12700" cap="flat" cmpd="sng" algn="ctr">
+            <a:solidFill>
+              <a:srgbClr val="A7A7A7"/>
+            </a:solidFill>
+            <a:prstDash val="solid"/>
+            <a:miter lim="800000"/>
+          </a:ln>
+          <a:effectLst/>
+        </p:spPr>
+        <p:txBody>
+          <a:bodyPr rtlCol="0" anchor="ctr"/>
+          <a:lstStyle/>
+          <a:p>
+            <a:pPr algn="ctr" fontAlgn="auto">
+              <a:spcBef>
+                <a:spcPts val="0"/>
+              </a:spcBef>
+              <a:spcAft>
+                <a:spcPts val="0"/>
+              </a:spcAft>
+              <a:defRPr/>
+            </a:pPr>
+            <a:endParaRPr lang="zh-CN" altLang="en-US" sz="1200" kern="0">
+              <a:solidFill>
+                <a:srgbClr val="5B9BD5">
+                  <a:lumMod val="50000"/>
+                </a:srgbClr>
+              </a:solidFill>
+              <a:latin typeface="微软雅黑" panose="020B0503020204020204" pitchFamily="34" charset="-122"/>
+              <a:ea typeface="微软雅黑" panose="020B0503020204020204" pitchFamily="34" charset="-122"/>
+            </a:endParaRPr>
+          </a:p>
+        </p:txBody>
+      </p:sp>
+      <p:sp>
+        <p:nvSpPr>
+          <p:cNvPr id="21" name="矩形 20">
+            <a:extLst>
+              <a:ext uri="{FF2B5EF4-FFF2-40B4-BE49-F238E27FC236}">
+                <a16:creationId xmlns:a16="http://schemas.microsoft.com/office/drawing/2014/main" xmlns="" id="{CF78023A-8612-4BFC-89BE-3335852A6B08}"/>
+              </a:ext>
+            </a:extLst>
+          </p:cNvPr>
+          <p:cNvSpPr/>
+          <p:nvPr/>
+        </p:nvSpPr>
+        <p:spPr>
+          <a:xfrm>
+            <a:off x="1256488" y="3442457"/>
+            <a:ext cx="959119" cy="253916"/>
+          </a:xfrm>
+          <a:prstGeom prst="rect">
+            <a:avLst/>
+          </a:prstGeom>
+          <a:noFill/>
+        </p:spPr>
+        <p:txBody>
+          <a:bodyPr wrap="square">
+            <a:spAutoFit/>
+          </a:bodyPr>
+          <a:lstStyle/>
+          <a:p>
+            <a:pPr defTabSz="1218540" fontAlgn="auto">
+              <a:spcBef>
+                <a:spcPts val="0"/>
+              </a:spcBef>
+              <a:spcAft>
+                <a:spcPts val="0"/>
+              </a:spcAft>
+            </a:pPr>
+            <a:r>
+              <a:rPr lang="zh-CN" altLang="en-US" sz="1050" b="1" kern="0" dirty="0">
+                <a:solidFill>
+                  <a:prstClr val="black"/>
+                </a:solidFill>
+                <a:latin typeface="微软雅黑" panose="020B0503020204020204" pitchFamily="34" charset="-122"/>
+                <a:ea typeface="微软雅黑" panose="020B0503020204020204" pitchFamily="34" charset="-122"/>
+                <a:cs typeface="Arial"/>
+              </a:rPr>
+              <a:t>编译构建</a:t>
+            </a:r>
+            <a:endParaRPr lang="en-US" altLang="zh-CN" sz="1050" kern="0" dirty="0">
+              <a:solidFill>
+                <a:prstClr val="black"/>
+              </a:solidFill>
+              <a:latin typeface="微软雅黑" panose="020B0503020204020204" pitchFamily="34" charset="-122"/>
+              <a:ea typeface="微软雅黑" panose="020B0503020204020204" pitchFamily="34" charset="-122"/>
+              <a:cs typeface="Arial"/>
+            </a:endParaRPr>
+          </a:p>
+        </p:txBody>
+      </p:sp>
+      <p:sp>
+        <p:nvSpPr>
+          <p:cNvPr id="22" name="Google Shape;183;g812efbfd32_0_0">
+            <a:extLst>
+              <a:ext uri="{FF2B5EF4-FFF2-40B4-BE49-F238E27FC236}">
+                <a16:creationId xmlns:a16="http://schemas.microsoft.com/office/drawing/2014/main" xmlns="" id="{CFF9C09F-2C2F-486B-91F2-187CA81EFF4B}"/>
+              </a:ext>
+            </a:extLst>
+          </p:cNvPr>
+          <p:cNvSpPr/>
+          <p:nvPr/>
+        </p:nvSpPr>
+        <p:spPr>
+          <a:xfrm>
+            <a:off x="1375349" y="4658437"/>
+            <a:ext cx="1041675" cy="342000"/>
+          </a:xfrm>
+          <a:prstGeom prst="roundRect">
+            <a:avLst>
+              <a:gd name="adj" fmla="val 0"/>
+            </a:avLst>
+          </a:prstGeom>
+          <a:solidFill>
+            <a:srgbClr val="A7A7A7"/>
+          </a:solidFill>
+          <a:ln w="12700" cap="flat" cmpd="sng" algn="ctr">
+            <a:noFill/>
+            <a:prstDash val="solid"/>
+            <a:miter lim="800000"/>
+          </a:ln>
+          <a:effectLst>
+            <a:outerShdw blurRad="50800" dist="38100" dir="2700000" algn="tl" rotWithShape="0">
+              <a:prstClr val="black">
+                <a:alpha val="40000"/>
+              </a:prstClr>
+            </a:outerShdw>
+          </a:effectLst>
+        </p:spPr>
+        <p:txBody>
+          <a:bodyPr rtlCol="0" anchor="ctr"/>
+          <a:lstStyle/>
+          <a:p>
+            <a:pPr algn="ctr" fontAlgn="auto">
+              <a:spcBef>
+                <a:spcPts val="0"/>
+              </a:spcBef>
+              <a:spcAft>
+                <a:spcPts val="0"/>
+              </a:spcAft>
+            </a:pPr>
+            <a:r>
+              <a:rPr lang="en-US" altLang="zh-CN" sz="1100" kern="0" dirty="0">
+                <a:solidFill>
+                  <a:prstClr val="white"/>
+                </a:solidFill>
+                <a:latin typeface="微软雅黑" panose="020B0503020204020204" pitchFamily="34" charset="-122"/>
+                <a:ea typeface="微软雅黑" panose="020B0503020204020204" pitchFamily="34" charset="-122"/>
+              </a:rPr>
+              <a:t>Webpack </a:t>
+            </a:r>
+          </a:p>
+          <a:p>
+            <a:pPr algn="ctr" fontAlgn="auto">
+              <a:spcBef>
+                <a:spcPts val="0"/>
+              </a:spcBef>
+              <a:spcAft>
+                <a:spcPts val="0"/>
+              </a:spcAft>
+            </a:pPr>
+            <a:r>
+              <a:rPr lang="en-US" altLang="zh-CN" sz="1100" kern="0" dirty="0">
+                <a:solidFill>
+                  <a:prstClr val="white"/>
+                </a:solidFill>
+                <a:latin typeface="微软雅黑" panose="020B0503020204020204" pitchFamily="34" charset="-122"/>
+                <a:ea typeface="微软雅黑" panose="020B0503020204020204" pitchFamily="34" charset="-122"/>
+              </a:rPr>
+              <a:t>-&gt; Rspack</a:t>
+            </a:r>
+            <a:endParaRPr lang="zh-CN" altLang="en-US" sz="1100" kern="0" dirty="0">
+              <a:solidFill>
+                <a:prstClr val="white"/>
+              </a:solidFill>
+              <a:latin typeface="微软雅黑" panose="020B0503020204020204" pitchFamily="34" charset="-122"/>
+              <a:ea typeface="微软雅黑" panose="020B0503020204020204" pitchFamily="34" charset="-122"/>
+            </a:endParaRPr>
+          </a:p>
+        </p:txBody>
+      </p:sp>
+      <p:sp>
+        <p:nvSpPr>
+          <p:cNvPr id="23" name="Google Shape;183;g812efbfd32_0_0">
+            <a:extLst>
+              <a:ext uri="{FF2B5EF4-FFF2-40B4-BE49-F238E27FC236}">
+                <a16:creationId xmlns:a16="http://schemas.microsoft.com/office/drawing/2014/main" xmlns="" id="{19B37F6A-8ED9-4955-A00D-D5472B0422AF}"/>
+              </a:ext>
+            </a:extLst>
+          </p:cNvPr>
+          <p:cNvSpPr/>
+          <p:nvPr/>
+        </p:nvSpPr>
+        <p:spPr>
+          <a:xfrm>
+            <a:off x="2973995" y="3796389"/>
+            <a:ext cx="1014251" cy="342000"/>
+          </a:xfrm>
+          <a:prstGeom prst="roundRect">
+            <a:avLst>
+              <a:gd name="adj" fmla="val 0"/>
+            </a:avLst>
+          </a:prstGeom>
+          <a:solidFill>
+            <a:srgbClr val="E2F0D9"/>
+          </a:solidFill>
+          <a:ln w="12700" cap="flat" cmpd="sng" algn="ctr">
+            <a:noFill/>
+            <a:prstDash val="solid"/>
+            <a:miter lim="800000"/>
+          </a:ln>
+          <a:effectLst>
+            <a:outerShdw blurRad="50800" dist="25400" dir="2700000" algn="tl" rotWithShape="0">
+              <a:prstClr val="black">
+                <a:alpha val="40000"/>
+              </a:prstClr>
+            </a:outerShdw>
+          </a:effectLst>
+        </p:spPr>
+        <p:txBody>
+          <a:bodyPr rtlCol="0" anchor="ctr"/>
+          <a:lstStyle/>
+          <a:p>
+            <a:pPr algn="ctr" fontAlgn="auto">
+              <a:spcBef>
+                <a:spcPts val="0"/>
+              </a:spcBef>
+              <a:spcAft>
+                <a:spcPts val="0"/>
+              </a:spcAft>
+            </a:pPr>
+            <a:r>
+              <a:rPr lang="zh-CN" altLang="en-US" sz="1200" kern="0" dirty="0">
+                <a:solidFill>
+                  <a:srgbClr val="000000">
+                    <a:lumMod val="85000"/>
+                    <a:lumOff val="15000"/>
+                  </a:srgbClr>
+                </a:solidFill>
+                <a:latin typeface="微软雅黑" panose="020B0503020204020204" pitchFamily="34" charset="-122"/>
+                <a:ea typeface="微软雅黑" panose="020B0503020204020204" pitchFamily="34" charset="-122"/>
+              </a:rPr>
+              <a:t>状态管理器</a:t>
+            </a:r>
+          </a:p>
+        </p:txBody>
+      </p:sp>
+      <p:sp>
+        <p:nvSpPr>
+          <p:cNvPr id="24" name="Google Shape;183;g812efbfd32_0_0">
+            <a:extLst>
+              <a:ext uri="{FF2B5EF4-FFF2-40B4-BE49-F238E27FC236}">
+                <a16:creationId xmlns:a16="http://schemas.microsoft.com/office/drawing/2014/main" xmlns="" id="{A72F53E3-DE73-407B-826D-B2A66395AAF3}"/>
+              </a:ext>
+            </a:extLst>
+          </p:cNvPr>
+          <p:cNvSpPr/>
+          <p:nvPr/>
+        </p:nvSpPr>
+        <p:spPr>
+          <a:xfrm>
+            <a:off x="2973995" y="4228944"/>
+            <a:ext cx="1010906" cy="342000"/>
+          </a:xfrm>
+          <a:prstGeom prst="roundRect">
+            <a:avLst>
+              <a:gd name="adj" fmla="val 1683"/>
+            </a:avLst>
+          </a:prstGeom>
+          <a:solidFill>
+            <a:srgbClr val="E2F0D9"/>
+          </a:solidFill>
+          <a:ln w="12700" cap="flat" cmpd="sng" algn="ctr">
+            <a:noFill/>
+            <a:prstDash val="solid"/>
+            <a:miter lim="800000"/>
+          </a:ln>
+          <a:effectLst>
+            <a:outerShdw blurRad="50800" dist="25400" dir="2700000" algn="tl" rotWithShape="0">
+              <a:prstClr val="black">
+                <a:alpha val="40000"/>
+              </a:prstClr>
+            </a:outerShdw>
+          </a:effectLst>
+        </p:spPr>
+        <p:txBody>
+          <a:bodyPr rtlCol="0" anchor="ctr"/>
+          <a:lstStyle/>
+          <a:p>
+            <a:pPr algn="ctr" fontAlgn="auto">
+              <a:spcBef>
+                <a:spcPts val="0"/>
+              </a:spcBef>
+              <a:spcAft>
+                <a:spcPts val="0"/>
+              </a:spcAft>
+            </a:pPr>
+            <a:r>
+              <a:rPr lang="zh-CN" altLang="en-US" sz="1200" kern="0" dirty="0">
+                <a:solidFill>
+                  <a:srgbClr val="000000">
+                    <a:lumMod val="85000"/>
+                    <a:lumOff val="15000"/>
+                  </a:srgbClr>
+                </a:solidFill>
+                <a:latin typeface="微软雅黑" panose="020B0503020204020204" pitchFamily="34" charset="-122"/>
+                <a:ea typeface="微软雅黑" panose="020B0503020204020204" pitchFamily="34" charset="-122"/>
+              </a:rPr>
+              <a:t>国际化</a:t>
+            </a:r>
+          </a:p>
+        </p:txBody>
+      </p:sp>
+      <p:sp>
+        <p:nvSpPr>
+          <p:cNvPr id="25" name="Google Shape;183;g812efbfd32_0_0">
+            <a:extLst>
+              <a:ext uri="{FF2B5EF4-FFF2-40B4-BE49-F238E27FC236}">
+                <a16:creationId xmlns:a16="http://schemas.microsoft.com/office/drawing/2014/main" xmlns="" id="{A8D61685-2B42-4F18-8C66-A3A9D282C9C6}"/>
+              </a:ext>
+            </a:extLst>
+          </p:cNvPr>
+          <p:cNvSpPr/>
+          <p:nvPr/>
+        </p:nvSpPr>
+        <p:spPr>
+          <a:xfrm>
+            <a:off x="4204782" y="4228944"/>
+            <a:ext cx="1019436" cy="342000"/>
+          </a:xfrm>
+          <a:prstGeom prst="roundRect">
+            <a:avLst>
+              <a:gd name="adj" fmla="val 0"/>
+            </a:avLst>
+          </a:prstGeom>
+          <a:solidFill>
+            <a:srgbClr val="E2F0D9"/>
+          </a:solidFill>
+          <a:ln w="12700" cap="flat" cmpd="sng" algn="ctr">
+            <a:noFill/>
+            <a:prstDash val="solid"/>
+            <a:miter lim="800000"/>
+          </a:ln>
+          <a:effectLst>
+            <a:outerShdw blurRad="50800" dist="25400" dir="2700000" algn="tl" rotWithShape="0">
+              <a:prstClr val="black">
+                <a:alpha val="40000"/>
+              </a:prstClr>
+            </a:outerShdw>
+          </a:effectLst>
+        </p:spPr>
+        <p:txBody>
+          <a:bodyPr rtlCol="0" anchor="ctr"/>
+          <a:lstStyle/>
+          <a:p>
+            <a:pPr algn="ctr" fontAlgn="auto">
+              <a:spcBef>
+                <a:spcPts val="0"/>
+              </a:spcBef>
+              <a:spcAft>
+                <a:spcPts val="0"/>
+              </a:spcAft>
+            </a:pPr>
+            <a:r>
+              <a:rPr lang="zh-CN" altLang="en-US" sz="1200" kern="0" dirty="0">
+                <a:solidFill>
+                  <a:srgbClr val="000000">
+                    <a:lumMod val="85000"/>
+                    <a:lumOff val="15000"/>
+                  </a:srgbClr>
+                </a:solidFill>
+                <a:latin typeface="微软雅黑" panose="020B0503020204020204" pitchFamily="34" charset="-122"/>
+                <a:ea typeface="微软雅黑" panose="020B0503020204020204" pitchFamily="34" charset="-122"/>
+              </a:rPr>
+              <a:t>请求管理</a:t>
+            </a:r>
+          </a:p>
+        </p:txBody>
+      </p:sp>
+      <p:sp>
+        <p:nvSpPr>
+          <p:cNvPr id="26" name="Google Shape;183;g812efbfd32_0_0">
+            <a:extLst>
+              <a:ext uri="{FF2B5EF4-FFF2-40B4-BE49-F238E27FC236}">
+                <a16:creationId xmlns:a16="http://schemas.microsoft.com/office/drawing/2014/main" xmlns="" id="{47DF65B6-69EB-407C-B56C-3FEFA80C4CF1}"/>
+              </a:ext>
+            </a:extLst>
+          </p:cNvPr>
+          <p:cNvSpPr/>
+          <p:nvPr/>
+        </p:nvSpPr>
+        <p:spPr>
+          <a:xfrm>
+            <a:off x="4209967" y="3796389"/>
+            <a:ext cx="1014251" cy="342000"/>
+          </a:xfrm>
+          <a:prstGeom prst="roundRect">
+            <a:avLst>
+              <a:gd name="adj" fmla="val 0"/>
+            </a:avLst>
+          </a:prstGeom>
+          <a:solidFill>
+            <a:srgbClr val="E2F0D9"/>
+          </a:solidFill>
+          <a:ln w="12700" cap="flat" cmpd="sng" algn="ctr">
+            <a:noFill/>
+            <a:prstDash val="solid"/>
+            <a:miter lim="800000"/>
+          </a:ln>
+          <a:effectLst>
+            <a:outerShdw blurRad="50800" dist="25400" dir="2700000" algn="tl" rotWithShape="0">
+              <a:prstClr val="black">
+                <a:alpha val="40000"/>
+              </a:prstClr>
+            </a:outerShdw>
+          </a:effectLst>
+        </p:spPr>
+        <p:txBody>
+          <a:bodyPr rtlCol="0" anchor="ctr"/>
+          <a:lstStyle/>
+          <a:p>
+            <a:pPr algn="ctr" fontAlgn="auto">
+              <a:spcBef>
+                <a:spcPts val="0"/>
+              </a:spcBef>
+              <a:spcAft>
+                <a:spcPts val="0"/>
+              </a:spcAft>
+            </a:pPr>
+            <a:r>
+              <a:rPr lang="zh-CN" altLang="en-US" sz="1200" kern="0" dirty="0">
+                <a:solidFill>
+                  <a:srgbClr val="000000">
+                    <a:lumMod val="85000"/>
+                    <a:lumOff val="15000"/>
+                  </a:srgbClr>
+                </a:solidFill>
+                <a:latin typeface="微软雅黑" panose="020B0503020204020204" pitchFamily="34" charset="-122"/>
+                <a:ea typeface="微软雅黑" panose="020B0503020204020204" pitchFamily="34" charset="-122"/>
+              </a:rPr>
+              <a:t>路由</a:t>
+            </a:r>
+          </a:p>
+        </p:txBody>
+      </p:sp>
+      <p:sp>
+        <p:nvSpPr>
+          <p:cNvPr id="27" name="Google Shape;183;g812efbfd32_0_0">
+            <a:extLst>
+              <a:ext uri="{FF2B5EF4-FFF2-40B4-BE49-F238E27FC236}">
+                <a16:creationId xmlns:a16="http://schemas.microsoft.com/office/drawing/2014/main" xmlns="" id="{FBE62AF0-0394-4354-8008-7883A1C92E9A}"/>
+              </a:ext>
+            </a:extLst>
+          </p:cNvPr>
+          <p:cNvSpPr/>
+          <p:nvPr/>
+        </p:nvSpPr>
+        <p:spPr>
+          <a:xfrm>
+            <a:off x="2973995" y="4661499"/>
+            <a:ext cx="1010906" cy="342000"/>
+          </a:xfrm>
+          <a:prstGeom prst="roundRect">
+            <a:avLst>
+              <a:gd name="adj" fmla="val 0"/>
+            </a:avLst>
+          </a:prstGeom>
+          <a:solidFill>
+            <a:srgbClr val="99CCFF"/>
+          </a:solidFill>
+          <a:ln w="12700" cap="flat" cmpd="sng" algn="ctr">
+            <a:noFill/>
+            <a:prstDash val="solid"/>
+            <a:miter lim="800000"/>
+          </a:ln>
+          <a:effectLst>
+            <a:outerShdw blurRad="50800" dist="25400" dir="2700000" algn="tl" rotWithShape="0">
+              <a:prstClr val="black">
+                <a:alpha val="40000"/>
+              </a:prstClr>
+            </a:outerShdw>
+          </a:effectLst>
+        </p:spPr>
+        <p:txBody>
+          <a:bodyPr rtlCol="0" anchor="ctr"/>
+          <a:lstStyle/>
+          <a:p>
+            <a:pPr algn="ctr" fontAlgn="auto">
+              <a:spcBef>
+                <a:spcPts val="0"/>
+              </a:spcBef>
+              <a:spcAft>
+                <a:spcPts val="0"/>
+              </a:spcAft>
+            </a:pPr>
+            <a:r>
+              <a:rPr lang="zh-CN" altLang="en-US" sz="1200" kern="0" dirty="0">
+                <a:solidFill>
+                  <a:srgbClr val="000000">
+                    <a:lumMod val="85000"/>
+                    <a:lumOff val="15000"/>
+                  </a:srgbClr>
+                </a:solidFill>
+                <a:latin typeface="微软雅黑" panose="020B0503020204020204" pitchFamily="34" charset="-122"/>
+                <a:ea typeface="微软雅黑" panose="020B0503020204020204" pitchFamily="34" charset="-122"/>
+              </a:rPr>
+              <a:t>静态资源优化</a:t>
+            </a:r>
+          </a:p>
+        </p:txBody>
+      </p:sp>
+      <p:sp>
+        <p:nvSpPr>
+          <p:cNvPr id="28" name="Google Shape;183;g812efbfd32_0_0">
+            <a:extLst>
+              <a:ext uri="{FF2B5EF4-FFF2-40B4-BE49-F238E27FC236}">
+                <a16:creationId xmlns:a16="http://schemas.microsoft.com/office/drawing/2014/main" xmlns="" id="{C7444251-FCC5-4081-BC1B-2A9F51B0A858}"/>
+              </a:ext>
+            </a:extLst>
+          </p:cNvPr>
+          <p:cNvSpPr/>
+          <p:nvPr/>
+        </p:nvSpPr>
+        <p:spPr>
+          <a:xfrm>
+            <a:off x="4213312" y="4661499"/>
+            <a:ext cx="1010906" cy="342000"/>
+          </a:xfrm>
+          <a:prstGeom prst="roundRect">
+            <a:avLst>
+              <a:gd name="adj" fmla="val 0"/>
+            </a:avLst>
+          </a:prstGeom>
+          <a:solidFill>
+            <a:srgbClr val="99CCFF"/>
+          </a:solidFill>
+          <a:ln w="12700" cap="flat" cmpd="sng" algn="ctr">
+            <a:noFill/>
+            <a:prstDash val="solid"/>
+            <a:miter lim="800000"/>
+          </a:ln>
+          <a:effectLst>
+            <a:outerShdw blurRad="50800" dist="25400" dir="2700000" algn="tl" rotWithShape="0">
+              <a:prstClr val="black">
+                <a:alpha val="40000"/>
+              </a:prstClr>
+            </a:outerShdw>
+          </a:effectLst>
+        </p:spPr>
+        <p:txBody>
+          <a:bodyPr rtlCol="0" anchor="ctr"/>
+          <a:lstStyle/>
+          <a:p>
+            <a:pPr algn="ctr" fontAlgn="auto">
+              <a:spcBef>
+                <a:spcPts val="0"/>
+              </a:spcBef>
+              <a:spcAft>
+                <a:spcPts val="0"/>
+              </a:spcAft>
+            </a:pPr>
+            <a:r>
+              <a:rPr lang="zh-CN" altLang="en-US" sz="1200" kern="0" dirty="0">
+                <a:solidFill>
+                  <a:srgbClr val="000000">
+                    <a:lumMod val="85000"/>
+                    <a:lumOff val="15000"/>
+                  </a:srgbClr>
+                </a:solidFill>
+                <a:latin typeface="微软雅黑" panose="020B0503020204020204" pitchFamily="34" charset="-122"/>
+                <a:ea typeface="微软雅黑" panose="020B0503020204020204" pitchFamily="34" charset="-122"/>
+              </a:rPr>
+              <a:t>响应式组件（表格）</a:t>
+            </a:r>
+            <a:endParaRPr lang="en-US" altLang="zh-CN" sz="1200" kern="0" dirty="0">
+              <a:solidFill>
+                <a:srgbClr val="000000">
+                  <a:lumMod val="85000"/>
+                  <a:lumOff val="15000"/>
+                </a:srgbClr>
+              </a:solidFill>
+              <a:latin typeface="微软雅黑" panose="020B0503020204020204" pitchFamily="34" charset="-122"/>
+              <a:ea typeface="微软雅黑" panose="020B0503020204020204" pitchFamily="34" charset="-122"/>
+            </a:endParaRPr>
+          </a:p>
+        </p:txBody>
+      </p:sp>
+      <p:sp>
+        <p:nvSpPr>
+          <p:cNvPr id="29" name="矩形 28">
+            <a:extLst>
+              <a:ext uri="{FF2B5EF4-FFF2-40B4-BE49-F238E27FC236}">
+                <a16:creationId xmlns:a16="http://schemas.microsoft.com/office/drawing/2014/main" xmlns="" id="{A9186CA8-E422-4764-A3CE-4F2EF82A5102}"/>
+              </a:ext>
+            </a:extLst>
+          </p:cNvPr>
+          <p:cNvSpPr/>
+          <p:nvPr/>
+        </p:nvSpPr>
+        <p:spPr>
+          <a:xfrm>
+            <a:off x="7190189" y="3452781"/>
+            <a:ext cx="1200632" cy="253916"/>
+          </a:xfrm>
+          <a:prstGeom prst="rect">
+            <a:avLst/>
+          </a:prstGeom>
+          <a:noFill/>
+          <a:ln w="6350">
+            <a:noFill/>
+          </a:ln>
+        </p:spPr>
+        <p:txBody>
+          <a:bodyPr wrap="square">
+            <a:spAutoFit/>
+          </a:bodyPr>
+          <a:lstStyle/>
+          <a:p>
+            <a:pPr defTabSz="1218540" fontAlgn="auto">
+              <a:spcBef>
+                <a:spcPts val="0"/>
+              </a:spcBef>
+              <a:spcAft>
+                <a:spcPts val="0"/>
+              </a:spcAft>
+              <a:defRPr/>
+            </a:pPr>
+            <a:r>
+              <a:rPr lang="zh-CN" altLang="en-US" sz="1050" b="1" kern="0" dirty="0">
+                <a:solidFill>
+                  <a:prstClr val="black"/>
+                </a:solidFill>
+                <a:latin typeface="微软雅黑" panose="020B0503020204020204" pitchFamily="34" charset="-122"/>
+                <a:ea typeface="微软雅黑" panose="020B0503020204020204" pitchFamily="34" charset="-122"/>
+                <a:cs typeface="Arial"/>
+              </a:rPr>
+              <a:t>多端</a:t>
+            </a:r>
+            <a:endParaRPr lang="en-US" altLang="zh-CN" sz="1050" b="1" kern="0" dirty="0">
+              <a:solidFill>
+                <a:prstClr val="black"/>
+              </a:solidFill>
+              <a:latin typeface="微软雅黑" panose="020B0503020204020204" pitchFamily="34" charset="-122"/>
+              <a:ea typeface="微软雅黑" panose="020B0503020204020204" pitchFamily="34" charset="-122"/>
+              <a:cs typeface="Arial"/>
+            </a:endParaRPr>
+          </a:p>
+        </p:txBody>
+      </p:sp>
+      <p:sp>
+        <p:nvSpPr>
+          <p:cNvPr id="30" name="矩形 29">
+            <a:extLst>
+              <a:ext uri="{FF2B5EF4-FFF2-40B4-BE49-F238E27FC236}">
+                <a16:creationId xmlns:a16="http://schemas.microsoft.com/office/drawing/2014/main" xmlns="" id="{1EA3E016-C85B-4F25-9D59-1A1FAE0C366A}"/>
+              </a:ext>
+            </a:extLst>
+          </p:cNvPr>
+          <p:cNvSpPr/>
+          <p:nvPr/>
+        </p:nvSpPr>
+        <p:spPr>
+          <a:xfrm>
+            <a:off x="7159447" y="3392988"/>
+            <a:ext cx="1276910" cy="1731552"/>
+          </a:xfrm>
+          <a:prstGeom prst="rect">
+            <a:avLst/>
+          </a:prstGeom>
+          <a:noFill/>
+          <a:ln w="12700" cap="flat" cmpd="sng" algn="ctr">
+            <a:solidFill>
+              <a:srgbClr val="A7A7A7"/>
+            </a:solidFill>
+            <a:prstDash val="solid"/>
+            <a:miter lim="800000"/>
+          </a:ln>
+          <a:effectLst/>
+        </p:spPr>
+        <p:txBody>
+          <a:bodyPr rtlCol="0" anchor="ctr"/>
+          <a:lstStyle/>
+          <a:p>
+            <a:pPr algn="ctr" fontAlgn="auto">
+              <a:spcBef>
+                <a:spcPts val="0"/>
+              </a:spcBef>
+              <a:spcAft>
+                <a:spcPts val="0"/>
+              </a:spcAft>
+              <a:defRPr/>
+            </a:pPr>
+            <a:endParaRPr lang="zh-CN" altLang="en-US" sz="1200" kern="0">
+              <a:solidFill>
+                <a:srgbClr val="5B9BD5">
+                  <a:lumMod val="50000"/>
+                </a:srgbClr>
+              </a:solidFill>
+              <a:latin typeface="微软雅黑" panose="020B0503020204020204" pitchFamily="34" charset="-122"/>
+              <a:ea typeface="微软雅黑" panose="020B0503020204020204" pitchFamily="34" charset="-122"/>
+            </a:endParaRPr>
+          </a:p>
+        </p:txBody>
+      </p:sp>
+      <p:sp>
+        <p:nvSpPr>
+          <p:cNvPr id="31" name="Google Shape;183;g812efbfd32_0_0">
+            <a:extLst>
+              <a:ext uri="{FF2B5EF4-FFF2-40B4-BE49-F238E27FC236}">
+                <a16:creationId xmlns:a16="http://schemas.microsoft.com/office/drawing/2014/main" xmlns="" id="{793C7605-62E9-47A1-B4BA-2FB86A307E73}"/>
+              </a:ext>
+            </a:extLst>
+          </p:cNvPr>
+          <p:cNvSpPr/>
+          <p:nvPr/>
+        </p:nvSpPr>
+        <p:spPr>
+          <a:xfrm>
+            <a:off x="7301146" y="4654302"/>
+            <a:ext cx="978718" cy="342325"/>
+          </a:xfrm>
+          <a:prstGeom prst="roundRect">
+            <a:avLst>
+              <a:gd name="adj" fmla="val 0"/>
+            </a:avLst>
+          </a:prstGeom>
+          <a:solidFill>
+            <a:srgbClr val="A7A7A7"/>
+          </a:solidFill>
+          <a:ln w="12700" cap="flat" cmpd="sng" algn="ctr">
+            <a:noFill/>
+            <a:prstDash val="solid"/>
+            <a:miter lim="800000"/>
+          </a:ln>
+          <a:effectLst>
+            <a:outerShdw blurRad="50800" dist="38100" dir="2700000" algn="tl" rotWithShape="0">
+              <a:prstClr val="black">
+                <a:alpha val="40000"/>
+              </a:prstClr>
+            </a:outerShdw>
+          </a:effectLst>
+        </p:spPr>
+        <p:txBody>
+          <a:bodyPr rtlCol="0" anchor="ctr"/>
+          <a:lstStyle/>
+          <a:p>
+            <a:pPr algn="ctr" fontAlgn="auto">
+              <a:spcBef>
+                <a:spcPts val="0"/>
+              </a:spcBef>
+              <a:spcAft>
+                <a:spcPts val="0"/>
+              </a:spcAft>
+              <a:defRPr/>
+            </a:pPr>
+            <a:r>
+              <a:rPr lang="zh-CN" altLang="en-US" sz="1100" kern="0" dirty="0">
+                <a:solidFill>
+                  <a:prstClr val="white"/>
+                </a:solidFill>
+                <a:latin typeface="微软雅黑" panose="020B0503020204020204" pitchFamily="34" charset="-122"/>
+                <a:ea typeface="微软雅黑" panose="020B0503020204020204" pitchFamily="34" charset="-122"/>
+              </a:rPr>
+              <a:t>小程序</a:t>
+            </a:r>
+            <a:endParaRPr lang="en-US" altLang="zh-CN" sz="1100" kern="0" dirty="0">
+              <a:solidFill>
+                <a:prstClr val="white"/>
+              </a:solidFill>
+              <a:latin typeface="微软雅黑" panose="020B0503020204020204" pitchFamily="34" charset="-122"/>
+              <a:ea typeface="微软雅黑" panose="020B0503020204020204" pitchFamily="34" charset="-122"/>
+            </a:endParaRPr>
+          </a:p>
+        </p:txBody>
+      </p:sp>
+      <p:sp>
+        <p:nvSpPr>
+          <p:cNvPr id="32" name="Google Shape;183;g812efbfd32_0_0">
+            <a:extLst>
+              <a:ext uri="{FF2B5EF4-FFF2-40B4-BE49-F238E27FC236}">
+                <a16:creationId xmlns:a16="http://schemas.microsoft.com/office/drawing/2014/main" xmlns="" id="{7E397177-EBBE-47CF-86B0-362D5F57BA06}"/>
+              </a:ext>
+            </a:extLst>
+          </p:cNvPr>
+          <p:cNvSpPr/>
+          <p:nvPr/>
+        </p:nvSpPr>
+        <p:spPr>
+          <a:xfrm>
+            <a:off x="7300633" y="4113865"/>
+            <a:ext cx="971775" cy="326611"/>
+          </a:xfrm>
+          <a:prstGeom prst="roundRect">
+            <a:avLst>
+              <a:gd name="adj" fmla="val 0"/>
+            </a:avLst>
+          </a:prstGeom>
+          <a:solidFill>
+            <a:srgbClr val="A7A7A7"/>
+          </a:solidFill>
+          <a:ln w="12700" cap="flat" cmpd="sng" algn="ctr">
+            <a:noFill/>
+            <a:prstDash val="solid"/>
+            <a:miter lim="800000"/>
+          </a:ln>
+          <a:effectLst>
+            <a:outerShdw blurRad="50800" dist="38100" dir="2700000" algn="tl" rotWithShape="0">
+              <a:prstClr val="black">
+                <a:alpha val="40000"/>
+              </a:prstClr>
+            </a:outerShdw>
+          </a:effectLst>
+        </p:spPr>
+        <p:txBody>
+          <a:bodyPr rtlCol="0" anchor="ctr"/>
+          <a:lstStyle/>
+          <a:p>
+            <a:pPr algn="ctr" fontAlgn="auto">
+              <a:spcBef>
+                <a:spcPts val="0"/>
+              </a:spcBef>
+              <a:spcAft>
+                <a:spcPts val="0"/>
+              </a:spcAft>
+              <a:defRPr/>
+            </a:pPr>
+            <a:r>
+              <a:rPr lang="zh-CN" altLang="en-US" sz="1100" kern="0" dirty="0">
+                <a:solidFill>
+                  <a:prstClr val="white"/>
+                </a:solidFill>
+                <a:latin typeface="微软雅黑" panose="020B0503020204020204" pitchFamily="34" charset="-122"/>
+                <a:ea typeface="微软雅黑" panose="020B0503020204020204" pitchFamily="34" charset="-122"/>
+              </a:rPr>
+              <a:t>移动端</a:t>
+            </a:r>
+            <a:endParaRPr lang="en-US" altLang="zh-CN" sz="1100" kern="0" dirty="0">
+              <a:solidFill>
+                <a:prstClr val="white"/>
+              </a:solidFill>
+              <a:latin typeface="微软雅黑" panose="020B0503020204020204" pitchFamily="34" charset="-122"/>
+              <a:ea typeface="微软雅黑" panose="020B0503020204020204" pitchFamily="34" charset="-122"/>
+            </a:endParaRPr>
+          </a:p>
+        </p:txBody>
+      </p:sp>
+      <p:sp>
+        <p:nvSpPr>
+          <p:cNvPr id="33" name="矩形 32">
+            <a:extLst>
+              <a:ext uri="{FF2B5EF4-FFF2-40B4-BE49-F238E27FC236}">
+                <a16:creationId xmlns:a16="http://schemas.microsoft.com/office/drawing/2014/main" xmlns="" id="{2AA8E562-AB39-4216-8D90-AE78FBE9BFE4}"/>
+              </a:ext>
+            </a:extLst>
+          </p:cNvPr>
+          <p:cNvSpPr/>
+          <p:nvPr/>
+        </p:nvSpPr>
+        <p:spPr>
+          <a:xfrm>
+            <a:off x="7188721" y="3725899"/>
+            <a:ext cx="1190198" cy="261610"/>
+          </a:xfrm>
+          <a:prstGeom prst="rect">
+            <a:avLst/>
+          </a:prstGeom>
+          <a:noFill/>
+          <a:ln w="6350">
+            <a:noFill/>
+          </a:ln>
+        </p:spPr>
+        <p:txBody>
+          <a:bodyPr wrap="square">
+            <a:spAutoFit/>
+          </a:bodyPr>
+          <a:lstStyle/>
+          <a:p>
+            <a:pPr algn="ctr" defTabSz="1215619" fontAlgn="auto">
+              <a:spcBef>
+                <a:spcPts val="0"/>
+              </a:spcBef>
+              <a:spcAft>
+                <a:spcPts val="0"/>
+              </a:spcAft>
+              <a:defRPr/>
+            </a:pPr>
+            <a:r>
+              <a:rPr lang="zh-CN" altLang="en-US" sz="1100" b="1" kern="0" dirty="0">
+                <a:solidFill>
+                  <a:srgbClr val="A7A7A7"/>
+                </a:solidFill>
+                <a:latin typeface="微软雅黑" panose="020B0503020204020204" pitchFamily="34" charset="-122"/>
+                <a:ea typeface="微软雅黑"/>
+                <a:cs typeface="Arial"/>
+              </a:rPr>
+              <a:t>依托开源伙伴</a:t>
+            </a:r>
+            <a:endParaRPr lang="en-US" altLang="zh-CN" sz="1100" b="1" kern="0" dirty="0">
+              <a:solidFill>
+                <a:srgbClr val="A7A7A7"/>
+              </a:solidFill>
+              <a:latin typeface="微软雅黑" panose="020B0503020204020204" pitchFamily="34" charset="-122"/>
+              <a:ea typeface="微软雅黑"/>
+              <a:cs typeface="Arial"/>
+            </a:endParaRPr>
+          </a:p>
+        </p:txBody>
+      </p:sp>
+      <p:sp>
+        <p:nvSpPr>
+          <p:cNvPr id="34" name="矩形 33">
+            <a:extLst>
+              <a:ext uri="{FF2B5EF4-FFF2-40B4-BE49-F238E27FC236}">
+                <a16:creationId xmlns:a16="http://schemas.microsoft.com/office/drawing/2014/main" xmlns="" id="{FDD3E7D5-F3DB-4BCB-A7B6-5144F77267E5}"/>
+              </a:ext>
+            </a:extLst>
+          </p:cNvPr>
+          <p:cNvSpPr/>
+          <p:nvPr/>
+        </p:nvSpPr>
+        <p:spPr>
+          <a:xfrm>
+            <a:off x="3457959" y="3476846"/>
+            <a:ext cx="1200632" cy="246221"/>
+          </a:xfrm>
+          <a:prstGeom prst="rect">
+            <a:avLst/>
+          </a:prstGeom>
+          <a:noFill/>
+          <a:ln w="6350">
+            <a:noFill/>
+          </a:ln>
+        </p:spPr>
+        <p:txBody>
+          <a:bodyPr wrap="square">
+            <a:spAutoFit/>
+          </a:bodyPr>
+          <a:lstStyle/>
+          <a:p>
+            <a:pPr algn="ctr" defTabSz="1215619" fontAlgn="auto">
+              <a:spcBef>
+                <a:spcPts val="0"/>
+              </a:spcBef>
+              <a:spcAft>
+                <a:spcPts val="0"/>
+              </a:spcAft>
+              <a:defRPr/>
+            </a:pPr>
+            <a:r>
+              <a:rPr lang="zh-CN" altLang="en-US" sz="1000" b="1" kern="0" dirty="0">
+                <a:solidFill>
+                  <a:srgbClr val="C00000"/>
+                </a:solidFill>
+                <a:latin typeface="微软雅黑" panose="020B0503020204020204" pitchFamily="34" charset="-122"/>
+                <a:ea typeface="微软雅黑"/>
+                <a:cs typeface="Arial"/>
+              </a:rPr>
+              <a:t>整合组件最佳实践</a:t>
+            </a:r>
+            <a:endParaRPr lang="en-US" altLang="zh-CN" sz="1000" b="1" kern="0" dirty="0">
+              <a:solidFill>
+                <a:srgbClr val="C00000"/>
+              </a:solidFill>
+              <a:latin typeface="微软雅黑" panose="020B0503020204020204" pitchFamily="34" charset="-122"/>
+              <a:ea typeface="微软雅黑"/>
+              <a:cs typeface="Arial"/>
+            </a:endParaRPr>
+          </a:p>
+        </p:txBody>
+      </p:sp>
+      <p:sp>
+        <p:nvSpPr>
+          <p:cNvPr id="35" name="矩形 34">
+            <a:extLst>
+              <a:ext uri="{FF2B5EF4-FFF2-40B4-BE49-F238E27FC236}">
+                <a16:creationId xmlns:a16="http://schemas.microsoft.com/office/drawing/2014/main" xmlns="" id="{83A16274-5AE2-47EC-AC96-DBF28D57C6B9}"/>
+              </a:ext>
+            </a:extLst>
+          </p:cNvPr>
+          <p:cNvSpPr/>
+          <p:nvPr/>
+        </p:nvSpPr>
+        <p:spPr>
+          <a:xfrm>
+            <a:off x="5672875" y="3446384"/>
+            <a:ext cx="1200632" cy="253916"/>
+          </a:xfrm>
+          <a:prstGeom prst="rect">
+            <a:avLst/>
+          </a:prstGeom>
+          <a:noFill/>
+          <a:ln w="6350">
+            <a:noFill/>
+          </a:ln>
+        </p:spPr>
+        <p:txBody>
+          <a:bodyPr wrap="square">
+            <a:spAutoFit/>
+          </a:bodyPr>
+          <a:lstStyle/>
+          <a:p>
+            <a:pPr defTabSz="1218540" fontAlgn="auto">
+              <a:spcBef>
+                <a:spcPts val="0"/>
+              </a:spcBef>
+              <a:spcAft>
+                <a:spcPts val="0"/>
+              </a:spcAft>
+              <a:defRPr/>
+            </a:pPr>
+            <a:r>
+              <a:rPr lang="zh-CN" altLang="en-US" sz="1050" b="1" kern="0" dirty="0">
+                <a:solidFill>
+                  <a:prstClr val="black"/>
+                </a:solidFill>
+                <a:latin typeface="微软雅黑" panose="020B0503020204020204" pitchFamily="34" charset="-122"/>
+                <a:ea typeface="微软雅黑" panose="020B0503020204020204" pitchFamily="34" charset="-122"/>
+                <a:cs typeface="Arial"/>
+              </a:rPr>
+              <a:t>服务端</a:t>
+            </a:r>
+            <a:endParaRPr lang="en-US" altLang="zh-CN" sz="1050" b="1" kern="0" dirty="0">
+              <a:solidFill>
+                <a:prstClr val="black"/>
+              </a:solidFill>
+              <a:latin typeface="微软雅黑" panose="020B0503020204020204" pitchFamily="34" charset="-122"/>
+              <a:ea typeface="微软雅黑" panose="020B0503020204020204" pitchFamily="34" charset="-122"/>
+              <a:cs typeface="Arial"/>
+            </a:endParaRPr>
+          </a:p>
+        </p:txBody>
+      </p:sp>
+      <p:sp>
+        <p:nvSpPr>
+          <p:cNvPr id="36" name="矩形 35">
+            <a:extLst>
+              <a:ext uri="{FF2B5EF4-FFF2-40B4-BE49-F238E27FC236}">
+                <a16:creationId xmlns:a16="http://schemas.microsoft.com/office/drawing/2014/main" xmlns="" id="{DBB60417-4E3F-4874-81F3-7F569DFC8331}"/>
+              </a:ext>
+            </a:extLst>
+          </p:cNvPr>
+          <p:cNvSpPr/>
+          <p:nvPr/>
+        </p:nvSpPr>
+        <p:spPr>
+          <a:xfrm>
+            <a:off x="5642133" y="3386591"/>
+            <a:ext cx="1276910" cy="1731552"/>
+          </a:xfrm>
+          <a:prstGeom prst="rect">
+            <a:avLst/>
+          </a:prstGeom>
+          <a:noFill/>
+          <a:ln w="12700" cap="flat" cmpd="sng" algn="ctr">
+            <a:solidFill>
+              <a:srgbClr val="A7A7A7"/>
+            </a:solidFill>
+            <a:prstDash val="solid"/>
+            <a:miter lim="800000"/>
+          </a:ln>
+          <a:effectLst/>
+        </p:spPr>
+        <p:txBody>
+          <a:bodyPr rtlCol="0" anchor="ctr"/>
+          <a:lstStyle/>
+          <a:p>
+            <a:pPr algn="ctr" fontAlgn="auto">
+              <a:spcBef>
+                <a:spcPts val="0"/>
+              </a:spcBef>
+              <a:spcAft>
+                <a:spcPts val="0"/>
+              </a:spcAft>
+              <a:defRPr/>
+            </a:pPr>
+            <a:endParaRPr lang="zh-CN" altLang="en-US" sz="1200" kern="0">
+              <a:solidFill>
+                <a:srgbClr val="5B9BD5">
+                  <a:lumMod val="50000"/>
+                </a:srgbClr>
+              </a:solidFill>
+              <a:latin typeface="微软雅黑" panose="020B0503020204020204" pitchFamily="34" charset="-122"/>
+              <a:ea typeface="微软雅黑" panose="020B0503020204020204" pitchFamily="34" charset="-122"/>
+            </a:endParaRPr>
+          </a:p>
+        </p:txBody>
+      </p:sp>
+      <p:sp>
+        <p:nvSpPr>
+          <p:cNvPr id="37" name="Google Shape;183;g812efbfd32_0_0">
+            <a:extLst>
+              <a:ext uri="{FF2B5EF4-FFF2-40B4-BE49-F238E27FC236}">
+                <a16:creationId xmlns:a16="http://schemas.microsoft.com/office/drawing/2014/main" xmlns="" id="{C3F57083-A70A-4F7A-BC60-7E014519B133}"/>
+              </a:ext>
+            </a:extLst>
+          </p:cNvPr>
+          <p:cNvSpPr/>
+          <p:nvPr/>
+        </p:nvSpPr>
+        <p:spPr>
+          <a:xfrm>
+            <a:off x="5801026" y="3814064"/>
+            <a:ext cx="978718" cy="342325"/>
+          </a:xfrm>
+          <a:prstGeom prst="roundRect">
+            <a:avLst>
+              <a:gd name="adj" fmla="val 0"/>
+            </a:avLst>
+          </a:prstGeom>
+          <a:solidFill>
+            <a:srgbClr val="99CCFF"/>
+          </a:solidFill>
+          <a:ln w="12700" cap="flat" cmpd="sng" algn="ctr">
+            <a:noFill/>
+            <a:prstDash val="solid"/>
+            <a:miter lim="800000"/>
+          </a:ln>
+          <a:effectLst>
+            <a:outerShdw blurRad="50800" dist="25400" dir="2700000" algn="tl" rotWithShape="0">
+              <a:prstClr val="black">
+                <a:alpha val="40000"/>
+              </a:prstClr>
+            </a:outerShdw>
+          </a:effectLst>
+        </p:spPr>
+        <p:txBody>
+          <a:bodyPr rtlCol="0" anchor="ctr"/>
+          <a:lstStyle/>
+          <a:p>
+            <a:pPr algn="ctr" fontAlgn="auto">
+              <a:spcBef>
+                <a:spcPts val="0"/>
+              </a:spcBef>
+              <a:spcAft>
+                <a:spcPts val="0"/>
+              </a:spcAft>
+            </a:pPr>
+            <a:r>
+              <a:rPr lang="en-US" altLang="zh-CN" sz="1200" kern="0" dirty="0">
+                <a:solidFill>
+                  <a:srgbClr val="000000">
+                    <a:lumMod val="85000"/>
+                    <a:lumOff val="15000"/>
+                  </a:srgbClr>
+                </a:solidFill>
+                <a:latin typeface="微软雅黑" panose="020B0503020204020204" pitchFamily="34" charset="-122"/>
+                <a:ea typeface="微软雅黑" panose="020B0503020204020204" pitchFamily="34" charset="-122"/>
+              </a:rPr>
+              <a:t>BFF</a:t>
+            </a:r>
+          </a:p>
+        </p:txBody>
+      </p:sp>
+      <p:sp>
+        <p:nvSpPr>
+          <p:cNvPr id="38" name="Google Shape;183;g812efbfd32_0_0">
+            <a:extLst>
+              <a:ext uri="{FF2B5EF4-FFF2-40B4-BE49-F238E27FC236}">
+                <a16:creationId xmlns:a16="http://schemas.microsoft.com/office/drawing/2014/main" xmlns="" id="{50B46640-09CC-47F0-B744-F2F504001A66}"/>
+              </a:ext>
+            </a:extLst>
+          </p:cNvPr>
+          <p:cNvSpPr/>
+          <p:nvPr/>
+        </p:nvSpPr>
+        <p:spPr>
+          <a:xfrm>
+            <a:off x="5804529" y="4267067"/>
+            <a:ext cx="971775" cy="326611"/>
+          </a:xfrm>
+          <a:prstGeom prst="roundRect">
+            <a:avLst>
+              <a:gd name="adj" fmla="val 0"/>
+            </a:avLst>
+          </a:prstGeom>
+          <a:solidFill>
+            <a:srgbClr val="A7A7A7"/>
+          </a:solidFill>
+          <a:ln w="12700" cap="flat" cmpd="sng" algn="ctr">
+            <a:noFill/>
+            <a:prstDash val="solid"/>
+            <a:miter lim="800000"/>
+          </a:ln>
+          <a:effectLst>
+            <a:outerShdw blurRad="50800" dist="38100" dir="2700000" algn="tl" rotWithShape="0">
+              <a:prstClr val="black">
+                <a:alpha val="40000"/>
+              </a:prstClr>
+            </a:outerShdw>
+          </a:effectLst>
+        </p:spPr>
+        <p:txBody>
+          <a:bodyPr rtlCol="0" anchor="ctr"/>
+          <a:lstStyle/>
+          <a:p>
+            <a:pPr algn="ctr" fontAlgn="auto">
+              <a:spcBef>
+                <a:spcPts val="0"/>
+              </a:spcBef>
+              <a:spcAft>
+                <a:spcPts val="0"/>
+              </a:spcAft>
+              <a:defRPr/>
+            </a:pPr>
+            <a:r>
+              <a:rPr lang="en-US" altLang="zh-CN" sz="1100" kern="0" dirty="0">
+                <a:solidFill>
+                  <a:prstClr val="white"/>
+                </a:solidFill>
+                <a:latin typeface="微软雅黑" panose="020B0503020204020204" pitchFamily="34" charset="-122"/>
+                <a:ea typeface="微软雅黑" panose="020B0503020204020204" pitchFamily="34" charset="-122"/>
+              </a:rPr>
+              <a:t>SSR</a:t>
+            </a:r>
+          </a:p>
+        </p:txBody>
+      </p:sp>
+      <p:sp>
+        <p:nvSpPr>
+          <p:cNvPr id="39" name="Google Shape;183;g812efbfd32_0_0">
+            <a:extLst>
+              <a:ext uri="{FF2B5EF4-FFF2-40B4-BE49-F238E27FC236}">
+                <a16:creationId xmlns:a16="http://schemas.microsoft.com/office/drawing/2014/main" xmlns="" id="{50DB9FB3-4249-4D6F-BB84-7511C7030162}"/>
+              </a:ext>
+            </a:extLst>
+          </p:cNvPr>
+          <p:cNvSpPr/>
+          <p:nvPr/>
+        </p:nvSpPr>
+        <p:spPr>
+          <a:xfrm>
+            <a:off x="5804529" y="4685541"/>
+            <a:ext cx="971775" cy="326611"/>
+          </a:xfrm>
+          <a:prstGeom prst="roundRect">
+            <a:avLst>
+              <a:gd name="adj" fmla="val 0"/>
+            </a:avLst>
+          </a:prstGeom>
+          <a:solidFill>
+            <a:srgbClr val="A7A7A7"/>
+          </a:solidFill>
+          <a:ln w="12700" cap="flat" cmpd="sng" algn="ctr">
+            <a:noFill/>
+            <a:prstDash val="solid"/>
+            <a:miter lim="800000"/>
+          </a:ln>
+          <a:effectLst>
+            <a:outerShdw blurRad="50800" dist="38100" dir="2700000" algn="tl" rotWithShape="0">
+              <a:prstClr val="black">
+                <a:alpha val="40000"/>
+              </a:prstClr>
+            </a:outerShdw>
+          </a:effectLst>
+        </p:spPr>
+        <p:txBody>
+          <a:bodyPr rtlCol="0" anchor="ctr"/>
+          <a:lstStyle/>
+          <a:p>
+            <a:pPr algn="ctr" fontAlgn="auto">
+              <a:spcBef>
+                <a:spcPts val="0"/>
+              </a:spcBef>
+              <a:spcAft>
+                <a:spcPts val="0"/>
+              </a:spcAft>
+              <a:defRPr/>
+            </a:pPr>
+            <a:r>
+              <a:rPr lang="zh-CN" altLang="en-US" sz="1100" kern="0" dirty="0">
+                <a:solidFill>
+                  <a:prstClr val="white"/>
+                </a:solidFill>
+                <a:latin typeface="微软雅黑" panose="020B0503020204020204" pitchFamily="34" charset="-122"/>
+                <a:ea typeface="微软雅黑" panose="020B0503020204020204" pitchFamily="34" charset="-122"/>
+              </a:rPr>
+              <a:t>服务端组件</a:t>
+            </a:r>
+            <a:endParaRPr lang="en-US" altLang="zh-CN" sz="1100" kern="0" dirty="0">
+              <a:solidFill>
+                <a:prstClr val="white"/>
+              </a:solidFill>
+              <a:latin typeface="微软雅黑" panose="020B0503020204020204" pitchFamily="34" charset="-122"/>
+              <a:ea typeface="微软雅黑" panose="020B0503020204020204" pitchFamily="34" charset="-122"/>
+            </a:endParaRPr>
+          </a:p>
+        </p:txBody>
+      </p:sp>
+      <p:sp>
+        <p:nvSpPr>
+          <p:cNvPr id="40" name="矩形 39">
+            <a:extLst>
+              <a:ext uri="{FF2B5EF4-FFF2-40B4-BE49-F238E27FC236}">
+                <a16:creationId xmlns:a16="http://schemas.microsoft.com/office/drawing/2014/main" xmlns="" id="{C0B0D0D0-9193-4FA8-B2DE-1D5E3727767A}"/>
+              </a:ext>
+            </a:extLst>
+          </p:cNvPr>
+          <p:cNvSpPr/>
+          <p:nvPr/>
+        </p:nvSpPr>
+        <p:spPr>
+          <a:xfrm>
+            <a:off x="1041495" y="1399107"/>
+            <a:ext cx="7526942" cy="909868"/>
+          </a:xfrm>
+          <a:prstGeom prst="rect">
+            <a:avLst/>
+          </a:prstGeom>
+          <a:noFill/>
+          <a:ln w="12700" cap="flat" cmpd="sng" algn="ctr">
+            <a:solidFill>
+              <a:srgbClr val="A7A7A7"/>
+            </a:solidFill>
+            <a:prstDash val="solid"/>
+            <a:miter lim="800000"/>
+          </a:ln>
+          <a:effectLst/>
+        </p:spPr>
+        <p:txBody>
+          <a:bodyPr rtlCol="0" anchor="ctr"/>
+          <a:lstStyle/>
+          <a:p>
+            <a:pPr algn="ctr" fontAlgn="auto">
+              <a:spcBef>
+                <a:spcPts val="0"/>
+              </a:spcBef>
+              <a:spcAft>
+                <a:spcPts val="0"/>
+              </a:spcAft>
+              <a:defRPr/>
+            </a:pPr>
+            <a:endParaRPr lang="zh-CN" altLang="en-US" sz="1200" kern="0">
+              <a:solidFill>
+                <a:srgbClr val="5B9BD5">
+                  <a:lumMod val="50000"/>
+                </a:srgbClr>
+              </a:solidFill>
+              <a:latin typeface="微软雅黑" panose="020B0503020204020204" pitchFamily="34" charset="-122"/>
+              <a:ea typeface="微软雅黑" panose="020B0503020204020204" pitchFamily="34" charset="-122"/>
+            </a:endParaRPr>
+          </a:p>
+        </p:txBody>
+      </p:sp>
+      <p:sp>
+        <p:nvSpPr>
+          <p:cNvPr id="41" name="矩形 40">
+            <a:extLst>
+              <a:ext uri="{FF2B5EF4-FFF2-40B4-BE49-F238E27FC236}">
+                <a16:creationId xmlns:a16="http://schemas.microsoft.com/office/drawing/2014/main" xmlns="" id="{5B0B64B1-5264-473A-836A-06E61468FFCD}"/>
+              </a:ext>
+            </a:extLst>
+          </p:cNvPr>
+          <p:cNvSpPr/>
+          <p:nvPr/>
+        </p:nvSpPr>
+        <p:spPr>
+          <a:xfrm>
+            <a:off x="1011037" y="1388472"/>
+            <a:ext cx="1401247" cy="246221"/>
+          </a:xfrm>
+          <a:prstGeom prst="rect">
+            <a:avLst/>
+          </a:prstGeom>
+          <a:noFill/>
+          <a:ln w="6350">
+            <a:noFill/>
+          </a:ln>
+        </p:spPr>
+        <p:txBody>
+          <a:bodyPr wrap="square">
+            <a:spAutoFit/>
+          </a:bodyPr>
+          <a:lstStyle/>
+          <a:p>
+            <a:pPr algn="ctr" defTabSz="1215619" fontAlgn="auto">
+              <a:spcBef>
+                <a:spcPts val="0"/>
+              </a:spcBef>
+              <a:spcAft>
+                <a:spcPts val="0"/>
+              </a:spcAft>
+            </a:pPr>
+            <a:r>
+              <a:rPr lang="zh-CN" altLang="en-US" sz="1000" b="1" kern="0" dirty="0">
+                <a:solidFill>
+                  <a:srgbClr val="C00000"/>
+                </a:solidFill>
+                <a:latin typeface="微软雅黑" panose="020B0503020204020204" pitchFamily="34" charset="-122"/>
+                <a:ea typeface="微软雅黑"/>
+                <a:cs typeface="Arial"/>
+              </a:rPr>
+              <a:t>整合社区优秀生态</a:t>
+            </a:r>
+          </a:p>
+        </p:txBody>
+      </p:sp>
+      <p:sp>
+        <p:nvSpPr>
+          <p:cNvPr id="42" name="Google Shape;183;g812efbfd32_0_0">
+            <a:extLst>
+              <a:ext uri="{FF2B5EF4-FFF2-40B4-BE49-F238E27FC236}">
+                <a16:creationId xmlns:a16="http://schemas.microsoft.com/office/drawing/2014/main" xmlns="" id="{64BFE5AF-4B22-402A-8CC1-32AB843F9C2D}"/>
+              </a:ext>
+            </a:extLst>
+          </p:cNvPr>
+          <p:cNvSpPr/>
+          <p:nvPr/>
+        </p:nvSpPr>
+        <p:spPr>
+          <a:xfrm>
+            <a:off x="1198986" y="1831705"/>
+            <a:ext cx="1224000" cy="342325"/>
+          </a:xfrm>
+          <a:prstGeom prst="roundRect">
+            <a:avLst>
+              <a:gd name="adj" fmla="val 0"/>
+            </a:avLst>
+          </a:prstGeom>
+          <a:solidFill>
+            <a:srgbClr val="99CCFF"/>
+          </a:solidFill>
+          <a:ln w="12700" cap="flat" cmpd="sng" algn="ctr">
+            <a:noFill/>
+            <a:prstDash val="solid"/>
+            <a:miter lim="800000"/>
+          </a:ln>
+          <a:effectLst>
+            <a:outerShdw blurRad="50800" dist="25400" dir="2700000" algn="tl" rotWithShape="0">
+              <a:prstClr val="black">
+                <a:alpha val="40000"/>
+              </a:prstClr>
+            </a:outerShdw>
+          </a:effectLst>
+        </p:spPr>
+        <p:txBody>
+          <a:bodyPr rtlCol="0" anchor="ctr"/>
+          <a:lstStyle/>
+          <a:p>
+            <a:pPr algn="ctr" fontAlgn="auto">
+              <a:spcBef>
+                <a:spcPts val="0"/>
+              </a:spcBef>
+              <a:spcAft>
+                <a:spcPts val="0"/>
+              </a:spcAft>
+            </a:pPr>
+            <a:r>
+              <a:rPr lang="en-US" altLang="zh-CN" sz="1200" kern="0">
+                <a:solidFill>
+                  <a:srgbClr val="000000">
+                    <a:lumMod val="85000"/>
+                    <a:lumOff val="15000"/>
+                  </a:srgbClr>
+                </a:solidFill>
+                <a:latin typeface="微软雅黑" panose="020B0503020204020204" pitchFamily="34" charset="-122"/>
+                <a:ea typeface="微软雅黑" panose="020B0503020204020204" pitchFamily="34" charset="-122"/>
+              </a:rPr>
+              <a:t>tailwindcss</a:t>
+            </a:r>
+            <a:endParaRPr lang="en-US" altLang="zh-CN" sz="1200" kern="0" dirty="0">
+              <a:solidFill>
+                <a:srgbClr val="000000">
+                  <a:lumMod val="85000"/>
+                  <a:lumOff val="15000"/>
+                </a:srgbClr>
+              </a:solidFill>
+              <a:latin typeface="微软雅黑" panose="020B0503020204020204" pitchFamily="34" charset="-122"/>
+              <a:ea typeface="微软雅黑" panose="020B0503020204020204" pitchFamily="34" charset="-122"/>
+            </a:endParaRPr>
+          </a:p>
+        </p:txBody>
+      </p:sp>
+      <p:sp>
+        <p:nvSpPr>
+          <p:cNvPr id="43" name="Google Shape;183;g812efbfd32_0_0">
+            <a:extLst>
+              <a:ext uri="{FF2B5EF4-FFF2-40B4-BE49-F238E27FC236}">
+                <a16:creationId xmlns:a16="http://schemas.microsoft.com/office/drawing/2014/main" xmlns="" id="{8AB63D1B-E3C5-4D8C-9DAA-BE9912B23492}"/>
+              </a:ext>
+            </a:extLst>
+          </p:cNvPr>
+          <p:cNvSpPr/>
+          <p:nvPr/>
+        </p:nvSpPr>
+        <p:spPr>
+          <a:xfrm>
+            <a:off x="2702329" y="1831705"/>
+            <a:ext cx="1224000" cy="342325"/>
+          </a:xfrm>
+          <a:prstGeom prst="roundRect">
+            <a:avLst>
+              <a:gd name="adj" fmla="val 0"/>
+            </a:avLst>
+          </a:prstGeom>
+          <a:solidFill>
+            <a:srgbClr val="99CCFF"/>
+          </a:solidFill>
+          <a:ln w="12700" cap="flat" cmpd="sng" algn="ctr">
+            <a:noFill/>
+            <a:prstDash val="solid"/>
+            <a:miter lim="800000"/>
+          </a:ln>
+          <a:effectLst>
+            <a:outerShdw blurRad="50800" dist="25400" dir="2700000" algn="tl" rotWithShape="0">
+              <a:prstClr val="black">
+                <a:alpha val="40000"/>
+              </a:prstClr>
+            </a:outerShdw>
+          </a:effectLst>
+        </p:spPr>
+        <p:txBody>
+          <a:bodyPr rtlCol="0" anchor="ctr"/>
+          <a:lstStyle/>
+          <a:p>
+            <a:pPr algn="ctr" fontAlgn="auto">
+              <a:spcBef>
+                <a:spcPts val="0"/>
+              </a:spcBef>
+              <a:spcAft>
+                <a:spcPts val="0"/>
+              </a:spcAft>
+            </a:pPr>
+            <a:r>
+              <a:rPr lang="en-US" altLang="zh-CN" sz="1200" kern="0" dirty="0">
+                <a:solidFill>
+                  <a:srgbClr val="000000">
+                    <a:lumMod val="85000"/>
+                    <a:lumOff val="15000"/>
+                  </a:srgbClr>
+                </a:solidFill>
+                <a:latin typeface="微软雅黑" panose="020B0503020204020204" pitchFamily="34" charset="-122"/>
+                <a:ea typeface="微软雅黑" panose="020B0503020204020204" pitchFamily="34" charset="-122"/>
+              </a:rPr>
+              <a:t>echart</a:t>
+            </a:r>
+          </a:p>
+        </p:txBody>
+      </p:sp>
+      <p:sp>
+        <p:nvSpPr>
+          <p:cNvPr id="44" name="矩形 43">
+            <a:extLst>
+              <a:ext uri="{FF2B5EF4-FFF2-40B4-BE49-F238E27FC236}">
+                <a16:creationId xmlns:a16="http://schemas.microsoft.com/office/drawing/2014/main" xmlns="" id="{DC638EDD-CA87-46E2-B1F3-ACE3A5C2174D}"/>
+              </a:ext>
+            </a:extLst>
+          </p:cNvPr>
+          <p:cNvSpPr/>
+          <p:nvPr/>
+        </p:nvSpPr>
+        <p:spPr>
+          <a:xfrm>
+            <a:off x="1185043" y="1596051"/>
+            <a:ext cx="1200632" cy="246221"/>
+          </a:xfrm>
+          <a:prstGeom prst="rect">
+            <a:avLst/>
+          </a:prstGeom>
+          <a:noFill/>
+          <a:ln w="6350">
+            <a:noFill/>
+          </a:ln>
+        </p:spPr>
+        <p:txBody>
+          <a:bodyPr wrap="square">
+            <a:spAutoFit/>
+          </a:bodyPr>
+          <a:lstStyle/>
+          <a:p>
+            <a:pPr algn="ctr" defTabSz="1215619" fontAlgn="auto">
+              <a:spcBef>
+                <a:spcPts val="0"/>
+              </a:spcBef>
+              <a:spcAft>
+                <a:spcPts val="0"/>
+              </a:spcAft>
+              <a:defRPr/>
+            </a:pPr>
+            <a:r>
+              <a:rPr lang="zh-CN" altLang="en-US" sz="1000" b="1" kern="0" dirty="0">
+                <a:solidFill>
+                  <a:srgbClr val="1D1D1A"/>
+                </a:solidFill>
+                <a:latin typeface="微软雅黑" panose="020B0503020204020204" pitchFamily="34" charset="-122"/>
+                <a:ea typeface="微软雅黑"/>
+                <a:cs typeface="Arial"/>
+              </a:rPr>
+              <a:t>样式</a:t>
+            </a:r>
+            <a:endParaRPr lang="en-US" altLang="zh-CN" sz="1000" b="1" kern="0" dirty="0">
+              <a:solidFill>
+                <a:srgbClr val="1D1D1A"/>
+              </a:solidFill>
+              <a:latin typeface="微软雅黑" panose="020B0503020204020204" pitchFamily="34" charset="-122"/>
+              <a:ea typeface="微软雅黑"/>
+              <a:cs typeface="Arial"/>
+            </a:endParaRPr>
+          </a:p>
+        </p:txBody>
+      </p:sp>
+      <p:sp>
+        <p:nvSpPr>
+          <p:cNvPr id="45" name="矩形 44">
+            <a:extLst>
+              <a:ext uri="{FF2B5EF4-FFF2-40B4-BE49-F238E27FC236}">
+                <a16:creationId xmlns:a16="http://schemas.microsoft.com/office/drawing/2014/main" xmlns="" id="{CBFE1DCF-0FD6-43D9-9C95-ABFBE3864A6D}"/>
+              </a:ext>
+            </a:extLst>
+          </p:cNvPr>
+          <p:cNvSpPr/>
+          <p:nvPr/>
+        </p:nvSpPr>
+        <p:spPr>
+          <a:xfrm>
+            <a:off x="2765114" y="1596051"/>
+            <a:ext cx="1200632" cy="246221"/>
+          </a:xfrm>
+          <a:prstGeom prst="rect">
+            <a:avLst/>
+          </a:prstGeom>
+          <a:noFill/>
+          <a:ln w="6350">
+            <a:noFill/>
+          </a:ln>
+        </p:spPr>
+        <p:txBody>
+          <a:bodyPr wrap="square">
+            <a:spAutoFit/>
+          </a:bodyPr>
+          <a:lstStyle/>
+          <a:p>
+            <a:pPr algn="ctr" defTabSz="1215619" fontAlgn="auto">
+              <a:spcBef>
+                <a:spcPts val="0"/>
+              </a:spcBef>
+              <a:spcAft>
+                <a:spcPts val="0"/>
+              </a:spcAft>
+              <a:defRPr/>
+            </a:pPr>
+            <a:r>
+              <a:rPr lang="zh-CN" altLang="en-US" sz="1000" b="1" kern="0" dirty="0">
+                <a:solidFill>
+                  <a:srgbClr val="1D1D1A"/>
+                </a:solidFill>
+                <a:latin typeface="微软雅黑" panose="020B0503020204020204" pitchFamily="34" charset="-122"/>
+                <a:ea typeface="微软雅黑"/>
+                <a:cs typeface="Arial"/>
+              </a:rPr>
+              <a:t>图表</a:t>
+            </a:r>
+            <a:endParaRPr lang="en-US" altLang="zh-CN" sz="1000" b="1" kern="0" dirty="0">
+              <a:solidFill>
+                <a:srgbClr val="1D1D1A"/>
+              </a:solidFill>
+              <a:latin typeface="微软雅黑" panose="020B0503020204020204" pitchFamily="34" charset="-122"/>
+              <a:ea typeface="微软雅黑"/>
+              <a:cs typeface="Arial"/>
+            </a:endParaRPr>
+          </a:p>
+        </p:txBody>
+      </p:sp>
+      <p:sp>
+        <p:nvSpPr>
+          <p:cNvPr id="46" name="Google Shape;183;g812efbfd32_0_0">
+            <a:extLst>
+              <a:ext uri="{FF2B5EF4-FFF2-40B4-BE49-F238E27FC236}">
+                <a16:creationId xmlns:a16="http://schemas.microsoft.com/office/drawing/2014/main" xmlns="" id="{98639832-76B4-4CC3-80C3-16AB1A320CDE}"/>
+              </a:ext>
+            </a:extLst>
+          </p:cNvPr>
+          <p:cNvSpPr/>
+          <p:nvPr/>
+        </p:nvSpPr>
+        <p:spPr>
+          <a:xfrm>
+            <a:off x="7212357" y="1831705"/>
+            <a:ext cx="1224000" cy="342325"/>
+          </a:xfrm>
+          <a:prstGeom prst="roundRect">
+            <a:avLst>
+              <a:gd name="adj" fmla="val 0"/>
+            </a:avLst>
+          </a:prstGeom>
+          <a:solidFill>
+            <a:srgbClr val="99CCFF"/>
+          </a:solidFill>
+          <a:ln w="12700" cap="flat" cmpd="sng" algn="ctr">
+            <a:noFill/>
+            <a:prstDash val="solid"/>
+            <a:miter lim="800000"/>
+          </a:ln>
+          <a:effectLst>
+            <a:outerShdw blurRad="50800" dist="25400" dir="2700000" algn="tl" rotWithShape="0">
+              <a:prstClr val="black">
+                <a:alpha val="40000"/>
+              </a:prstClr>
+            </a:outerShdw>
+          </a:effectLst>
+        </p:spPr>
+        <p:txBody>
+          <a:bodyPr rtlCol="0" anchor="ctr"/>
+          <a:lstStyle/>
+          <a:p>
+            <a:pPr algn="ctr" fontAlgn="auto">
+              <a:spcBef>
+                <a:spcPts val="0"/>
+              </a:spcBef>
+              <a:spcAft>
+                <a:spcPts val="0"/>
+              </a:spcAft>
+            </a:pPr>
+            <a:r>
+              <a:rPr lang="en-US" altLang="zh-CN" sz="1200" kern="0" dirty="0">
+                <a:solidFill>
+                  <a:srgbClr val="000000">
+                    <a:lumMod val="85000"/>
+                    <a:lumOff val="15000"/>
+                  </a:srgbClr>
+                </a:solidFill>
+                <a:latin typeface="微软雅黑" panose="020B0503020204020204" pitchFamily="34" charset="-122"/>
+                <a:ea typeface="微软雅黑" panose="020B0503020204020204" pitchFamily="34" charset="-122"/>
+              </a:rPr>
+              <a:t>storybook</a:t>
+            </a:r>
+          </a:p>
+        </p:txBody>
+      </p:sp>
+      <p:sp>
+        <p:nvSpPr>
+          <p:cNvPr id="47" name="矩形 46">
+            <a:extLst>
+              <a:ext uri="{FF2B5EF4-FFF2-40B4-BE49-F238E27FC236}">
+                <a16:creationId xmlns:a16="http://schemas.microsoft.com/office/drawing/2014/main" xmlns="" id="{1294DDC8-BCED-4399-8416-932F13A17CD6}"/>
+              </a:ext>
+            </a:extLst>
+          </p:cNvPr>
+          <p:cNvSpPr/>
+          <p:nvPr/>
+        </p:nvSpPr>
+        <p:spPr>
+          <a:xfrm>
+            <a:off x="7197586" y="1596051"/>
+            <a:ext cx="1200632" cy="246221"/>
+          </a:xfrm>
+          <a:prstGeom prst="rect">
+            <a:avLst/>
+          </a:prstGeom>
+          <a:noFill/>
+          <a:ln w="6350">
+            <a:noFill/>
+          </a:ln>
+        </p:spPr>
+        <p:txBody>
+          <a:bodyPr wrap="square">
+            <a:spAutoFit/>
+          </a:bodyPr>
+          <a:lstStyle/>
+          <a:p>
+            <a:pPr algn="ctr" defTabSz="1215619" fontAlgn="auto">
+              <a:spcBef>
+                <a:spcPts val="0"/>
+              </a:spcBef>
+              <a:spcAft>
+                <a:spcPts val="0"/>
+              </a:spcAft>
+              <a:defRPr/>
+            </a:pPr>
+            <a:r>
+              <a:rPr lang="zh-CN" altLang="en-US" sz="1000" b="1" kern="0" dirty="0">
+                <a:solidFill>
+                  <a:srgbClr val="1D1D1A"/>
+                </a:solidFill>
+                <a:latin typeface="微软雅黑" panose="020B0503020204020204" pitchFamily="34" charset="-122"/>
+                <a:ea typeface="微软雅黑"/>
+                <a:cs typeface="Arial"/>
+              </a:rPr>
+              <a:t>文档建设</a:t>
+            </a:r>
+            <a:endParaRPr lang="en-US" altLang="zh-CN" sz="1000" b="1" kern="0" dirty="0">
+              <a:solidFill>
+                <a:srgbClr val="1D1D1A"/>
+              </a:solidFill>
+              <a:latin typeface="微软雅黑" panose="020B0503020204020204" pitchFamily="34" charset="-122"/>
+              <a:ea typeface="微软雅黑"/>
+              <a:cs typeface="Arial"/>
+            </a:endParaRPr>
+          </a:p>
+        </p:txBody>
+      </p:sp>
+      <p:sp>
+        <p:nvSpPr>
+          <p:cNvPr id="48" name="Google Shape;183;g812efbfd32_0_0">
+            <a:extLst>
+              <a:ext uri="{FF2B5EF4-FFF2-40B4-BE49-F238E27FC236}">
+                <a16:creationId xmlns:a16="http://schemas.microsoft.com/office/drawing/2014/main" xmlns="" id="{D01BDAFC-BF8C-4402-A797-9339245B851A}"/>
+              </a:ext>
+            </a:extLst>
+          </p:cNvPr>
+          <p:cNvSpPr/>
+          <p:nvPr/>
+        </p:nvSpPr>
+        <p:spPr>
+          <a:xfrm>
+            <a:off x="5709015" y="1831705"/>
+            <a:ext cx="1224000" cy="342325"/>
+          </a:xfrm>
+          <a:prstGeom prst="roundRect">
+            <a:avLst>
+              <a:gd name="adj" fmla="val 0"/>
+            </a:avLst>
+          </a:prstGeom>
+          <a:solidFill>
+            <a:srgbClr val="99CCFF"/>
+          </a:solidFill>
+          <a:ln w="12700" cap="flat" cmpd="sng" algn="ctr">
+            <a:noFill/>
+            <a:prstDash val="solid"/>
+            <a:miter lim="800000"/>
+          </a:ln>
+          <a:effectLst>
+            <a:outerShdw blurRad="50800" dist="25400" dir="2700000" algn="tl" rotWithShape="0">
+              <a:prstClr val="black">
+                <a:alpha val="40000"/>
+              </a:prstClr>
+            </a:outerShdw>
+          </a:effectLst>
+        </p:spPr>
+        <p:txBody>
+          <a:bodyPr rtlCol="0" anchor="ctr"/>
+          <a:lstStyle/>
+          <a:p>
+            <a:pPr algn="ctr" fontAlgn="auto">
+              <a:spcBef>
+                <a:spcPts val="0"/>
+              </a:spcBef>
+              <a:spcAft>
+                <a:spcPts val="0"/>
+              </a:spcAft>
+            </a:pPr>
+            <a:r>
+              <a:rPr lang="en-US" altLang="zh-CN" sz="1200" kern="0" dirty="0">
+                <a:solidFill>
+                  <a:srgbClr val="000000">
+                    <a:lumMod val="85000"/>
+                    <a:lumOff val="15000"/>
+                  </a:srgbClr>
+                </a:solidFill>
+                <a:latin typeface="微软雅黑" panose="020B0503020204020204" pitchFamily="34" charset="-122"/>
+                <a:ea typeface="微软雅黑" panose="020B0503020204020204" pitchFamily="34" charset="-122"/>
+              </a:rPr>
+              <a:t>Playwright</a:t>
+            </a:r>
+          </a:p>
+        </p:txBody>
+      </p:sp>
+      <p:sp>
+        <p:nvSpPr>
+          <p:cNvPr id="49" name="矩形 48">
+            <a:extLst>
+              <a:ext uri="{FF2B5EF4-FFF2-40B4-BE49-F238E27FC236}">
+                <a16:creationId xmlns:a16="http://schemas.microsoft.com/office/drawing/2014/main" xmlns="" id="{E442E5AD-F074-402E-A73E-2062988BBBCA}"/>
+              </a:ext>
+            </a:extLst>
+          </p:cNvPr>
+          <p:cNvSpPr/>
+          <p:nvPr/>
+        </p:nvSpPr>
+        <p:spPr>
+          <a:xfrm>
+            <a:off x="5732383" y="1596051"/>
+            <a:ext cx="1200632" cy="246221"/>
+          </a:xfrm>
+          <a:prstGeom prst="rect">
+            <a:avLst/>
+          </a:prstGeom>
+          <a:noFill/>
+          <a:ln w="6350">
+            <a:noFill/>
+          </a:ln>
+        </p:spPr>
+        <p:txBody>
+          <a:bodyPr wrap="square">
+            <a:spAutoFit/>
+          </a:bodyPr>
+          <a:lstStyle/>
+          <a:p>
+            <a:pPr algn="ctr" defTabSz="1215619" fontAlgn="auto">
+              <a:spcBef>
+                <a:spcPts val="0"/>
+              </a:spcBef>
+              <a:spcAft>
+                <a:spcPts val="0"/>
+              </a:spcAft>
+              <a:defRPr/>
+            </a:pPr>
+            <a:r>
+              <a:rPr lang="zh-CN" altLang="en-US" sz="1000" b="1" kern="0" dirty="0">
+                <a:solidFill>
+                  <a:srgbClr val="1D1D1A"/>
+                </a:solidFill>
+                <a:latin typeface="微软雅黑" panose="020B0503020204020204" pitchFamily="34" charset="-122"/>
+                <a:ea typeface="微软雅黑"/>
+                <a:cs typeface="Arial"/>
+              </a:rPr>
+              <a:t>自动化测试</a:t>
+            </a:r>
+            <a:endParaRPr lang="en-US" altLang="zh-CN" sz="1000" b="1" kern="0" dirty="0">
+              <a:solidFill>
+                <a:srgbClr val="1D1D1A"/>
+              </a:solidFill>
+              <a:latin typeface="微软雅黑" panose="020B0503020204020204" pitchFamily="34" charset="-122"/>
+              <a:ea typeface="微软雅黑"/>
+              <a:cs typeface="Arial"/>
+            </a:endParaRPr>
+          </a:p>
+        </p:txBody>
+      </p:sp>
+      <p:sp>
+        <p:nvSpPr>
+          <p:cNvPr id="50" name="Google Shape;183;g812efbfd32_0_0">
+            <a:extLst>
+              <a:ext uri="{FF2B5EF4-FFF2-40B4-BE49-F238E27FC236}">
+                <a16:creationId xmlns:a16="http://schemas.microsoft.com/office/drawing/2014/main" xmlns="" id="{9F283D91-7509-4B9D-8C7D-D729DBFBC37D}"/>
+              </a:ext>
+            </a:extLst>
+          </p:cNvPr>
+          <p:cNvSpPr/>
+          <p:nvPr/>
+        </p:nvSpPr>
+        <p:spPr>
+          <a:xfrm>
+            <a:off x="4205672" y="1831705"/>
+            <a:ext cx="1224000" cy="342325"/>
+          </a:xfrm>
+          <a:prstGeom prst="roundRect">
+            <a:avLst>
+              <a:gd name="adj" fmla="val 0"/>
+            </a:avLst>
+          </a:prstGeom>
+          <a:solidFill>
+            <a:srgbClr val="99CCFF"/>
+          </a:solidFill>
+          <a:ln w="12700" cap="flat" cmpd="sng" algn="ctr">
+            <a:noFill/>
+            <a:prstDash val="solid"/>
+            <a:miter lim="800000"/>
+          </a:ln>
+          <a:effectLst>
+            <a:outerShdw blurRad="50800" dist="25400" dir="2700000" algn="tl" rotWithShape="0">
+              <a:prstClr val="black">
+                <a:alpha val="40000"/>
+              </a:prstClr>
+            </a:outerShdw>
+          </a:effectLst>
+        </p:spPr>
+        <p:txBody>
+          <a:bodyPr rtlCol="0" anchor="ctr"/>
+          <a:lstStyle/>
+          <a:p>
+            <a:pPr algn="ctr" fontAlgn="auto">
+              <a:spcBef>
+                <a:spcPts val="0"/>
+              </a:spcBef>
+              <a:spcAft>
+                <a:spcPts val="0"/>
+              </a:spcAft>
+            </a:pPr>
+            <a:r>
+              <a:rPr lang="en-US" altLang="zh-CN" sz="1200" kern="0" dirty="0">
+                <a:solidFill>
+                  <a:srgbClr val="000000">
+                    <a:lumMod val="85000"/>
+                    <a:lumOff val="15000"/>
+                  </a:srgbClr>
+                </a:solidFill>
+                <a:latin typeface="微软雅黑" panose="020B0503020204020204" pitchFamily="34" charset="-122"/>
+                <a:ea typeface="微软雅黑" panose="020B0503020204020204" pitchFamily="34" charset="-122"/>
+              </a:rPr>
+              <a:t>@testing-library</a:t>
+            </a:r>
+          </a:p>
+        </p:txBody>
+      </p:sp>
+      <p:sp>
+        <p:nvSpPr>
+          <p:cNvPr id="51" name="矩形 50">
+            <a:extLst>
+              <a:ext uri="{FF2B5EF4-FFF2-40B4-BE49-F238E27FC236}">
+                <a16:creationId xmlns:a16="http://schemas.microsoft.com/office/drawing/2014/main" xmlns="" id="{699AEFE2-9493-4AA6-831B-9FF1F58238C2}"/>
+              </a:ext>
+            </a:extLst>
+          </p:cNvPr>
+          <p:cNvSpPr/>
+          <p:nvPr/>
+        </p:nvSpPr>
+        <p:spPr>
+          <a:xfrm>
+            <a:off x="4145860" y="1596051"/>
+            <a:ext cx="1200632" cy="246221"/>
+          </a:xfrm>
+          <a:prstGeom prst="rect">
+            <a:avLst/>
+          </a:prstGeom>
+          <a:noFill/>
+          <a:ln w="6350">
+            <a:noFill/>
+          </a:ln>
+        </p:spPr>
+        <p:txBody>
+          <a:bodyPr wrap="square">
+            <a:spAutoFit/>
+          </a:bodyPr>
+          <a:lstStyle/>
+          <a:p>
+            <a:pPr algn="ctr" defTabSz="1215619" fontAlgn="auto">
+              <a:spcBef>
+                <a:spcPts val="0"/>
+              </a:spcBef>
+              <a:spcAft>
+                <a:spcPts val="0"/>
+              </a:spcAft>
+              <a:defRPr/>
+            </a:pPr>
+            <a:r>
+              <a:rPr lang="zh-CN" altLang="en-US" sz="1000" b="1" kern="0" dirty="0">
+                <a:solidFill>
+                  <a:srgbClr val="1D1D1A"/>
+                </a:solidFill>
+                <a:latin typeface="微软雅黑" panose="020B0503020204020204" pitchFamily="34" charset="-122"/>
+                <a:ea typeface="微软雅黑"/>
+                <a:cs typeface="Arial"/>
+              </a:rPr>
+              <a:t>单元测试</a:t>
+            </a:r>
+            <a:endParaRPr lang="en-US" altLang="zh-CN" sz="1000" b="1" kern="0" dirty="0">
+              <a:solidFill>
+                <a:srgbClr val="1D1D1A"/>
+              </a:solidFill>
+              <a:latin typeface="微软雅黑" panose="020B0503020204020204" pitchFamily="34" charset="-122"/>
+              <a:ea typeface="微软雅黑"/>
+              <a:cs typeface="Arial"/>
+            </a:endParaRPr>
+          </a:p>
+        </p:txBody>
+      </p:sp>
+      <p:sp>
+        <p:nvSpPr>
+          <p:cNvPr id="52" name="矩形 51">
+            <a:extLst>
+              <a:ext uri="{FF2B5EF4-FFF2-40B4-BE49-F238E27FC236}">
+                <a16:creationId xmlns:a16="http://schemas.microsoft.com/office/drawing/2014/main" xmlns="" id="{6BABD088-22A7-4073-BABB-994EAE55C07E}"/>
+              </a:ext>
+            </a:extLst>
+          </p:cNvPr>
+          <p:cNvSpPr/>
+          <p:nvPr/>
+        </p:nvSpPr>
+        <p:spPr>
+          <a:xfrm>
+            <a:off x="1185043" y="2584312"/>
+            <a:ext cx="7251314" cy="650012"/>
+          </a:xfrm>
+          <a:prstGeom prst="rect">
+            <a:avLst/>
+          </a:prstGeom>
+          <a:noFill/>
+          <a:ln w="12700" cap="flat" cmpd="sng" algn="ctr">
+            <a:solidFill>
+              <a:srgbClr val="A7A7A7"/>
+            </a:solidFill>
+            <a:prstDash val="solid"/>
+            <a:miter lim="800000"/>
+          </a:ln>
+          <a:effectLst/>
+        </p:spPr>
+        <p:txBody>
+          <a:bodyPr rtlCol="0" anchor="ctr"/>
+          <a:lstStyle/>
+          <a:p>
+            <a:pPr algn="ctr" fontAlgn="auto">
+              <a:spcBef>
+                <a:spcPts val="0"/>
+              </a:spcBef>
+              <a:spcAft>
+                <a:spcPts val="0"/>
+              </a:spcAft>
+              <a:defRPr/>
+            </a:pPr>
+            <a:endParaRPr lang="zh-CN" altLang="en-US" sz="1200" kern="0">
+              <a:solidFill>
+                <a:srgbClr val="5B9BD5">
+                  <a:lumMod val="50000"/>
+                </a:srgbClr>
+              </a:solidFill>
+              <a:latin typeface="微软雅黑" panose="020B0503020204020204" pitchFamily="34" charset="-122"/>
+              <a:ea typeface="微软雅黑" panose="020B0503020204020204" pitchFamily="34" charset="-122"/>
+            </a:endParaRPr>
+          </a:p>
+        </p:txBody>
+      </p:sp>
+      <p:sp>
+        <p:nvSpPr>
+          <p:cNvPr id="53" name="矩形 52">
+            <a:extLst>
+              <a:ext uri="{FF2B5EF4-FFF2-40B4-BE49-F238E27FC236}">
+                <a16:creationId xmlns:a16="http://schemas.microsoft.com/office/drawing/2014/main" xmlns="" id="{450DC6DF-151F-4E1B-9E0C-C312E2573EDE}"/>
+              </a:ext>
+            </a:extLst>
+          </p:cNvPr>
+          <p:cNvSpPr/>
+          <p:nvPr/>
+        </p:nvSpPr>
+        <p:spPr>
+          <a:xfrm>
+            <a:off x="4156662" y="2620469"/>
+            <a:ext cx="1542410" cy="253916"/>
+          </a:xfrm>
+          <a:prstGeom prst="rect">
+            <a:avLst/>
+          </a:prstGeom>
+        </p:spPr>
+        <p:txBody>
+          <a:bodyPr wrap="none">
+            <a:spAutoFit/>
+          </a:bodyPr>
+          <a:lstStyle/>
+          <a:p>
+            <a:pPr fontAlgn="auto">
+              <a:spcBef>
+                <a:spcPts val="0"/>
+              </a:spcBef>
+              <a:spcAft>
+                <a:spcPts val="0"/>
+              </a:spcAft>
+            </a:pPr>
+            <a:r>
+              <a:rPr lang="en-US" altLang="zh-CN" sz="1050" b="1" kern="0" dirty="0">
+                <a:solidFill>
+                  <a:srgbClr val="C00000"/>
+                </a:solidFill>
+                <a:latin typeface="微软雅黑" panose="020B0503020204020204" pitchFamily="34" charset="-122"/>
+                <a:ea typeface="微软雅黑" panose="020B0503020204020204" pitchFamily="34" charset="-122"/>
+                <a:cs typeface="Arial"/>
+              </a:rPr>
+              <a:t>AI</a:t>
+            </a:r>
+            <a:r>
+              <a:rPr lang="zh-CN" altLang="en-US" sz="1050" b="1" kern="0" dirty="0">
+                <a:solidFill>
+                  <a:srgbClr val="C00000"/>
+                </a:solidFill>
+                <a:latin typeface="微软雅黑" panose="020B0503020204020204" pitchFamily="34" charset="-122"/>
+                <a:ea typeface="微软雅黑" panose="020B0503020204020204" pitchFamily="34" charset="-122"/>
+                <a:cs typeface="Arial"/>
+              </a:rPr>
+              <a:t>多模态生成应用代码</a:t>
+            </a:r>
+            <a:endParaRPr lang="zh-CN" altLang="en-US" sz="1050" dirty="0">
+              <a:solidFill>
+                <a:srgbClr val="C00000"/>
+              </a:solidFill>
+              <a:latin typeface="Arial"/>
+              <a:ea typeface="等线" panose="02010600030101010101" pitchFamily="2" charset="-122"/>
+            </a:endParaRPr>
+          </a:p>
+        </p:txBody>
+      </p:sp>
+      <p:sp>
+        <p:nvSpPr>
+          <p:cNvPr id="54" name="Google Shape;183;g812efbfd32_0_0">
+            <a:extLst>
+              <a:ext uri="{FF2B5EF4-FFF2-40B4-BE49-F238E27FC236}">
+                <a16:creationId xmlns:a16="http://schemas.microsoft.com/office/drawing/2014/main" xmlns="" id="{114337A7-CCF3-4411-9CBC-9E5638DCFA6D}"/>
+              </a:ext>
+            </a:extLst>
+          </p:cNvPr>
+          <p:cNvSpPr/>
+          <p:nvPr/>
+        </p:nvSpPr>
+        <p:spPr>
+          <a:xfrm>
+            <a:off x="1363207" y="2836970"/>
+            <a:ext cx="1944000" cy="315935"/>
+          </a:xfrm>
+          <a:prstGeom prst="roundRect">
+            <a:avLst>
+              <a:gd name="adj" fmla="val 0"/>
+            </a:avLst>
+          </a:prstGeom>
+          <a:solidFill>
+            <a:srgbClr val="99CCFF"/>
+          </a:solidFill>
+          <a:ln w="12700" cap="flat" cmpd="sng" algn="ctr">
+            <a:noFill/>
+            <a:prstDash val="solid"/>
+            <a:miter lim="800000"/>
+          </a:ln>
+          <a:effectLst>
+            <a:outerShdw blurRad="50800" dist="25400" dir="2700000" algn="tl" rotWithShape="0">
+              <a:prstClr val="black">
+                <a:alpha val="40000"/>
+              </a:prstClr>
+            </a:outerShdw>
+          </a:effectLst>
+        </p:spPr>
+        <p:txBody>
+          <a:bodyPr rtlCol="0" anchor="ctr"/>
+          <a:lstStyle/>
+          <a:p>
+            <a:pPr algn="ctr" fontAlgn="auto">
+              <a:spcBef>
+                <a:spcPts val="0"/>
+              </a:spcBef>
+              <a:spcAft>
+                <a:spcPts val="0"/>
+              </a:spcAft>
+            </a:pPr>
+            <a:r>
+              <a:rPr lang="zh-CN" altLang="en-US" sz="1200" kern="0" dirty="0">
+                <a:solidFill>
+                  <a:srgbClr val="000000">
+                    <a:lumMod val="85000"/>
+                    <a:lumOff val="15000"/>
+                  </a:srgbClr>
+                </a:solidFill>
+                <a:latin typeface="微软雅黑" panose="020B0503020204020204" pitchFamily="34" charset="-122"/>
+                <a:ea typeface="微软雅黑" panose="020B0503020204020204" pitchFamily="34" charset="-122"/>
+              </a:rPr>
+              <a:t>文本方式生成</a:t>
+            </a:r>
+          </a:p>
+        </p:txBody>
+      </p:sp>
+      <p:sp>
+        <p:nvSpPr>
+          <p:cNvPr id="55" name="Google Shape;183;g812efbfd32_0_0">
+            <a:extLst>
+              <a:ext uri="{FF2B5EF4-FFF2-40B4-BE49-F238E27FC236}">
+                <a16:creationId xmlns:a16="http://schemas.microsoft.com/office/drawing/2014/main" xmlns="" id="{869446CF-A770-4441-B38E-4FC9525B2EA4}"/>
+              </a:ext>
+            </a:extLst>
+          </p:cNvPr>
+          <p:cNvSpPr/>
+          <p:nvPr/>
+        </p:nvSpPr>
+        <p:spPr>
+          <a:xfrm>
+            <a:off x="3838440" y="2836970"/>
+            <a:ext cx="1944000" cy="315935"/>
+          </a:xfrm>
+          <a:prstGeom prst="roundRect">
+            <a:avLst>
+              <a:gd name="adj" fmla="val 0"/>
+            </a:avLst>
+          </a:prstGeom>
+          <a:solidFill>
+            <a:srgbClr val="99CCFF"/>
+          </a:solidFill>
+          <a:ln w="12700" cap="flat" cmpd="sng" algn="ctr">
+            <a:noFill/>
+            <a:prstDash val="solid"/>
+            <a:miter lim="800000"/>
+          </a:ln>
+          <a:effectLst>
+            <a:outerShdw blurRad="50800" dist="25400" dir="2700000" algn="tl" rotWithShape="0">
+              <a:prstClr val="black">
+                <a:alpha val="40000"/>
+              </a:prstClr>
+            </a:outerShdw>
+          </a:effectLst>
+        </p:spPr>
+        <p:txBody>
+          <a:bodyPr rtlCol="0" anchor="ctr"/>
+          <a:lstStyle/>
+          <a:p>
+            <a:pPr algn="ctr" fontAlgn="auto">
+              <a:spcBef>
+                <a:spcPts val="0"/>
+              </a:spcBef>
+              <a:spcAft>
+                <a:spcPts val="0"/>
+              </a:spcAft>
+            </a:pPr>
+            <a:r>
+              <a:rPr lang="zh-CN" altLang="en-US" sz="1200" kern="0" dirty="0">
+                <a:solidFill>
+                  <a:srgbClr val="000000">
+                    <a:lumMod val="85000"/>
+                    <a:lumOff val="15000"/>
+                  </a:srgbClr>
+                </a:solidFill>
+                <a:latin typeface="微软雅黑" panose="020B0503020204020204" pitchFamily="34" charset="-122"/>
+                <a:ea typeface="微软雅黑" panose="020B0503020204020204" pitchFamily="34" charset="-122"/>
+              </a:rPr>
+              <a:t>图片方式生成</a:t>
+            </a:r>
+          </a:p>
+        </p:txBody>
+      </p:sp>
+      <p:sp>
+        <p:nvSpPr>
+          <p:cNvPr id="56" name="Google Shape;183;g812efbfd32_0_0">
+            <a:extLst>
+              <a:ext uri="{FF2B5EF4-FFF2-40B4-BE49-F238E27FC236}">
+                <a16:creationId xmlns:a16="http://schemas.microsoft.com/office/drawing/2014/main" xmlns="" id="{F7E311D8-603D-4051-8B10-513761051D3B}"/>
+              </a:ext>
+            </a:extLst>
+          </p:cNvPr>
+          <p:cNvSpPr/>
+          <p:nvPr/>
+        </p:nvSpPr>
+        <p:spPr>
+          <a:xfrm>
+            <a:off x="6313673" y="2836970"/>
+            <a:ext cx="1944000" cy="315935"/>
+          </a:xfrm>
+          <a:prstGeom prst="roundRect">
+            <a:avLst>
+              <a:gd name="adj" fmla="val 0"/>
+            </a:avLst>
+          </a:prstGeom>
+          <a:solidFill>
+            <a:srgbClr val="99CCFF"/>
+          </a:solidFill>
+          <a:ln w="12700" cap="flat" cmpd="sng" algn="ctr">
+            <a:noFill/>
+            <a:prstDash val="solid"/>
+            <a:miter lim="800000"/>
+          </a:ln>
+          <a:effectLst>
+            <a:outerShdw blurRad="50800" dist="25400" dir="2700000" algn="tl" rotWithShape="0">
+              <a:prstClr val="black">
+                <a:alpha val="40000"/>
+              </a:prstClr>
+            </a:outerShdw>
+          </a:effectLst>
+        </p:spPr>
+        <p:txBody>
+          <a:bodyPr rtlCol="0" anchor="ctr"/>
+          <a:lstStyle/>
+          <a:p>
+            <a:pPr algn="ctr" fontAlgn="auto">
+              <a:spcBef>
+                <a:spcPts val="0"/>
+              </a:spcBef>
+              <a:spcAft>
+                <a:spcPts val="0"/>
+              </a:spcAft>
+            </a:pPr>
+            <a:r>
+              <a:rPr lang="en-US" altLang="zh-CN" sz="1200" kern="0" dirty="0">
+                <a:solidFill>
+                  <a:srgbClr val="000000">
+                    <a:lumMod val="85000"/>
+                    <a:lumOff val="15000"/>
+                  </a:srgbClr>
+                </a:solidFill>
+                <a:latin typeface="微软雅黑" panose="020B0503020204020204" pitchFamily="34" charset="-122"/>
+                <a:ea typeface="微软雅黑" panose="020B0503020204020204" pitchFamily="34" charset="-122"/>
+              </a:rPr>
+              <a:t>Schema</a:t>
+            </a:r>
+            <a:r>
+              <a:rPr lang="zh-CN" altLang="en-US" sz="1200" kern="0" dirty="0">
+                <a:solidFill>
+                  <a:srgbClr val="000000">
+                    <a:lumMod val="85000"/>
+                    <a:lumOff val="15000"/>
+                  </a:srgbClr>
+                </a:solidFill>
+                <a:latin typeface="微软雅黑" panose="020B0503020204020204" pitchFamily="34" charset="-122"/>
+                <a:ea typeface="微软雅黑" panose="020B0503020204020204" pitchFamily="34" charset="-122"/>
+              </a:rPr>
+              <a:t>方式生成</a:t>
+            </a:r>
+          </a:p>
+        </p:txBody>
+      </p:sp>
+      <p:sp>
+        <p:nvSpPr>
+          <p:cNvPr id="57" name="Google Shape;183;g812efbfd32_0_0">
+            <a:extLst>
+              <a:ext uri="{FF2B5EF4-FFF2-40B4-BE49-F238E27FC236}">
+                <a16:creationId xmlns:a16="http://schemas.microsoft.com/office/drawing/2014/main" xmlns="" id="{3A8D285E-5B30-4E6D-8D37-81F33198EF58}"/>
+              </a:ext>
+            </a:extLst>
+          </p:cNvPr>
+          <p:cNvSpPr/>
+          <p:nvPr/>
+        </p:nvSpPr>
+        <p:spPr>
+          <a:xfrm>
+            <a:off x="1360787" y="3796389"/>
+            <a:ext cx="1041675" cy="342000"/>
+          </a:xfrm>
+          <a:prstGeom prst="roundRect">
+            <a:avLst>
+              <a:gd name="adj" fmla="val 0"/>
+            </a:avLst>
+          </a:prstGeom>
+          <a:solidFill>
+            <a:srgbClr val="E2F0D9"/>
+          </a:solidFill>
+          <a:ln w="12700" cap="flat" cmpd="sng" algn="ctr">
+            <a:noFill/>
+            <a:prstDash val="solid"/>
+            <a:miter lim="800000"/>
+          </a:ln>
+          <a:effectLst>
+            <a:outerShdw blurRad="50800" dist="25400" dir="2700000" algn="tl" rotWithShape="0">
+              <a:prstClr val="black">
+                <a:alpha val="40000"/>
+              </a:prstClr>
+            </a:outerShdw>
+          </a:effectLst>
+        </p:spPr>
+        <p:txBody>
+          <a:bodyPr rtlCol="0" anchor="ctr"/>
+          <a:lstStyle/>
+          <a:p>
+            <a:pPr algn="ctr" fontAlgn="auto">
+              <a:spcBef>
+                <a:spcPts val="0"/>
+              </a:spcBef>
+              <a:spcAft>
+                <a:spcPts val="0"/>
+              </a:spcAft>
+            </a:pPr>
+            <a:r>
+              <a:rPr lang="en-US" altLang="zh-CN" sz="1200" kern="0" dirty="0">
+                <a:solidFill>
+                  <a:srgbClr val="000000">
+                    <a:lumMod val="85000"/>
+                    <a:lumOff val="15000"/>
+                  </a:srgbClr>
+                </a:solidFill>
+                <a:latin typeface="微软雅黑" panose="020B0503020204020204" pitchFamily="34" charset="-122"/>
+                <a:ea typeface="微软雅黑" panose="020B0503020204020204" pitchFamily="34" charset="-122"/>
+              </a:rPr>
+              <a:t>Vite</a:t>
+            </a:r>
+            <a:endParaRPr lang="zh-CN" altLang="en-US" sz="1200" kern="0" dirty="0">
+              <a:solidFill>
+                <a:srgbClr val="000000">
+                  <a:lumMod val="85000"/>
+                  <a:lumOff val="15000"/>
+                </a:srgbClr>
+              </a:solidFill>
+              <a:latin typeface="微软雅黑" panose="020B0503020204020204" pitchFamily="34" charset="-122"/>
+              <a:ea typeface="微软雅黑" panose="020B0503020204020204" pitchFamily="34" charset="-122"/>
+            </a:endParaRPr>
+          </a:p>
+        </p:txBody>
+      </p:sp>
+      <p:sp>
+        <p:nvSpPr>
+          <p:cNvPr id="58" name="Google Shape;183;g812efbfd32_0_0">
+            <a:extLst>
+              <a:ext uri="{FF2B5EF4-FFF2-40B4-BE49-F238E27FC236}">
+                <a16:creationId xmlns:a16="http://schemas.microsoft.com/office/drawing/2014/main" xmlns="" id="{2D1FA8D9-9907-4FCE-8941-5D54AEAD617B}"/>
+              </a:ext>
+            </a:extLst>
+          </p:cNvPr>
+          <p:cNvSpPr/>
+          <p:nvPr/>
+        </p:nvSpPr>
+        <p:spPr>
+          <a:xfrm>
+            <a:off x="1370609" y="4231982"/>
+            <a:ext cx="1041675" cy="342000"/>
+          </a:xfrm>
+          <a:prstGeom prst="roundRect">
+            <a:avLst>
+              <a:gd name="adj" fmla="val 0"/>
+            </a:avLst>
+          </a:prstGeom>
+          <a:solidFill>
+            <a:srgbClr val="E2F0D9"/>
+          </a:solidFill>
+          <a:ln w="12700" cap="flat" cmpd="sng" algn="ctr">
+            <a:noFill/>
+            <a:prstDash val="solid"/>
+            <a:miter lim="800000"/>
+          </a:ln>
+          <a:effectLst>
+            <a:outerShdw blurRad="50800" dist="25400" dir="2700000" algn="tl" rotWithShape="0">
+              <a:prstClr val="black">
+                <a:alpha val="40000"/>
+              </a:prstClr>
+            </a:outerShdw>
+          </a:effectLst>
+        </p:spPr>
+        <p:txBody>
+          <a:bodyPr rtlCol="0" anchor="ctr"/>
+          <a:lstStyle/>
+          <a:p>
+            <a:pPr algn="ctr" fontAlgn="auto">
+              <a:spcBef>
+                <a:spcPts val="0"/>
+              </a:spcBef>
+              <a:spcAft>
+                <a:spcPts val="0"/>
+              </a:spcAft>
+            </a:pPr>
+            <a:r>
+              <a:rPr lang="en-US" altLang="zh-CN" sz="1200" kern="0" dirty="0">
+                <a:solidFill>
+                  <a:srgbClr val="000000">
+                    <a:lumMod val="85000"/>
+                    <a:lumOff val="15000"/>
+                  </a:srgbClr>
+                </a:solidFill>
+                <a:latin typeface="微软雅黑" panose="020B0503020204020204" pitchFamily="34" charset="-122"/>
+                <a:ea typeface="微软雅黑" panose="020B0503020204020204" pitchFamily="34" charset="-122"/>
+              </a:rPr>
+              <a:t>Webpack </a:t>
+            </a:r>
+          </a:p>
+        </p:txBody>
+      </p:sp>
+    </p:spTree>
+    <p:extLst>
+      <p:ext uri="{BB962C8B-B14F-4D97-AF65-F5344CB8AC3E}">
+        <p14:creationId xmlns:p14="http://schemas.microsoft.com/office/powerpoint/2010/main" val="1276999365"/>
+      </p:ext>
+    </p:extLst>
+  </p:cSld>
+  <p:clrMapOvr>
+    <a:masterClrMapping/>
+  </p:clrMapOvr>
+  <p:timing>
+    <p:tnLst>
+      <p:par>
+        <p:cTn id="1" dur="indefinite" restart="never" nodeType="tmRoot"/>
+      </p:par>
+    </p:tnLst>
+  </p:timing>
+</p:sld>
+</file>
+
 <file path=ppt/slides/slide2.xml><?xml version="1.0" encoding="utf-8"?>
 <p:sld xmlns:a="http://schemas.openxmlformats.org/drawingml/2006/main" xmlns:r="http://schemas.openxmlformats.org/officeDocument/2006/relationships" xmlns:p="http://schemas.openxmlformats.org/presentationml/2006/main">
   <p:cSld>
@@ -21773,15 +25245,7 @@
                 <a:ea typeface="微软雅黑" panose="020B0503020204020204" pitchFamily="34" charset="-122"/>
                 <a:sym typeface="Arial" panose="020B0604020202020204" pitchFamily="34" charset="0"/>
               </a:rPr>
-              <a:t>什么</a:t>
-            </a:r>
-            <a:r>
-              <a:rPr lang="zh-CN" altLang="en-US" b="1" dirty="0" smtClean="0">
-                <a:latin typeface="Arial" panose="020B0604020202020204" pitchFamily="34" charset="0"/>
-                <a:ea typeface="微软雅黑" panose="020B0503020204020204" pitchFamily="34" charset="-122"/>
-                <a:sym typeface="Arial" panose="020B0604020202020204" pitchFamily="34" charset="0"/>
-              </a:rPr>
-              <a:t>是</a:t>
+              <a:t>什么是</a:t>
             </a:r>
             <a:r>
               <a:rPr lang="en-US" altLang="zh-CN" b="1" dirty="0" err="1" smtClean="0">
@@ -22640,35 +26104,7 @@
                 <a:latin typeface="微软雅黑" panose="020B0503020204020204" pitchFamily="34" charset="-122"/>
                 <a:ea typeface="微软雅黑" panose="020B0503020204020204" pitchFamily="34" charset="-122"/>
               </a:rPr>
-              <a:t>是一款</a:t>
-            </a:r>
-            <a:r>
-              <a:rPr lang="zh-CN" altLang="en-US" sz="2296" dirty="0">
-                <a:latin typeface="微软雅黑" panose="020B0503020204020204" pitchFamily="34" charset="-122"/>
-                <a:ea typeface="微软雅黑" panose="020B0503020204020204" pitchFamily="34" charset="-122"/>
-              </a:rPr>
-              <a:t>基</a:t>
-            </a:r>
-            <a:r>
-              <a:rPr lang="zh-CN" altLang="en-US" sz="2296" dirty="0">
-                <a:latin typeface="微软雅黑" panose="020B0503020204020204" pitchFamily="34" charset="-122"/>
-                <a:ea typeface="微软雅黑" panose="020B0503020204020204" pitchFamily="34" charset="-122"/>
-              </a:rPr>
-              <a:t>于</a:t>
-            </a:r>
-            <a:r>
-              <a:rPr lang="zh-CN" altLang="en-US" sz="2296" dirty="0">
-                <a:latin typeface="微软雅黑" panose="020B0503020204020204" pitchFamily="34" charset="-122"/>
-                <a:ea typeface="微软雅黑" panose="020B0503020204020204" pitchFamily="34" charset="-122"/>
-              </a:rPr>
-              <a:t>插件</a:t>
-            </a:r>
-            <a:r>
-              <a:rPr lang="zh-CN" altLang="en-US" sz="2296" dirty="0">
-                <a:latin typeface="微软雅黑" panose="020B0503020204020204" pitchFamily="34" charset="-122"/>
-                <a:ea typeface="微软雅黑" panose="020B0503020204020204" pitchFamily="34" charset="-122"/>
-              </a:rPr>
-              <a:t>的前端应用开发框架。它能够为开发者带来：</a:t>
+              <a:t>是一款基于插件的前端应用开发框架。它能够为开发者带来：</a:t>
             </a:r>
             <a:endParaRPr lang="en-US" altLang="zh-CN" sz="2296" dirty="0">
               <a:latin typeface="微软雅黑" panose="020B0503020204020204" pitchFamily="34" charset="-122"/>
@@ -23196,14 +26632,7 @@
                 <a:latin typeface="Arial" panose="020B0604020202020204" pitchFamily="34" charset="0"/>
                 <a:sym typeface="Arial" panose="020B0604020202020204" pitchFamily="34" charset="0"/>
               </a:rPr>
-              <a:t>如何</a:t>
-            </a:r>
-            <a:r>
-              <a:rPr lang="zh-CN" altLang="en-US" dirty="0" smtClean="0">
-                <a:latin typeface="Arial" panose="020B0604020202020204" pitchFamily="34" charset="0"/>
-                <a:sym typeface="Arial" panose="020B0604020202020204" pitchFamily="34" charset="0"/>
-              </a:rPr>
-              <a:t>使用</a:t>
+              <a:t>如何使用</a:t>
             </a:r>
             <a:r>
               <a:rPr lang="en-US" altLang="zh-CN" sz="3600" dirty="0" err="1">
@@ -23241,7 +26670,7 @@
           <p:cNvPr id="20" name="object 7">
             <a:extLst>
               <a:ext uri="{FF2B5EF4-FFF2-40B4-BE49-F238E27FC236}">
-                <a16:creationId xmlns:a16="http://schemas.microsoft.com/office/drawing/2014/main" xmlns="" id="{F75A0198-C5F6-4E74-BE2D-D57F35533E3B}"/>
+                <a16:creationId xmlns="" xmlns:a16="http://schemas.microsoft.com/office/drawing/2014/main" id="{F75A0198-C5F6-4E74-BE2D-D57F35533E3B}"/>
               </a:ext>
             </a:extLst>
           </p:cNvPr>
@@ -23632,7 +27061,7 @@
           <p:cNvPr id="41" name="矩形 40">
             <a:extLst>
               <a:ext uri="{FF2B5EF4-FFF2-40B4-BE49-F238E27FC236}">
-                <a16:creationId xmlns:a16="http://schemas.microsoft.com/office/drawing/2014/main" xmlns="" id="{BC5C963D-BE80-464D-9850-368023303306}"/>
+                <a16:creationId xmlns="" xmlns:a16="http://schemas.microsoft.com/office/drawing/2014/main" id="{BC5C963D-BE80-464D-9850-368023303306}"/>
               </a:ext>
             </a:extLst>
           </p:cNvPr>
@@ -23811,7 +27240,7 @@
           <p:cNvPr id="42" name="矩形 41">
             <a:extLst>
               <a:ext uri="{FF2B5EF4-FFF2-40B4-BE49-F238E27FC236}">
-                <a16:creationId xmlns:a16="http://schemas.microsoft.com/office/drawing/2014/main" xmlns="" id="{BC5C963D-BE80-464D-9850-368023303306}"/>
+                <a16:creationId xmlns="" xmlns:a16="http://schemas.microsoft.com/office/drawing/2014/main" id="{BC5C963D-BE80-464D-9850-368023303306}"/>
               </a:ext>
             </a:extLst>
           </p:cNvPr>
@@ -24097,7 +27526,7 @@
           <p:cNvPr id="4" name="object 7">
             <a:extLst>
               <a:ext uri="{FF2B5EF4-FFF2-40B4-BE49-F238E27FC236}">
-                <a16:creationId xmlns:a16="http://schemas.microsoft.com/office/drawing/2014/main" xmlns="" id="{F75A0198-C5F6-4E74-BE2D-D57F35533E3B}"/>
+                <a16:creationId xmlns="" xmlns:a16="http://schemas.microsoft.com/office/drawing/2014/main" id="{F75A0198-C5F6-4E74-BE2D-D57F35533E3B}"/>
               </a:ext>
             </a:extLst>
           </p:cNvPr>
@@ -25952,7 +29381,7 @@
           <p:cNvPr id="3" name="object 7">
             <a:extLst>
               <a:ext uri="{FF2B5EF4-FFF2-40B4-BE49-F238E27FC236}">
-                <a16:creationId xmlns:a16="http://schemas.microsoft.com/office/drawing/2014/main" xmlns="" id="{F75A0198-C5F6-4E74-BE2D-D57F35533E3B}"/>
+                <a16:creationId xmlns="" xmlns:a16="http://schemas.microsoft.com/office/drawing/2014/main" id="{F75A0198-C5F6-4E74-BE2D-D57F35533E3B}"/>
               </a:ext>
             </a:extLst>
           </p:cNvPr>
@@ -26011,7 +29440,7 @@
           <p:cNvPr id="5" name="object 7">
             <a:extLst>
               <a:ext uri="{FF2B5EF4-FFF2-40B4-BE49-F238E27FC236}">
-                <a16:creationId xmlns:a16="http://schemas.microsoft.com/office/drawing/2014/main" xmlns="" id="{F75A0198-C5F6-4E74-BE2D-D57F35533E3B}"/>
+                <a16:creationId xmlns="" xmlns:a16="http://schemas.microsoft.com/office/drawing/2014/main" id="{F75A0198-C5F6-4E74-BE2D-D57F35533E3B}"/>
               </a:ext>
             </a:extLst>
           </p:cNvPr>
@@ -26231,7 +29660,7 @@
           <p:cNvPr id="3" name="object 7">
             <a:extLst>
               <a:ext uri="{FF2B5EF4-FFF2-40B4-BE49-F238E27FC236}">
-                <a16:creationId xmlns:a16="http://schemas.microsoft.com/office/drawing/2014/main" xmlns="" id="{F75A0198-C5F6-4E74-BE2D-D57F35533E3B}"/>
+                <a16:creationId xmlns="" xmlns:a16="http://schemas.microsoft.com/office/drawing/2014/main" id="{F75A0198-C5F6-4E74-BE2D-D57F35533E3B}"/>
               </a:ext>
             </a:extLst>
           </p:cNvPr>
@@ -26290,7 +29719,7 @@
           <p:cNvPr id="5" name="object 7">
             <a:extLst>
               <a:ext uri="{FF2B5EF4-FFF2-40B4-BE49-F238E27FC236}">
-                <a16:creationId xmlns:a16="http://schemas.microsoft.com/office/drawing/2014/main" xmlns="" id="{F75A0198-C5F6-4E74-BE2D-D57F35533E3B}"/>
+                <a16:creationId xmlns="" xmlns:a16="http://schemas.microsoft.com/office/drawing/2014/main" id="{F75A0198-C5F6-4E74-BE2D-D57F35533E3B}"/>
               </a:ext>
             </a:extLst>
           </p:cNvPr>
@@ -26499,7 +29928,7 @@
           <p:cNvPr id="9" name="矩形 8">
             <a:extLst>
               <a:ext uri="{FF2B5EF4-FFF2-40B4-BE49-F238E27FC236}">
-                <a16:creationId xmlns:a16="http://schemas.microsoft.com/office/drawing/2014/main" xmlns="" id="{BC5C963D-BE80-464D-9850-368023303306}"/>
+                <a16:creationId xmlns="" xmlns:a16="http://schemas.microsoft.com/office/drawing/2014/main" id="{BC5C963D-BE80-464D-9850-368023303306}"/>
               </a:ext>
             </a:extLst>
           </p:cNvPr>
@@ -26787,7 +30216,7 @@
           <p:cNvPr id="3" name="object 7">
             <a:extLst>
               <a:ext uri="{FF2B5EF4-FFF2-40B4-BE49-F238E27FC236}">
-                <a16:creationId xmlns:a16="http://schemas.microsoft.com/office/drawing/2014/main" xmlns="" id="{F75A0198-C5F6-4E74-BE2D-D57F35533E3B}"/>
+                <a16:creationId xmlns="" xmlns:a16="http://schemas.microsoft.com/office/drawing/2014/main" id="{F75A0198-C5F6-4E74-BE2D-D57F35533E3B}"/>
               </a:ext>
             </a:extLst>
           </p:cNvPr>
@@ -28902,7 +32331,7 @@
           <p:cNvPr id="10" name="object 7">
             <a:extLst>
               <a:ext uri="{FF2B5EF4-FFF2-40B4-BE49-F238E27FC236}">
-                <a16:creationId xmlns:a16="http://schemas.microsoft.com/office/drawing/2014/main" xmlns="" id="{F75A0198-C5F6-4E74-BE2D-D57F35533E3B}"/>
+                <a16:creationId xmlns="" xmlns:a16="http://schemas.microsoft.com/office/drawing/2014/main" id="{F75A0198-C5F6-4E74-BE2D-D57F35533E3B}"/>
               </a:ext>
             </a:extLst>
           </p:cNvPr>
@@ -29035,7 +32464,7 @@
           <p:cNvPr id="11" name="文本框 10">
             <a:extLst>
               <a:ext uri="{FF2B5EF4-FFF2-40B4-BE49-F238E27FC236}">
-                <a16:creationId xmlns="" xmlns:a16="http://schemas.microsoft.com/office/drawing/2014/main" id="{53DC4F40-56D8-4BF7-BC26-1759CBBE2E7A}"/>
+                <a16:creationId xmlns:a16="http://schemas.microsoft.com/office/drawing/2014/main" xmlns="" id="{53DC4F40-56D8-4BF7-BC26-1759CBBE2E7A}"/>
               </a:ext>
             </a:extLst>
           </p:cNvPr>
@@ -29085,7 +32514,6 @@
               <a:rPr lang="zh-CN" altLang="en-US" sz="1377" dirty="0"/>
               <a:t>、编写插件文件</a:t>
             </a:r>
-            <a:endParaRPr lang="zh-CN" altLang="en-US" sz="1377" dirty="0"/>
           </a:p>
         </p:txBody>
       </p:sp>
@@ -29094,7 +32522,7 @@
           <p:cNvPr id="12" name="文本框 11">
             <a:extLst>
               <a:ext uri="{FF2B5EF4-FFF2-40B4-BE49-F238E27FC236}">
-                <a16:creationId xmlns="" xmlns:a16="http://schemas.microsoft.com/office/drawing/2014/main" id="{53DC4F40-56D8-4BF7-BC26-1759CBBE2E7A}"/>
+                <a16:creationId xmlns:a16="http://schemas.microsoft.com/office/drawing/2014/main" xmlns="" id="{53DC4F40-56D8-4BF7-BC26-1759CBBE2E7A}"/>
               </a:ext>
             </a:extLst>
           </p:cNvPr>
@@ -29152,7 +32580,6 @@
               <a:rPr lang="zh-CN" altLang="en-US" sz="1377" dirty="0"/>
               <a:t>文件中添加插件</a:t>
             </a:r>
-            <a:endParaRPr lang="zh-CN" altLang="en-US" sz="1377" dirty="0"/>
           </a:p>
         </p:txBody>
       </p:sp>
@@ -29161,7 +32588,7 @@
           <p:cNvPr id="13" name="文本框 12">
             <a:extLst>
               <a:ext uri="{FF2B5EF4-FFF2-40B4-BE49-F238E27FC236}">
-                <a16:creationId xmlns="" xmlns:a16="http://schemas.microsoft.com/office/drawing/2014/main" id="{53DC4F40-56D8-4BF7-BC26-1759CBBE2E7A}"/>
+                <a16:creationId xmlns:a16="http://schemas.microsoft.com/office/drawing/2014/main" xmlns="" id="{53DC4F40-56D8-4BF7-BC26-1759CBBE2E7A}"/>
               </a:ext>
             </a:extLst>
           </p:cNvPr>
@@ -29219,7 +32646,6 @@
               <a:rPr lang="zh-CN" altLang="en-US" sz="1377" dirty="0"/>
               <a:t>调用命令</a:t>
             </a:r>
-            <a:endParaRPr lang="zh-CN" altLang="en-US" sz="1377" dirty="0"/>
           </a:p>
         </p:txBody>
       </p:sp>
@@ -29228,7 +32654,7 @@
           <p:cNvPr id="17" name="矩形 16">
             <a:extLst>
               <a:ext uri="{FF2B5EF4-FFF2-40B4-BE49-F238E27FC236}">
-                <a16:creationId xmlns:a16="http://schemas.microsoft.com/office/drawing/2014/main" xmlns="" id="{BC5C963D-BE80-464D-9850-368023303306}"/>
+                <a16:creationId xmlns="" xmlns:a16="http://schemas.microsoft.com/office/drawing/2014/main" id="{BC5C963D-BE80-464D-9850-368023303306}"/>
               </a:ext>
             </a:extLst>
           </p:cNvPr>
@@ -29407,7 +32833,7 @@
           <p:cNvPr id="18" name="矩形 17">
             <a:extLst>
               <a:ext uri="{FF2B5EF4-FFF2-40B4-BE49-F238E27FC236}">
-                <a16:creationId xmlns:a16="http://schemas.microsoft.com/office/drawing/2014/main" xmlns="" id="{BC5C963D-BE80-464D-9850-368023303306}"/>
+                <a16:creationId xmlns="" xmlns:a16="http://schemas.microsoft.com/office/drawing/2014/main" id="{BC5C963D-BE80-464D-9850-368023303306}"/>
               </a:ext>
             </a:extLst>
           </p:cNvPr>
@@ -29586,7 +33012,7 @@
           <p:cNvPr id="20" name="矩形 19">
             <a:extLst>
               <a:ext uri="{FF2B5EF4-FFF2-40B4-BE49-F238E27FC236}">
-                <a16:creationId xmlns:a16="http://schemas.microsoft.com/office/drawing/2014/main" xmlns="" id="{BC5C963D-BE80-464D-9850-368023303306}"/>
+                <a16:creationId xmlns="" xmlns:a16="http://schemas.microsoft.com/office/drawing/2014/main" id="{BC5C963D-BE80-464D-9850-368023303306}"/>
               </a:ext>
             </a:extLst>
           </p:cNvPr>
@@ -29860,7 +33286,7 @@
           <p:cNvPr id="4" name="object 7">
             <a:extLst>
               <a:ext uri="{FF2B5EF4-FFF2-40B4-BE49-F238E27FC236}">
-                <a16:creationId xmlns:a16="http://schemas.microsoft.com/office/drawing/2014/main" xmlns="" id="{F75A0198-C5F6-4E74-BE2D-D57F35533E3B}"/>
+                <a16:creationId xmlns="" xmlns:a16="http://schemas.microsoft.com/office/drawing/2014/main" id="{F75A0198-C5F6-4E74-BE2D-D57F35533E3B}"/>
               </a:ext>
             </a:extLst>
           </p:cNvPr>
@@ -29937,7 +33363,7 @@
           <p:cNvPr id="5" name="文本框 4">
             <a:extLst>
               <a:ext uri="{FF2B5EF4-FFF2-40B4-BE49-F238E27FC236}">
-                <a16:creationId xmlns="" xmlns:a16="http://schemas.microsoft.com/office/drawing/2014/main" id="{53DC4F40-56D8-4BF7-BC26-1759CBBE2E7A}"/>
+                <a16:creationId xmlns:a16="http://schemas.microsoft.com/office/drawing/2014/main" xmlns="" id="{53DC4F40-56D8-4BF7-BC26-1759CBBE2E7A}"/>
               </a:ext>
             </a:extLst>
           </p:cNvPr>
@@ -29995,7 +33421,6 @@
               <a:rPr lang="zh-CN" altLang="en-US" sz="1377" dirty="0"/>
               <a:t>插件文件</a:t>
             </a:r>
-            <a:endParaRPr lang="zh-CN" altLang="en-US" sz="1377" dirty="0"/>
           </a:p>
         </p:txBody>
       </p:sp>
@@ -30004,7 +33429,7 @@
           <p:cNvPr id="6" name="文本框 5">
             <a:extLst>
               <a:ext uri="{FF2B5EF4-FFF2-40B4-BE49-F238E27FC236}">
-                <a16:creationId xmlns="" xmlns:a16="http://schemas.microsoft.com/office/drawing/2014/main" id="{53DC4F40-56D8-4BF7-BC26-1759CBBE2E7A}"/>
+                <a16:creationId xmlns:a16="http://schemas.microsoft.com/office/drawing/2014/main" xmlns="" id="{53DC4F40-56D8-4BF7-BC26-1759CBBE2E7A}"/>
               </a:ext>
             </a:extLst>
           </p:cNvPr>
@@ -30062,7 +33487,6 @@
               <a:rPr lang="zh-CN" altLang="en-US" sz="1377" dirty="0"/>
               <a:t>触发</a:t>
             </a:r>
-            <a:endParaRPr lang="zh-CN" altLang="en-US" sz="1377" dirty="0"/>
           </a:p>
         </p:txBody>
       </p:sp>
@@ -30071,7 +33495,7 @@
           <p:cNvPr id="7" name="文本框 6">
             <a:extLst>
               <a:ext uri="{FF2B5EF4-FFF2-40B4-BE49-F238E27FC236}">
-                <a16:creationId xmlns="" xmlns:a16="http://schemas.microsoft.com/office/drawing/2014/main" id="{53DC4F40-56D8-4BF7-BC26-1759CBBE2E7A}"/>
+                <a16:creationId xmlns:a16="http://schemas.microsoft.com/office/drawing/2014/main" xmlns="" id="{53DC4F40-56D8-4BF7-BC26-1759CBBE2E7A}"/>
               </a:ext>
             </a:extLst>
           </p:cNvPr>
@@ -30137,7 +33561,6 @@
               <a:rPr lang="zh-CN" altLang="en-US" sz="1377" dirty="0"/>
               <a:t>插件，并触发命令</a:t>
             </a:r>
-            <a:endParaRPr lang="zh-CN" altLang="en-US" sz="1377" dirty="0"/>
           </a:p>
         </p:txBody>
       </p:sp>
@@ -30146,7 +33569,7 @@
           <p:cNvPr id="12" name="矩形 11">
             <a:extLst>
               <a:ext uri="{FF2B5EF4-FFF2-40B4-BE49-F238E27FC236}">
-                <a16:creationId xmlns:a16="http://schemas.microsoft.com/office/drawing/2014/main" xmlns="" id="{BC5C963D-BE80-464D-9850-368023303306}"/>
+                <a16:creationId xmlns="" xmlns:a16="http://schemas.microsoft.com/office/drawing/2014/main" id="{BC5C963D-BE80-464D-9850-368023303306}"/>
               </a:ext>
             </a:extLst>
           </p:cNvPr>
@@ -30325,7 +33748,7 @@
           <p:cNvPr id="13" name="矩形 12">
             <a:extLst>
               <a:ext uri="{FF2B5EF4-FFF2-40B4-BE49-F238E27FC236}">
-                <a16:creationId xmlns:a16="http://schemas.microsoft.com/office/drawing/2014/main" xmlns="" id="{BC5C963D-BE80-464D-9850-368023303306}"/>
+                <a16:creationId xmlns="" xmlns:a16="http://schemas.microsoft.com/office/drawing/2014/main" id="{BC5C963D-BE80-464D-9850-368023303306}"/>
               </a:ext>
             </a:extLst>
           </p:cNvPr>
@@ -30504,7 +33927,7 @@
           <p:cNvPr id="15" name="矩形 14">
             <a:extLst>
               <a:ext uri="{FF2B5EF4-FFF2-40B4-BE49-F238E27FC236}">
-                <a16:creationId xmlns:a16="http://schemas.microsoft.com/office/drawing/2014/main" xmlns="" id="{BC5C963D-BE80-464D-9850-368023303306}"/>
+                <a16:creationId xmlns="" xmlns:a16="http://schemas.microsoft.com/office/drawing/2014/main" id="{BC5C963D-BE80-464D-9850-368023303306}"/>
               </a:ext>
             </a:extLst>
           </p:cNvPr>
